--- a/Slides/Exercise7.pptx
+++ b/Slides/Exercise7.pptx
@@ -5,7 +5,7 @@
     <p:sldMasterId id="2147483648" r:id="rId1"/>
   </p:sldMasterIdLst>
   <p:notesMasterIdLst>
-    <p:notesMasterId r:id="rId10"/>
+    <p:notesMasterId r:id="rId31"/>
   </p:notesMasterIdLst>
   <p:sldIdLst>
     <p:sldId id="256" r:id="rId2"/>
@@ -13,9 +13,30 @@
     <p:sldId id="259" r:id="rId4"/>
     <p:sldId id="261" r:id="rId5"/>
     <p:sldId id="260" r:id="rId6"/>
-    <p:sldId id="262" r:id="rId7"/>
-    <p:sldId id="269" r:id="rId8"/>
-    <p:sldId id="270" r:id="rId9"/>
+    <p:sldId id="271" r:id="rId7"/>
+    <p:sldId id="272" r:id="rId8"/>
+    <p:sldId id="273" r:id="rId9"/>
+    <p:sldId id="275" r:id="rId10"/>
+    <p:sldId id="274" r:id="rId11"/>
+    <p:sldId id="276" r:id="rId12"/>
+    <p:sldId id="277" r:id="rId13"/>
+    <p:sldId id="280" r:id="rId14"/>
+    <p:sldId id="281" r:id="rId15"/>
+    <p:sldId id="282" r:id="rId16"/>
+    <p:sldId id="283" r:id="rId17"/>
+    <p:sldId id="284" r:id="rId18"/>
+    <p:sldId id="285" r:id="rId19"/>
+    <p:sldId id="278" r:id="rId20"/>
+    <p:sldId id="279" r:id="rId21"/>
+    <p:sldId id="286" r:id="rId22"/>
+    <p:sldId id="287" r:id="rId23"/>
+    <p:sldId id="288" r:id="rId24"/>
+    <p:sldId id="289" r:id="rId25"/>
+    <p:sldId id="290" r:id="rId26"/>
+    <p:sldId id="291" r:id="rId27"/>
+    <p:sldId id="292" r:id="rId28"/>
+    <p:sldId id="269" r:id="rId29"/>
+    <p:sldId id="270" r:id="rId30"/>
   </p:sldIdLst>
   <p:sldSz cx="12192000" cy="6858000"/>
   <p:notesSz cx="6858000" cy="9144000"/>
@@ -204,7 +225,7 @@
           <a:p>
             <a:fld id="{C44A8054-7575-46ED-82E9-6C021B2B560C}" type="datetimeFigureOut">
               <a:rPr lang="en-US" smtClean="0"/>
-              <a:t>5/10/2022</a:t>
+              <a:t>5/18/2022</a:t>
             </a:fld>
             <a:endParaRPr lang="en-US"/>
           </a:p>
@@ -471,93 +492,6 @@
 </p:notesMaster>
 </file>
 
-<file path=ppt/notesSlides/notesSlide1.xml><?xml version="1.0" encoding="utf-8"?>
-<p:notes xmlns:a="http://schemas.openxmlformats.org/drawingml/2006/main" xmlns:r="http://schemas.openxmlformats.org/officeDocument/2006/relationships" xmlns:p="http://schemas.openxmlformats.org/presentationml/2006/main">
-  <p:cSld>
-    <p:spTree>
-      <p:nvGrpSpPr>
-        <p:cNvPr id="1" name=""/>
-        <p:cNvGrpSpPr/>
-        <p:nvPr/>
-      </p:nvGrpSpPr>
-      <p:grpSpPr>
-        <a:xfrm>
-          <a:off x="0" y="0"/>
-          <a:ext cx="0" cy="0"/>
-          <a:chOff x="0" y="0"/>
-          <a:chExt cx="0" cy="0"/>
-        </a:xfrm>
-      </p:grpSpPr>
-      <p:sp>
-        <p:nvSpPr>
-          <p:cNvPr id="2" name="Slide Image Placeholder 1"/>
-          <p:cNvSpPr>
-            <a:spLocks noGrp="1" noRot="1" noChangeAspect="1"/>
-          </p:cNvSpPr>
-          <p:nvPr>
-            <p:ph type="sldImg"/>
-          </p:nvPr>
-        </p:nvSpPr>
-        <p:spPr/>
-      </p:sp>
-      <p:sp>
-        <p:nvSpPr>
-          <p:cNvPr id="3" name="Notes Placeholder 2"/>
-          <p:cNvSpPr>
-            <a:spLocks noGrp="1"/>
-          </p:cNvSpPr>
-          <p:nvPr>
-            <p:ph type="body" idx="1"/>
-          </p:nvPr>
-        </p:nvSpPr>
-        <p:spPr/>
-        <p:txBody>
-          <a:bodyPr/>
-          <a:lstStyle/>
-          <a:p>
-            <a:r>
-              <a:rPr lang="en-US" dirty="0"/>
-              <a:t>An older video: Information Flow and Graph Structure in Online Social Networks,  https://www.youtube.com/watch?v=iccgU1ul13E&amp;t=12s </a:t>
-            </a:r>
-          </a:p>
-        </p:txBody>
-      </p:sp>
-      <p:sp>
-        <p:nvSpPr>
-          <p:cNvPr id="4" name="Slide Number Placeholder 3"/>
-          <p:cNvSpPr>
-            <a:spLocks noGrp="1"/>
-          </p:cNvSpPr>
-          <p:nvPr>
-            <p:ph type="sldNum" sz="quarter" idx="5"/>
-          </p:nvPr>
-        </p:nvSpPr>
-        <p:spPr/>
-        <p:txBody>
-          <a:bodyPr/>
-          <a:lstStyle/>
-          <a:p>
-            <a:fld id="{3A16733D-C07F-471C-AE70-5B7A24429D43}" type="slidenum">
-              <a:rPr lang="en-US" smtClean="0"/>
-              <a:t>6</a:t>
-            </a:fld>
-            <a:endParaRPr lang="en-US"/>
-          </a:p>
-        </p:txBody>
-      </p:sp>
-    </p:spTree>
-    <p:extLst>
-      <p:ext uri="{BB962C8B-B14F-4D97-AF65-F5344CB8AC3E}">
-        <p14:creationId xmlns:p14="http://schemas.microsoft.com/office/powerpoint/2010/main" val="4157330999"/>
-      </p:ext>
-    </p:extLst>
-  </p:cSld>
-  <p:clrMapOvr>
-    <a:masterClrMapping/>
-  </p:clrMapOvr>
-</p:notes>
-</file>
-
 <file path=ppt/slideLayouts/slideLayout1.xml><?xml version="1.0" encoding="utf-8"?>
 <p:sldLayout xmlns:a="http://schemas.openxmlformats.org/drawingml/2006/main" xmlns:r="http://schemas.openxmlformats.org/officeDocument/2006/relationships" xmlns:p="http://schemas.openxmlformats.org/presentationml/2006/main" type="title" preserve="1">
   <p:cSld name="Title Slide">
@@ -705,7 +639,7 @@
           <a:p>
             <a:fld id="{88D43484-B21C-4C47-BC97-6BB10547D1CE}" type="datetimeFigureOut">
               <a:rPr lang="en-US" smtClean="0"/>
-              <a:t>5/10/2022</a:t>
+              <a:t>5/18/2022</a:t>
             </a:fld>
             <a:endParaRPr lang="en-US"/>
           </a:p>
@@ -903,7 +837,7 @@
           <a:p>
             <a:fld id="{88D43484-B21C-4C47-BC97-6BB10547D1CE}" type="datetimeFigureOut">
               <a:rPr lang="en-US" smtClean="0"/>
-              <a:t>5/10/2022</a:t>
+              <a:t>5/18/2022</a:t>
             </a:fld>
             <a:endParaRPr lang="en-US"/>
           </a:p>
@@ -1111,7 +1045,7 @@
           <a:p>
             <a:fld id="{88D43484-B21C-4C47-BC97-6BB10547D1CE}" type="datetimeFigureOut">
               <a:rPr lang="en-US" smtClean="0"/>
-              <a:t>5/10/2022</a:t>
+              <a:t>5/18/2022</a:t>
             </a:fld>
             <a:endParaRPr lang="en-US"/>
           </a:p>
@@ -1309,7 +1243,7 @@
           <a:p>
             <a:fld id="{88D43484-B21C-4C47-BC97-6BB10547D1CE}" type="datetimeFigureOut">
               <a:rPr lang="en-US" smtClean="0"/>
-              <a:t>5/10/2022</a:t>
+              <a:t>5/18/2022</a:t>
             </a:fld>
             <a:endParaRPr lang="en-US"/>
           </a:p>
@@ -1584,7 +1518,7 @@
           <a:p>
             <a:fld id="{88D43484-B21C-4C47-BC97-6BB10547D1CE}" type="datetimeFigureOut">
               <a:rPr lang="en-US" smtClean="0"/>
-              <a:t>5/10/2022</a:t>
+              <a:t>5/18/2022</a:t>
             </a:fld>
             <a:endParaRPr lang="en-US"/>
           </a:p>
@@ -1849,7 +1783,7 @@
           <a:p>
             <a:fld id="{88D43484-B21C-4C47-BC97-6BB10547D1CE}" type="datetimeFigureOut">
               <a:rPr lang="en-US" smtClean="0"/>
-              <a:t>5/10/2022</a:t>
+              <a:t>5/18/2022</a:t>
             </a:fld>
             <a:endParaRPr lang="en-US"/>
           </a:p>
@@ -2261,7 +2195,7 @@
           <a:p>
             <a:fld id="{88D43484-B21C-4C47-BC97-6BB10547D1CE}" type="datetimeFigureOut">
               <a:rPr lang="en-US" smtClean="0"/>
-              <a:t>5/10/2022</a:t>
+              <a:t>5/18/2022</a:t>
             </a:fld>
             <a:endParaRPr lang="en-US"/>
           </a:p>
@@ -2402,7 +2336,7 @@
           <a:p>
             <a:fld id="{88D43484-B21C-4C47-BC97-6BB10547D1CE}" type="datetimeFigureOut">
               <a:rPr lang="en-US" smtClean="0"/>
-              <a:t>5/10/2022</a:t>
+              <a:t>5/18/2022</a:t>
             </a:fld>
             <a:endParaRPr lang="en-US"/>
           </a:p>
@@ -2515,7 +2449,7 @@
           <a:p>
             <a:fld id="{88D43484-B21C-4C47-BC97-6BB10547D1CE}" type="datetimeFigureOut">
               <a:rPr lang="en-US" smtClean="0"/>
-              <a:t>5/10/2022</a:t>
+              <a:t>5/18/2022</a:t>
             </a:fld>
             <a:endParaRPr lang="en-US"/>
           </a:p>
@@ -2826,7 +2760,7 @@
           <a:p>
             <a:fld id="{88D43484-B21C-4C47-BC97-6BB10547D1CE}" type="datetimeFigureOut">
               <a:rPr lang="en-US" smtClean="0"/>
-              <a:t>5/10/2022</a:t>
+              <a:t>5/18/2022</a:t>
             </a:fld>
             <a:endParaRPr lang="en-US"/>
           </a:p>
@@ -3114,7 +3048,7 @@
           <a:p>
             <a:fld id="{88D43484-B21C-4C47-BC97-6BB10547D1CE}" type="datetimeFigureOut">
               <a:rPr lang="en-US" smtClean="0"/>
-              <a:t>5/10/2022</a:t>
+              <a:t>5/18/2022</a:t>
             </a:fld>
             <a:endParaRPr lang="en-US"/>
           </a:p>
@@ -3355,7 +3289,7 @@
           <a:p>
             <a:fld id="{88D43484-B21C-4C47-BC97-6BB10547D1CE}" type="datetimeFigureOut">
               <a:rPr lang="en-US" smtClean="0"/>
-              <a:t>5/10/2022</a:t>
+              <a:t>5/18/2022</a:t>
             </a:fld>
             <a:endParaRPr lang="en-US"/>
           </a:p>
@@ -3902,6 +3836,2479 @@
 </p:sld>
 </file>
 
+<file path=ppt/slides/slide10.xml><?xml version="1.0" encoding="utf-8"?>
+<p:sld xmlns:a="http://schemas.openxmlformats.org/drawingml/2006/main" xmlns:r="http://schemas.openxmlformats.org/officeDocument/2006/relationships" xmlns:p="http://schemas.openxmlformats.org/presentationml/2006/main">
+  <p:cSld>
+    <p:spTree>
+      <p:nvGrpSpPr>
+        <p:cNvPr id="1" name=""/>
+        <p:cNvGrpSpPr/>
+        <p:nvPr/>
+      </p:nvGrpSpPr>
+      <p:grpSpPr>
+        <a:xfrm>
+          <a:off x="0" y="0"/>
+          <a:ext cx="0" cy="0"/>
+          <a:chOff x="0" y="0"/>
+          <a:chExt cx="0" cy="0"/>
+        </a:xfrm>
+      </p:grpSpPr>
+      <p:sp>
+        <p:nvSpPr>
+          <p:cNvPr id="4" name="TextBox 3">
+            <a:extLst>
+              <a:ext uri="{FF2B5EF4-FFF2-40B4-BE49-F238E27FC236}">
+                <a16:creationId xmlns:a16="http://schemas.microsoft.com/office/drawing/2014/main" id="{93ACE18E-354C-4AF3-9F1D-AA93039449EA}"/>
+              </a:ext>
+            </a:extLst>
+          </p:cNvPr>
+          <p:cNvSpPr txBox="1"/>
+          <p:nvPr/>
+        </p:nvSpPr>
+        <p:spPr>
+          <a:xfrm>
+            <a:off x="1091458" y="1048635"/>
+            <a:ext cx="9536437" cy="4708981"/>
+          </a:xfrm>
+          <a:prstGeom prst="rect">
+            <a:avLst/>
+          </a:prstGeom>
+          <a:noFill/>
+        </p:spPr>
+        <p:txBody>
+          <a:bodyPr wrap="square" rtlCol="0">
+            <a:spAutoFit/>
+          </a:bodyPr>
+          <a:lstStyle/>
+          <a:p>
+            <a:pPr marL="342900" indent="-342900">
+              <a:lnSpc>
+                <a:spcPct val="150000"/>
+              </a:lnSpc>
+              <a:buFont typeface="Wingdings" panose="05000000000000000000" pitchFamily="2" charset="2"/>
+              <a:buChar char="§"/>
+            </a:pPr>
+            <a:r>
+              <a:rPr lang="en-US" sz="2400" dirty="0">
+                <a:solidFill>
+                  <a:srgbClr val="0D55F7"/>
+                </a:solidFill>
+              </a:rPr>
+              <a:t>Voter model is originally introduced to analyze competition of species.</a:t>
+            </a:r>
+          </a:p>
+          <a:p>
+            <a:pPr marL="342900" indent="-342900">
+              <a:lnSpc>
+                <a:spcPct val="150000"/>
+              </a:lnSpc>
+              <a:buFont typeface="Wingdings" panose="05000000000000000000" pitchFamily="2" charset="2"/>
+              <a:buChar char="§"/>
+            </a:pPr>
+            <a:r>
+              <a:rPr lang="en-US" sz="2400" dirty="0">
+                <a:solidFill>
+                  <a:srgbClr val="0D55F7"/>
+                </a:solidFill>
+              </a:rPr>
+              <a:t>In the model, each agent holds one of </a:t>
+            </a:r>
+            <a:r>
+              <a:rPr lang="en-US" sz="2400" dirty="0">
+                <a:solidFill>
+                  <a:srgbClr val="C00000"/>
+                </a:solidFill>
+              </a:rPr>
+              <a:t>two discrete opinions </a:t>
+            </a:r>
+            <a:r>
+              <a:rPr lang="en-US" sz="2400" dirty="0">
+                <a:solidFill>
+                  <a:srgbClr val="0D55F7"/>
+                </a:solidFill>
+              </a:rPr>
+              <a:t>(+1 or -1).</a:t>
+            </a:r>
+          </a:p>
+          <a:p>
+            <a:pPr marL="342900" indent="-342900">
+              <a:lnSpc>
+                <a:spcPct val="150000"/>
+              </a:lnSpc>
+              <a:buFont typeface="Wingdings" panose="05000000000000000000" pitchFamily="2" charset="2"/>
+              <a:buChar char="§"/>
+            </a:pPr>
+            <a:r>
+              <a:rPr lang="en-US" sz="2400" dirty="0">
+                <a:solidFill>
+                  <a:srgbClr val="0D55F7"/>
+                </a:solidFill>
+              </a:rPr>
+              <a:t>Agents are connected by an underlying graph.</a:t>
+            </a:r>
+          </a:p>
+          <a:p>
+            <a:pPr marL="342900" indent="-342900">
+              <a:lnSpc>
+                <a:spcPct val="150000"/>
+              </a:lnSpc>
+              <a:buFont typeface="Wingdings" panose="05000000000000000000" pitchFamily="2" charset="2"/>
+              <a:buChar char="§"/>
+            </a:pPr>
+            <a:endParaRPr lang="en-US" sz="2400" dirty="0">
+              <a:solidFill>
+                <a:srgbClr val="0D55F7"/>
+              </a:solidFill>
+            </a:endParaRPr>
+          </a:p>
+          <a:p>
+            <a:pPr marL="342900" indent="-342900">
+              <a:lnSpc>
+                <a:spcPct val="150000"/>
+              </a:lnSpc>
+              <a:buFont typeface="Wingdings" panose="05000000000000000000" pitchFamily="2" charset="2"/>
+              <a:buChar char="§"/>
+            </a:pPr>
+            <a:r>
+              <a:rPr lang="en-US" sz="2400" dirty="0">
+                <a:solidFill>
+                  <a:srgbClr val="0D55F7"/>
+                </a:solidFill>
+              </a:rPr>
+              <a:t>At each time step:</a:t>
+            </a:r>
+          </a:p>
+          <a:p>
+            <a:pPr marL="914400" lvl="1" indent="-457200">
+              <a:lnSpc>
+                <a:spcPct val="200000"/>
+              </a:lnSpc>
+              <a:buFont typeface="+mj-lt"/>
+              <a:buAutoNum type="arabicParenR"/>
+            </a:pPr>
+            <a:r>
+              <a:rPr lang="en-US" sz="2400" dirty="0">
+                <a:solidFill>
+                  <a:srgbClr val="0D55F7"/>
+                </a:solidFill>
+              </a:rPr>
+              <a:t>A random agent </a:t>
+            </a:r>
+            <a:r>
+              <a:rPr lang="en-US" sz="2400" i="1" dirty="0" err="1">
+                <a:solidFill>
+                  <a:srgbClr val="0D55F7"/>
+                </a:solidFill>
+              </a:rPr>
+              <a:t>i</a:t>
+            </a:r>
+            <a:r>
+              <a:rPr lang="en-US" sz="2400" dirty="0">
+                <a:solidFill>
+                  <a:srgbClr val="0D55F7"/>
+                </a:solidFill>
+              </a:rPr>
+              <a:t>  is selected along with one of its </a:t>
+            </a:r>
+            <a:r>
+              <a:rPr lang="en-US" sz="2400" dirty="0" err="1">
+                <a:solidFill>
+                  <a:srgbClr val="0D55F7"/>
+                </a:solidFill>
+              </a:rPr>
+              <a:t>neighbours</a:t>
+            </a:r>
+            <a:r>
+              <a:rPr lang="en-US" sz="2400" dirty="0">
+                <a:solidFill>
+                  <a:srgbClr val="0D55F7"/>
+                </a:solidFill>
+              </a:rPr>
+              <a:t>  </a:t>
+            </a:r>
+            <a:r>
+              <a:rPr lang="en-US" sz="2400" i="1" dirty="0">
+                <a:solidFill>
+                  <a:srgbClr val="0D55F7"/>
+                </a:solidFill>
+              </a:rPr>
+              <a:t>j</a:t>
+            </a:r>
+            <a:r>
+              <a:rPr lang="en-US" sz="2400" dirty="0">
+                <a:solidFill>
+                  <a:srgbClr val="0D55F7"/>
+                </a:solidFill>
+              </a:rPr>
+              <a:t>.</a:t>
+            </a:r>
+          </a:p>
+          <a:p>
+            <a:pPr marL="914400" lvl="1" indent="-457200">
+              <a:lnSpc>
+                <a:spcPct val="200000"/>
+              </a:lnSpc>
+              <a:buFont typeface="+mj-lt"/>
+              <a:buAutoNum type="arabicParenR"/>
+            </a:pPr>
+            <a:r>
+              <a:rPr lang="en-US" sz="2400" i="1" dirty="0" err="1">
+                <a:solidFill>
+                  <a:srgbClr val="0D55F7"/>
+                </a:solidFill>
+              </a:rPr>
+              <a:t>i</a:t>
+            </a:r>
+            <a:r>
+              <a:rPr lang="en-US" sz="2400" dirty="0">
+                <a:solidFill>
+                  <a:srgbClr val="0D55F7"/>
+                </a:solidFill>
+              </a:rPr>
+              <a:t>  takes the opinion of  </a:t>
+            </a:r>
+            <a:r>
+              <a:rPr lang="en-US" sz="2400" i="1" dirty="0">
+                <a:solidFill>
+                  <a:srgbClr val="0D55F7"/>
+                </a:solidFill>
+              </a:rPr>
+              <a:t>j</a:t>
+            </a:r>
+            <a:r>
+              <a:rPr lang="en-US" sz="2400" dirty="0">
+                <a:solidFill>
+                  <a:srgbClr val="0D55F7"/>
+                </a:solidFill>
+              </a:rPr>
+              <a:t>.</a:t>
+            </a:r>
+          </a:p>
+          <a:p>
+            <a:pPr marL="342900" indent="-342900">
+              <a:buFont typeface="Wingdings" panose="05000000000000000000" pitchFamily="2" charset="2"/>
+              <a:buChar char="§"/>
+            </a:pPr>
+            <a:endParaRPr lang="en-US" sz="2400" dirty="0">
+              <a:solidFill>
+                <a:srgbClr val="0D55F7"/>
+              </a:solidFill>
+            </a:endParaRPr>
+          </a:p>
+        </p:txBody>
+      </p:sp>
+      <p:sp>
+        <p:nvSpPr>
+          <p:cNvPr id="3" name="Title 1">
+            <a:extLst>
+              <a:ext uri="{FF2B5EF4-FFF2-40B4-BE49-F238E27FC236}">
+                <a16:creationId xmlns:a16="http://schemas.microsoft.com/office/drawing/2014/main" id="{D49DBE79-C6FF-4BCB-9EF0-024E917A1224}"/>
+              </a:ext>
+            </a:extLst>
+          </p:cNvPr>
+          <p:cNvSpPr>
+            <a:spLocks noGrp="1"/>
+          </p:cNvSpPr>
+          <p:nvPr>
+            <p:ph type="title"/>
+          </p:nvPr>
+        </p:nvSpPr>
+        <p:spPr>
+          <a:xfrm>
+            <a:off x="112295" y="106488"/>
+            <a:ext cx="10515600" cy="751766"/>
+          </a:xfrm>
+        </p:spPr>
+        <p:txBody>
+          <a:bodyPr>
+            <a:normAutofit/>
+          </a:bodyPr>
+          <a:lstStyle/>
+          <a:p>
+            <a:r>
+              <a:rPr lang="en-US" altLang="zh-CN" sz="2400" dirty="0">
+                <a:solidFill>
+                  <a:srgbClr val="0D55F7"/>
+                </a:solidFill>
+              </a:rPr>
+              <a:t>Voter Model</a:t>
+            </a:r>
+            <a:endParaRPr lang="en-US" sz="2400" dirty="0">
+              <a:solidFill>
+                <a:srgbClr val="0D55F7"/>
+              </a:solidFill>
+            </a:endParaRPr>
+          </a:p>
+        </p:txBody>
+      </p:sp>
+    </p:spTree>
+    <p:extLst>
+      <p:ext uri="{BB962C8B-B14F-4D97-AF65-F5344CB8AC3E}">
+        <p14:creationId xmlns:p14="http://schemas.microsoft.com/office/powerpoint/2010/main" val="3325743094"/>
+      </p:ext>
+    </p:extLst>
+  </p:cSld>
+  <p:clrMapOvr>
+    <a:masterClrMapping/>
+  </p:clrMapOvr>
+</p:sld>
+</file>
+
+<file path=ppt/slides/slide11.xml><?xml version="1.0" encoding="utf-8"?>
+<p:sld xmlns:a="http://schemas.openxmlformats.org/drawingml/2006/main" xmlns:r="http://schemas.openxmlformats.org/officeDocument/2006/relationships" xmlns:p="http://schemas.openxmlformats.org/presentationml/2006/main">
+  <p:cSld>
+    <p:spTree>
+      <p:nvGrpSpPr>
+        <p:cNvPr id="1" name=""/>
+        <p:cNvGrpSpPr/>
+        <p:nvPr/>
+      </p:nvGrpSpPr>
+      <p:grpSpPr>
+        <a:xfrm>
+          <a:off x="0" y="0"/>
+          <a:ext cx="0" cy="0"/>
+          <a:chOff x="0" y="0"/>
+          <a:chExt cx="0" cy="0"/>
+        </a:xfrm>
+      </p:grpSpPr>
+      <p:sp>
+        <p:nvSpPr>
+          <p:cNvPr id="4" name="TextBox 3">
+            <a:extLst>
+              <a:ext uri="{FF2B5EF4-FFF2-40B4-BE49-F238E27FC236}">
+                <a16:creationId xmlns:a16="http://schemas.microsoft.com/office/drawing/2014/main" id="{93ACE18E-354C-4AF3-9F1D-AA93039449EA}"/>
+              </a:ext>
+            </a:extLst>
+          </p:cNvPr>
+          <p:cNvSpPr txBox="1"/>
+          <p:nvPr/>
+        </p:nvSpPr>
+        <p:spPr>
+          <a:xfrm>
+            <a:off x="1091458" y="936227"/>
+            <a:ext cx="9536437" cy="1569660"/>
+          </a:xfrm>
+          <a:prstGeom prst="rect">
+            <a:avLst/>
+          </a:prstGeom>
+          <a:noFill/>
+        </p:spPr>
+        <p:txBody>
+          <a:bodyPr wrap="square" rtlCol="0">
+            <a:spAutoFit/>
+          </a:bodyPr>
+          <a:lstStyle/>
+          <a:p>
+            <a:pPr marL="342900" indent="-342900">
+              <a:lnSpc>
+                <a:spcPct val="150000"/>
+              </a:lnSpc>
+              <a:buFont typeface="Wingdings" panose="05000000000000000000" pitchFamily="2" charset="2"/>
+              <a:buChar char="§"/>
+            </a:pPr>
+            <a:r>
+              <a:rPr lang="en-US" sz="2400" dirty="0">
+                <a:solidFill>
+                  <a:srgbClr val="0D55F7"/>
+                </a:solidFill>
+              </a:rPr>
+              <a:t>For example, we select node 1 and its neighbor node 5.</a:t>
+            </a:r>
+          </a:p>
+          <a:p>
+            <a:pPr marL="342900" indent="-342900">
+              <a:lnSpc>
+                <a:spcPct val="150000"/>
+              </a:lnSpc>
+              <a:buFont typeface="Wingdings" panose="05000000000000000000" pitchFamily="2" charset="2"/>
+              <a:buChar char="§"/>
+            </a:pPr>
+            <a:r>
+              <a:rPr lang="en-US" sz="2400" dirty="0">
+                <a:solidFill>
+                  <a:srgbClr val="0D55F7"/>
+                </a:solidFill>
+              </a:rPr>
+              <a:t>Node 1 takes the opinion of node 5:</a:t>
+            </a:r>
+          </a:p>
+          <a:p>
+            <a:pPr marL="342900" indent="-342900">
+              <a:buFont typeface="Wingdings" panose="05000000000000000000" pitchFamily="2" charset="2"/>
+              <a:buChar char="§"/>
+            </a:pPr>
+            <a:endParaRPr lang="en-US" sz="2400" dirty="0">
+              <a:solidFill>
+                <a:srgbClr val="0D55F7"/>
+              </a:solidFill>
+            </a:endParaRPr>
+          </a:p>
+        </p:txBody>
+      </p:sp>
+      <p:sp>
+        <p:nvSpPr>
+          <p:cNvPr id="3" name="Title 1">
+            <a:extLst>
+              <a:ext uri="{FF2B5EF4-FFF2-40B4-BE49-F238E27FC236}">
+                <a16:creationId xmlns:a16="http://schemas.microsoft.com/office/drawing/2014/main" id="{D49DBE79-C6FF-4BCB-9EF0-024E917A1224}"/>
+              </a:ext>
+            </a:extLst>
+          </p:cNvPr>
+          <p:cNvSpPr>
+            <a:spLocks noGrp="1"/>
+          </p:cNvSpPr>
+          <p:nvPr>
+            <p:ph type="title"/>
+          </p:nvPr>
+        </p:nvSpPr>
+        <p:spPr>
+          <a:xfrm>
+            <a:off x="112295" y="106488"/>
+            <a:ext cx="10515600" cy="751766"/>
+          </a:xfrm>
+        </p:spPr>
+        <p:txBody>
+          <a:bodyPr>
+            <a:normAutofit/>
+          </a:bodyPr>
+          <a:lstStyle/>
+          <a:p>
+            <a:r>
+              <a:rPr lang="en-US" altLang="zh-CN" sz="2400" dirty="0">
+                <a:solidFill>
+                  <a:srgbClr val="0D55F7"/>
+                </a:solidFill>
+              </a:rPr>
+              <a:t>Voter Model</a:t>
+            </a:r>
+            <a:endParaRPr lang="en-US" sz="2400" dirty="0">
+              <a:solidFill>
+                <a:srgbClr val="0D55F7"/>
+              </a:solidFill>
+            </a:endParaRPr>
+          </a:p>
+        </p:txBody>
+      </p:sp>
+      <p:pic>
+        <p:nvPicPr>
+          <p:cNvPr id="5" name="Picture 4">
+            <a:extLst>
+              <a:ext uri="{FF2B5EF4-FFF2-40B4-BE49-F238E27FC236}">
+                <a16:creationId xmlns:a16="http://schemas.microsoft.com/office/drawing/2014/main" id="{FBA935C4-D7C9-4F20-A314-B3D650AC4563}"/>
+              </a:ext>
+            </a:extLst>
+          </p:cNvPr>
+          <p:cNvPicPr>
+            <a:picLocks noChangeAspect="1"/>
+          </p:cNvPicPr>
+          <p:nvPr/>
+        </p:nvPicPr>
+        <p:blipFill>
+          <a:blip r:embed="rId2">
+            <a:extLst>
+              <a:ext uri="{28A0092B-C50C-407E-A947-70E740481C1C}">
+                <a14:useLocalDpi xmlns:a14="http://schemas.microsoft.com/office/drawing/2010/main" val="0"/>
+              </a:ext>
+            </a:extLst>
+          </a:blip>
+          <a:stretch>
+            <a:fillRect/>
+          </a:stretch>
+        </p:blipFill>
+        <p:spPr>
+          <a:xfrm>
+            <a:off x="3463817" y="2299601"/>
+            <a:ext cx="4505914" cy="2425581"/>
+          </a:xfrm>
+          <a:prstGeom prst="rect">
+            <a:avLst/>
+          </a:prstGeom>
+        </p:spPr>
+      </p:pic>
+      <p:sp>
+        <p:nvSpPr>
+          <p:cNvPr id="6" name="TextBox 5">
+            <a:extLst>
+              <a:ext uri="{FF2B5EF4-FFF2-40B4-BE49-F238E27FC236}">
+                <a16:creationId xmlns:a16="http://schemas.microsoft.com/office/drawing/2014/main" id="{ADDECB18-F1AB-42A1-A1D9-829CF80A0A59}"/>
+              </a:ext>
+            </a:extLst>
+          </p:cNvPr>
+          <p:cNvSpPr txBox="1"/>
+          <p:nvPr/>
+        </p:nvSpPr>
+        <p:spPr>
+          <a:xfrm>
+            <a:off x="2962082" y="5300409"/>
+            <a:ext cx="9536437" cy="461665"/>
+          </a:xfrm>
+          <a:prstGeom prst="rect">
+            <a:avLst/>
+          </a:prstGeom>
+          <a:noFill/>
+        </p:spPr>
+        <p:txBody>
+          <a:bodyPr wrap="square" rtlCol="0">
+            <a:spAutoFit/>
+          </a:bodyPr>
+          <a:lstStyle/>
+          <a:p>
+            <a:r>
+              <a:rPr lang="en-US" sz="2400" dirty="0">
+                <a:solidFill>
+                  <a:srgbClr val="C00000"/>
+                </a:solidFill>
+              </a:rPr>
+              <a:t>Voter dynamics involve one neighbor only.</a:t>
+            </a:r>
+          </a:p>
+        </p:txBody>
+      </p:sp>
+    </p:spTree>
+    <p:extLst>
+      <p:ext uri="{BB962C8B-B14F-4D97-AF65-F5344CB8AC3E}">
+        <p14:creationId xmlns:p14="http://schemas.microsoft.com/office/powerpoint/2010/main" val="3902923405"/>
+      </p:ext>
+    </p:extLst>
+  </p:cSld>
+  <p:clrMapOvr>
+    <a:masterClrMapping/>
+  </p:clrMapOvr>
+</p:sld>
+</file>
+
+<file path=ppt/slides/slide12.xml><?xml version="1.0" encoding="utf-8"?>
+<p:sld xmlns:a="http://schemas.openxmlformats.org/drawingml/2006/main" xmlns:r="http://schemas.openxmlformats.org/officeDocument/2006/relationships" xmlns:p="http://schemas.openxmlformats.org/presentationml/2006/main">
+  <p:cSld>
+    <p:spTree>
+      <p:nvGrpSpPr>
+        <p:cNvPr id="1" name=""/>
+        <p:cNvGrpSpPr/>
+        <p:nvPr/>
+      </p:nvGrpSpPr>
+      <p:grpSpPr>
+        <a:xfrm>
+          <a:off x="0" y="0"/>
+          <a:ext cx="0" cy="0"/>
+          <a:chOff x="0" y="0"/>
+          <a:chExt cx="0" cy="0"/>
+        </a:xfrm>
+      </p:grpSpPr>
+      <p:sp>
+        <p:nvSpPr>
+          <p:cNvPr id="4" name="TextBox 3">
+            <a:extLst>
+              <a:ext uri="{FF2B5EF4-FFF2-40B4-BE49-F238E27FC236}">
+                <a16:creationId xmlns:a16="http://schemas.microsoft.com/office/drawing/2014/main" id="{93ACE18E-354C-4AF3-9F1D-AA93039449EA}"/>
+              </a:ext>
+            </a:extLst>
+          </p:cNvPr>
+          <p:cNvSpPr txBox="1"/>
+          <p:nvPr/>
+        </p:nvSpPr>
+        <p:spPr>
+          <a:xfrm>
+            <a:off x="1174586" y="1185609"/>
+            <a:ext cx="9536437" cy="3416320"/>
+          </a:xfrm>
+          <a:prstGeom prst="rect">
+            <a:avLst/>
+          </a:prstGeom>
+          <a:noFill/>
+        </p:spPr>
+        <p:txBody>
+          <a:bodyPr wrap="square" rtlCol="0">
+            <a:spAutoFit/>
+          </a:bodyPr>
+          <a:lstStyle/>
+          <a:p>
+            <a:pPr>
+              <a:lnSpc>
+                <a:spcPct val="200000"/>
+              </a:lnSpc>
+            </a:pPr>
+            <a:r>
+              <a:rPr lang="en-US" sz="2400" dirty="0">
+                <a:solidFill>
+                  <a:srgbClr val="0D55F7"/>
+                </a:solidFill>
+              </a:rPr>
+              <a:t>Recent development of Voter model:</a:t>
+            </a:r>
+          </a:p>
+          <a:p>
+            <a:pPr marL="800100" lvl="1" indent="-342900">
+              <a:lnSpc>
+                <a:spcPct val="200000"/>
+              </a:lnSpc>
+              <a:buFont typeface="Wingdings" panose="05000000000000000000" pitchFamily="2" charset="2"/>
+              <a:buChar char="§"/>
+            </a:pPr>
+            <a:r>
+              <a:rPr lang="en-US" sz="2400" dirty="0">
+                <a:solidFill>
+                  <a:srgbClr val="0D55F7"/>
+                </a:solidFill>
+              </a:rPr>
+              <a:t>Use power-law intervals between interactions.</a:t>
+            </a:r>
+          </a:p>
+          <a:p>
+            <a:pPr marL="800100" lvl="1" indent="-342900">
+              <a:lnSpc>
+                <a:spcPct val="200000"/>
+              </a:lnSpc>
+              <a:buFont typeface="Wingdings" panose="05000000000000000000" pitchFamily="2" charset="2"/>
+              <a:buChar char="§"/>
+            </a:pPr>
+            <a:r>
+              <a:rPr lang="en-US" sz="2400" dirty="0">
+                <a:solidFill>
+                  <a:srgbClr val="0D55F7"/>
+                </a:solidFill>
+              </a:rPr>
+              <a:t>Non-linear extension with the control of herding effect.</a:t>
+            </a:r>
+          </a:p>
+          <a:p>
+            <a:pPr marL="800100" lvl="1" indent="-342900">
+              <a:lnSpc>
+                <a:spcPct val="200000"/>
+              </a:lnSpc>
+              <a:buFont typeface="Wingdings" panose="05000000000000000000" pitchFamily="2" charset="2"/>
+              <a:buChar char="§"/>
+            </a:pPr>
+            <a:r>
+              <a:rPr lang="en-US" sz="2400" dirty="0">
+                <a:solidFill>
+                  <a:srgbClr val="0D55F7"/>
+                </a:solidFill>
+              </a:rPr>
+              <a:t>The introduction of a third ‘centrist’ opinion (0).</a:t>
+            </a:r>
+          </a:p>
+          <a:p>
+            <a:endParaRPr lang="en-US" sz="2400" dirty="0">
+              <a:solidFill>
+                <a:srgbClr val="0D55F7"/>
+              </a:solidFill>
+            </a:endParaRPr>
+          </a:p>
+        </p:txBody>
+      </p:sp>
+      <p:sp>
+        <p:nvSpPr>
+          <p:cNvPr id="3" name="Title 1">
+            <a:extLst>
+              <a:ext uri="{FF2B5EF4-FFF2-40B4-BE49-F238E27FC236}">
+                <a16:creationId xmlns:a16="http://schemas.microsoft.com/office/drawing/2014/main" id="{D49DBE79-C6FF-4BCB-9EF0-024E917A1224}"/>
+              </a:ext>
+            </a:extLst>
+          </p:cNvPr>
+          <p:cNvSpPr>
+            <a:spLocks noGrp="1"/>
+          </p:cNvSpPr>
+          <p:nvPr>
+            <p:ph type="title"/>
+          </p:nvPr>
+        </p:nvSpPr>
+        <p:spPr>
+          <a:xfrm>
+            <a:off x="112295" y="106488"/>
+            <a:ext cx="10515600" cy="751766"/>
+          </a:xfrm>
+        </p:spPr>
+        <p:txBody>
+          <a:bodyPr>
+            <a:normAutofit/>
+          </a:bodyPr>
+          <a:lstStyle/>
+          <a:p>
+            <a:r>
+              <a:rPr lang="en-US" altLang="zh-CN" sz="2400" dirty="0">
+                <a:solidFill>
+                  <a:srgbClr val="0D55F7"/>
+                </a:solidFill>
+              </a:rPr>
+              <a:t>Voter Model</a:t>
+            </a:r>
+            <a:endParaRPr lang="en-US" sz="2400" dirty="0">
+              <a:solidFill>
+                <a:srgbClr val="0D55F7"/>
+              </a:solidFill>
+            </a:endParaRPr>
+          </a:p>
+        </p:txBody>
+      </p:sp>
+    </p:spTree>
+    <p:extLst>
+      <p:ext uri="{BB962C8B-B14F-4D97-AF65-F5344CB8AC3E}">
+        <p14:creationId xmlns:p14="http://schemas.microsoft.com/office/powerpoint/2010/main" val="951512118"/>
+      </p:ext>
+    </p:extLst>
+  </p:cSld>
+  <p:clrMapOvr>
+    <a:masterClrMapping/>
+  </p:clrMapOvr>
+</p:sld>
+</file>
+
+<file path=ppt/slides/slide13.xml><?xml version="1.0" encoding="utf-8"?>
+<p:sld xmlns:a="http://schemas.openxmlformats.org/drawingml/2006/main" xmlns:r="http://schemas.openxmlformats.org/officeDocument/2006/relationships" xmlns:p="http://schemas.openxmlformats.org/presentationml/2006/main">
+  <p:cSld>
+    <p:spTree>
+      <p:nvGrpSpPr>
+        <p:cNvPr id="1" name=""/>
+        <p:cNvGrpSpPr/>
+        <p:nvPr/>
+      </p:nvGrpSpPr>
+      <p:grpSpPr>
+        <a:xfrm>
+          <a:off x="0" y="0"/>
+          <a:ext cx="0" cy="0"/>
+          <a:chOff x="0" y="0"/>
+          <a:chExt cx="0" cy="0"/>
+        </a:xfrm>
+      </p:grpSpPr>
+      <p:sp>
+        <p:nvSpPr>
+          <p:cNvPr id="4" name="TextBox 3">
+            <a:extLst>
+              <a:ext uri="{FF2B5EF4-FFF2-40B4-BE49-F238E27FC236}">
+                <a16:creationId xmlns:a16="http://schemas.microsoft.com/office/drawing/2014/main" id="{93ACE18E-354C-4AF3-9F1D-AA93039449EA}"/>
+              </a:ext>
+            </a:extLst>
+          </p:cNvPr>
+          <p:cNvSpPr txBox="1"/>
+          <p:nvPr/>
+        </p:nvSpPr>
+        <p:spPr>
+          <a:xfrm>
+            <a:off x="1091458" y="1630526"/>
+            <a:ext cx="9253269" cy="2943563"/>
+          </a:xfrm>
+          <a:prstGeom prst="rect">
+            <a:avLst/>
+          </a:prstGeom>
+          <a:noFill/>
+        </p:spPr>
+        <p:txBody>
+          <a:bodyPr wrap="square" rtlCol="0">
+            <a:spAutoFit/>
+          </a:bodyPr>
+          <a:lstStyle/>
+          <a:p>
+            <a:pPr marL="342900" indent="-342900">
+              <a:lnSpc>
+                <a:spcPct val="200000"/>
+              </a:lnSpc>
+              <a:buFont typeface="Wingdings" panose="05000000000000000000" pitchFamily="2" charset="2"/>
+              <a:buChar char="§"/>
+            </a:pPr>
+            <a:r>
+              <a:rPr lang="en-US" sz="2400" dirty="0">
+                <a:solidFill>
+                  <a:srgbClr val="0D55F7"/>
+                </a:solidFill>
+              </a:rPr>
+              <a:t>The Majority Rule Model model is originally introduced to describe public debates.</a:t>
+            </a:r>
+          </a:p>
+          <a:p>
+            <a:pPr marL="342900" indent="-342900">
+              <a:lnSpc>
+                <a:spcPct val="200000"/>
+              </a:lnSpc>
+              <a:buFont typeface="Wingdings" panose="05000000000000000000" pitchFamily="2" charset="2"/>
+              <a:buChar char="§"/>
+            </a:pPr>
+            <a:r>
+              <a:rPr lang="en-US" sz="2400" dirty="0">
+                <a:solidFill>
+                  <a:srgbClr val="0D55F7"/>
+                </a:solidFill>
+              </a:rPr>
+              <a:t>In the model, each agent holds one of </a:t>
+            </a:r>
+            <a:r>
+              <a:rPr lang="en-US" sz="2400" dirty="0">
+                <a:solidFill>
+                  <a:srgbClr val="C00000"/>
+                </a:solidFill>
+              </a:rPr>
+              <a:t>two discrete opinions </a:t>
+            </a:r>
+            <a:r>
+              <a:rPr lang="en-US" sz="2400" dirty="0">
+                <a:solidFill>
+                  <a:srgbClr val="0D55F7"/>
+                </a:solidFill>
+              </a:rPr>
+              <a:t>(+1 or -1).</a:t>
+            </a:r>
+          </a:p>
+          <a:p>
+            <a:pPr marL="342900" indent="-342900">
+              <a:lnSpc>
+                <a:spcPct val="200000"/>
+              </a:lnSpc>
+              <a:buFont typeface="Wingdings" panose="05000000000000000000" pitchFamily="2" charset="2"/>
+              <a:buChar char="§"/>
+            </a:pPr>
+            <a:r>
+              <a:rPr lang="en-US" sz="2400" dirty="0">
+                <a:solidFill>
+                  <a:srgbClr val="0D55F7"/>
+                </a:solidFill>
+              </a:rPr>
+              <a:t>Agents are connected by a </a:t>
+            </a:r>
+            <a:r>
+              <a:rPr lang="en-US" sz="2400" dirty="0">
+                <a:solidFill>
+                  <a:srgbClr val="C00000"/>
+                </a:solidFill>
+              </a:rPr>
+              <a:t>complete graph</a:t>
+            </a:r>
+            <a:r>
+              <a:rPr lang="en-US" sz="2400" dirty="0">
+                <a:solidFill>
+                  <a:srgbClr val="0D55F7"/>
+                </a:solidFill>
+              </a:rPr>
+              <a:t>.</a:t>
+            </a:r>
+          </a:p>
+        </p:txBody>
+      </p:sp>
+      <p:sp>
+        <p:nvSpPr>
+          <p:cNvPr id="3" name="Title 1">
+            <a:extLst>
+              <a:ext uri="{FF2B5EF4-FFF2-40B4-BE49-F238E27FC236}">
+                <a16:creationId xmlns:a16="http://schemas.microsoft.com/office/drawing/2014/main" id="{D49DBE79-C6FF-4BCB-9EF0-024E917A1224}"/>
+              </a:ext>
+            </a:extLst>
+          </p:cNvPr>
+          <p:cNvSpPr>
+            <a:spLocks noGrp="1"/>
+          </p:cNvSpPr>
+          <p:nvPr>
+            <p:ph type="title"/>
+          </p:nvPr>
+        </p:nvSpPr>
+        <p:spPr>
+          <a:xfrm>
+            <a:off x="112295" y="106488"/>
+            <a:ext cx="10515600" cy="751766"/>
+          </a:xfrm>
+        </p:spPr>
+        <p:txBody>
+          <a:bodyPr>
+            <a:normAutofit/>
+          </a:bodyPr>
+          <a:lstStyle/>
+          <a:p>
+            <a:r>
+              <a:rPr lang="en-US" altLang="zh-CN" sz="2400" dirty="0">
+                <a:solidFill>
+                  <a:srgbClr val="0D55F7"/>
+                </a:solidFill>
+              </a:rPr>
+              <a:t>The Majority Rule Model</a:t>
+            </a:r>
+            <a:endParaRPr lang="en-US" sz="2400" dirty="0">
+              <a:solidFill>
+                <a:srgbClr val="0D55F7"/>
+              </a:solidFill>
+            </a:endParaRPr>
+          </a:p>
+        </p:txBody>
+      </p:sp>
+    </p:spTree>
+    <p:extLst>
+      <p:ext uri="{BB962C8B-B14F-4D97-AF65-F5344CB8AC3E}">
+        <p14:creationId xmlns:p14="http://schemas.microsoft.com/office/powerpoint/2010/main" val="2253765777"/>
+      </p:ext>
+    </p:extLst>
+  </p:cSld>
+  <p:clrMapOvr>
+    <a:masterClrMapping/>
+  </p:clrMapOvr>
+</p:sld>
+</file>
+
+<file path=ppt/slides/slide14.xml><?xml version="1.0" encoding="utf-8"?>
+<p:sld xmlns:a="http://schemas.openxmlformats.org/drawingml/2006/main" xmlns:r="http://schemas.openxmlformats.org/officeDocument/2006/relationships" xmlns:p="http://schemas.openxmlformats.org/presentationml/2006/main">
+  <p:cSld>
+    <p:spTree>
+      <p:nvGrpSpPr>
+        <p:cNvPr id="1" name=""/>
+        <p:cNvGrpSpPr/>
+        <p:nvPr/>
+      </p:nvGrpSpPr>
+      <p:grpSpPr>
+        <a:xfrm>
+          <a:off x="0" y="0"/>
+          <a:ext cx="0" cy="0"/>
+          <a:chOff x="0" y="0"/>
+          <a:chExt cx="0" cy="0"/>
+        </a:xfrm>
+      </p:grpSpPr>
+      <p:sp>
+        <p:nvSpPr>
+          <p:cNvPr id="4" name="TextBox 3">
+            <a:extLst>
+              <a:ext uri="{FF2B5EF4-FFF2-40B4-BE49-F238E27FC236}">
+                <a16:creationId xmlns:a16="http://schemas.microsoft.com/office/drawing/2014/main" id="{93ACE18E-354C-4AF3-9F1D-AA93039449EA}"/>
+              </a:ext>
+            </a:extLst>
+          </p:cNvPr>
+          <p:cNvSpPr txBox="1"/>
+          <p:nvPr/>
+        </p:nvSpPr>
+        <p:spPr>
+          <a:xfrm>
+            <a:off x="1054512" y="1159019"/>
+            <a:ext cx="10306215" cy="5575052"/>
+          </a:xfrm>
+          <a:prstGeom prst="rect">
+            <a:avLst/>
+          </a:prstGeom>
+          <a:noFill/>
+        </p:spPr>
+        <p:txBody>
+          <a:bodyPr wrap="square" rtlCol="0">
+            <a:spAutoFit/>
+          </a:bodyPr>
+          <a:lstStyle/>
+          <a:p>
+            <a:pPr marL="342900" indent="-342900">
+              <a:lnSpc>
+                <a:spcPct val="150000"/>
+              </a:lnSpc>
+              <a:buFont typeface="Wingdings" panose="05000000000000000000" pitchFamily="2" charset="2"/>
+              <a:buChar char="§"/>
+            </a:pPr>
+            <a:r>
+              <a:rPr lang="en-US" sz="2400" dirty="0">
+                <a:solidFill>
+                  <a:srgbClr val="0D55F7"/>
+                </a:solidFill>
+              </a:rPr>
+              <a:t>At each time step:</a:t>
+            </a:r>
+          </a:p>
+          <a:p>
+            <a:pPr marL="914400" lvl="1" indent="-457200">
+              <a:lnSpc>
+                <a:spcPct val="150000"/>
+              </a:lnSpc>
+              <a:buFont typeface="+mj-lt"/>
+              <a:buAutoNum type="arabicParenR"/>
+            </a:pPr>
+            <a:r>
+              <a:rPr lang="en-US" sz="2400" dirty="0">
+                <a:solidFill>
+                  <a:srgbClr val="0D55F7"/>
+                </a:solidFill>
+              </a:rPr>
+              <a:t>A group of </a:t>
+            </a:r>
+            <a:r>
+              <a:rPr lang="en-US" sz="2400" i="1" dirty="0">
+                <a:solidFill>
+                  <a:srgbClr val="0D55F7"/>
+                </a:solidFill>
+              </a:rPr>
+              <a:t>r</a:t>
+            </a:r>
+            <a:r>
+              <a:rPr lang="en-US" sz="2400" dirty="0">
+                <a:solidFill>
+                  <a:srgbClr val="0D55F7"/>
+                </a:solidFill>
+              </a:rPr>
+              <a:t> agents is selected randomly.</a:t>
+            </a:r>
+          </a:p>
+          <a:p>
+            <a:pPr marL="914400" lvl="1" indent="-457200">
+              <a:lnSpc>
+                <a:spcPct val="150000"/>
+              </a:lnSpc>
+              <a:buFont typeface="+mj-lt"/>
+              <a:buAutoNum type="arabicParenR"/>
+            </a:pPr>
+            <a:r>
+              <a:rPr lang="en-US" sz="2400" dirty="0">
+                <a:solidFill>
+                  <a:srgbClr val="0D55F7"/>
+                </a:solidFill>
+              </a:rPr>
+              <a:t>All of the </a:t>
+            </a:r>
+            <a:r>
+              <a:rPr lang="en-US" sz="2400" i="1" dirty="0">
+                <a:solidFill>
+                  <a:srgbClr val="0D55F7"/>
+                </a:solidFill>
+              </a:rPr>
+              <a:t>r</a:t>
+            </a:r>
+            <a:r>
+              <a:rPr lang="en-US" sz="2400" dirty="0">
+                <a:solidFill>
+                  <a:srgbClr val="0D55F7"/>
+                </a:solidFill>
+              </a:rPr>
+              <a:t> agents take the majority opinion within the group.</a:t>
+            </a:r>
+          </a:p>
+          <a:p>
+            <a:pPr marL="914400" lvl="1" indent="-457200">
+              <a:lnSpc>
+                <a:spcPct val="150000"/>
+              </a:lnSpc>
+              <a:buFont typeface="+mj-lt"/>
+              <a:buAutoNum type="arabicParenR"/>
+            </a:pPr>
+            <a:endParaRPr lang="en-US" sz="2400" dirty="0">
+              <a:solidFill>
+                <a:srgbClr val="0D55F7"/>
+              </a:solidFill>
+            </a:endParaRPr>
+          </a:p>
+          <a:p>
+            <a:pPr marL="342900" indent="-342900">
+              <a:lnSpc>
+                <a:spcPct val="150000"/>
+              </a:lnSpc>
+              <a:buFont typeface="Wingdings" panose="05000000000000000000" pitchFamily="2" charset="2"/>
+              <a:buChar char="§"/>
+            </a:pPr>
+            <a:r>
+              <a:rPr lang="en-US" sz="2400" dirty="0">
+                <a:solidFill>
+                  <a:srgbClr val="0D55F7"/>
+                </a:solidFill>
+              </a:rPr>
+              <a:t>The group size can be fixed or taken at each time from a specific distribution.</a:t>
+            </a:r>
+          </a:p>
+          <a:p>
+            <a:pPr marL="342900" indent="-342900">
+              <a:lnSpc>
+                <a:spcPct val="150000"/>
+              </a:lnSpc>
+              <a:buFont typeface="Wingdings" panose="05000000000000000000" pitchFamily="2" charset="2"/>
+              <a:buChar char="§"/>
+            </a:pPr>
+            <a:r>
+              <a:rPr lang="en-US" sz="2400" dirty="0">
+                <a:solidFill>
+                  <a:srgbClr val="0D55F7"/>
+                </a:solidFill>
+              </a:rPr>
+              <a:t>If r is odd, then the majority opinion is always defined;</a:t>
+            </a:r>
+          </a:p>
+          <a:p>
+            <a:pPr marL="342900" indent="-342900">
+              <a:lnSpc>
+                <a:spcPct val="150000"/>
+              </a:lnSpc>
+              <a:buFont typeface="Wingdings" panose="05000000000000000000" pitchFamily="2" charset="2"/>
+              <a:buChar char="§"/>
+            </a:pPr>
+            <a:r>
+              <a:rPr lang="en-US" sz="2400" dirty="0">
+                <a:solidFill>
+                  <a:srgbClr val="0D55F7"/>
+                </a:solidFill>
+              </a:rPr>
+              <a:t>If r is even, there could be tied situations.</a:t>
+            </a:r>
+          </a:p>
+          <a:p>
+            <a:pPr marL="800100" lvl="1" indent="-342900">
+              <a:lnSpc>
+                <a:spcPct val="150000"/>
+              </a:lnSpc>
+              <a:buFont typeface="Wingdings" panose="05000000000000000000" pitchFamily="2" charset="2"/>
+              <a:buChar char="§"/>
+            </a:pPr>
+            <a:r>
+              <a:rPr lang="en-US" sz="2400" dirty="0">
+                <a:solidFill>
+                  <a:srgbClr val="0D55F7"/>
+                </a:solidFill>
+              </a:rPr>
+              <a:t>One solution: introduce a bias in favor of one opinion.</a:t>
+            </a:r>
+          </a:p>
+          <a:p>
+            <a:pPr marL="457200" indent="-457200">
+              <a:lnSpc>
+                <a:spcPct val="150000"/>
+              </a:lnSpc>
+              <a:buFont typeface="Wingdings" panose="05000000000000000000" pitchFamily="2" charset="2"/>
+              <a:buChar char="§"/>
+            </a:pPr>
+            <a:endParaRPr lang="en-US" sz="2400" dirty="0">
+              <a:solidFill>
+                <a:srgbClr val="0D55F7"/>
+              </a:solidFill>
+            </a:endParaRPr>
+          </a:p>
+          <a:p>
+            <a:pPr marL="342900" indent="-342900">
+              <a:lnSpc>
+                <a:spcPct val="150000"/>
+              </a:lnSpc>
+              <a:buFont typeface="Wingdings" panose="05000000000000000000" pitchFamily="2" charset="2"/>
+              <a:buChar char="§"/>
+            </a:pPr>
+            <a:endParaRPr lang="en-US" sz="2400" dirty="0">
+              <a:solidFill>
+                <a:srgbClr val="0D55F7"/>
+              </a:solidFill>
+            </a:endParaRPr>
+          </a:p>
+        </p:txBody>
+      </p:sp>
+      <p:sp>
+        <p:nvSpPr>
+          <p:cNvPr id="3" name="Title 1">
+            <a:extLst>
+              <a:ext uri="{FF2B5EF4-FFF2-40B4-BE49-F238E27FC236}">
+                <a16:creationId xmlns:a16="http://schemas.microsoft.com/office/drawing/2014/main" id="{D49DBE79-C6FF-4BCB-9EF0-024E917A1224}"/>
+              </a:ext>
+            </a:extLst>
+          </p:cNvPr>
+          <p:cNvSpPr>
+            <a:spLocks noGrp="1"/>
+          </p:cNvSpPr>
+          <p:nvPr>
+            <p:ph type="title"/>
+          </p:nvPr>
+        </p:nvSpPr>
+        <p:spPr>
+          <a:xfrm>
+            <a:off x="112295" y="106488"/>
+            <a:ext cx="10515600" cy="751766"/>
+          </a:xfrm>
+        </p:spPr>
+        <p:txBody>
+          <a:bodyPr>
+            <a:normAutofit/>
+          </a:bodyPr>
+          <a:lstStyle/>
+          <a:p>
+            <a:r>
+              <a:rPr lang="en-US" altLang="zh-CN" sz="2400" dirty="0">
+                <a:solidFill>
+                  <a:srgbClr val="0D55F7"/>
+                </a:solidFill>
+              </a:rPr>
+              <a:t>The Majority Rule Model</a:t>
+            </a:r>
+            <a:endParaRPr lang="en-US" sz="2400" dirty="0">
+              <a:solidFill>
+                <a:srgbClr val="0D55F7"/>
+              </a:solidFill>
+            </a:endParaRPr>
+          </a:p>
+        </p:txBody>
+      </p:sp>
+      <p:pic>
+        <p:nvPicPr>
+          <p:cNvPr id="5" name="Picture 4">
+            <a:extLst>
+              <a:ext uri="{FF2B5EF4-FFF2-40B4-BE49-F238E27FC236}">
+                <a16:creationId xmlns:a16="http://schemas.microsoft.com/office/drawing/2014/main" id="{C74AE8CF-66E4-4646-B43C-7287806EAA66}"/>
+              </a:ext>
+            </a:extLst>
+          </p:cNvPr>
+          <p:cNvPicPr>
+            <a:picLocks noChangeAspect="1"/>
+          </p:cNvPicPr>
+          <p:nvPr/>
+        </p:nvPicPr>
+        <p:blipFill>
+          <a:blip r:embed="rId2">
+            <a:extLst>
+              <a:ext uri="{28A0092B-C50C-407E-A947-70E740481C1C}">
+                <a14:useLocalDpi xmlns:a14="http://schemas.microsoft.com/office/drawing/2010/main" val="0"/>
+              </a:ext>
+            </a:extLst>
+          </a:blip>
+          <a:stretch>
+            <a:fillRect/>
+          </a:stretch>
+        </p:blipFill>
+        <p:spPr>
+          <a:xfrm>
+            <a:off x="7250545" y="239093"/>
+            <a:ext cx="4829160" cy="2277257"/>
+          </a:xfrm>
+          <a:prstGeom prst="rect">
+            <a:avLst/>
+          </a:prstGeom>
+        </p:spPr>
+      </p:pic>
+    </p:spTree>
+    <p:extLst>
+      <p:ext uri="{BB962C8B-B14F-4D97-AF65-F5344CB8AC3E}">
+        <p14:creationId xmlns:p14="http://schemas.microsoft.com/office/powerpoint/2010/main" val="2245256247"/>
+      </p:ext>
+    </p:extLst>
+  </p:cSld>
+  <p:clrMapOvr>
+    <a:masterClrMapping/>
+  </p:clrMapOvr>
+</p:sld>
+</file>
+
+<file path=ppt/slides/slide15.xml><?xml version="1.0" encoding="utf-8"?>
+<p:sld xmlns:a="http://schemas.openxmlformats.org/drawingml/2006/main" xmlns:r="http://schemas.openxmlformats.org/officeDocument/2006/relationships" xmlns:p="http://schemas.openxmlformats.org/presentationml/2006/main">
+  <p:cSld>
+    <p:spTree>
+      <p:nvGrpSpPr>
+        <p:cNvPr id="1" name=""/>
+        <p:cNvGrpSpPr/>
+        <p:nvPr/>
+      </p:nvGrpSpPr>
+      <p:grpSpPr>
+        <a:xfrm>
+          <a:off x="0" y="0"/>
+          <a:ext cx="0" cy="0"/>
+          <a:chOff x="0" y="0"/>
+          <a:chExt cx="0" cy="0"/>
+        </a:xfrm>
+      </p:grpSpPr>
+      <p:sp>
+        <p:nvSpPr>
+          <p:cNvPr id="4" name="TextBox 3">
+            <a:extLst>
+              <a:ext uri="{FF2B5EF4-FFF2-40B4-BE49-F238E27FC236}">
+                <a16:creationId xmlns:a16="http://schemas.microsoft.com/office/drawing/2014/main" id="{93ACE18E-354C-4AF3-9F1D-AA93039449EA}"/>
+              </a:ext>
+            </a:extLst>
+          </p:cNvPr>
+          <p:cNvSpPr txBox="1"/>
+          <p:nvPr/>
+        </p:nvSpPr>
+        <p:spPr>
+          <a:xfrm>
+            <a:off x="1072985" y="1019015"/>
+            <a:ext cx="9253269" cy="4420890"/>
+          </a:xfrm>
+          <a:prstGeom prst="rect">
+            <a:avLst/>
+          </a:prstGeom>
+          <a:noFill/>
+        </p:spPr>
+        <p:txBody>
+          <a:bodyPr wrap="square" rtlCol="0">
+            <a:spAutoFit/>
+          </a:bodyPr>
+          <a:lstStyle/>
+          <a:p>
+            <a:pPr marL="342900" indent="-342900">
+              <a:lnSpc>
+                <a:spcPct val="200000"/>
+              </a:lnSpc>
+              <a:buFont typeface="Wingdings" panose="05000000000000000000" pitchFamily="2" charset="2"/>
+              <a:buChar char="§"/>
+            </a:pPr>
+            <a:r>
+              <a:rPr lang="en-US" sz="2400" dirty="0">
+                <a:solidFill>
+                  <a:srgbClr val="0D55F7"/>
+                </a:solidFill>
+              </a:rPr>
+              <a:t>The MR model with opinion bias was originally applied to describe hierarchical voting in society.</a:t>
+            </a:r>
+          </a:p>
+          <a:p>
+            <a:pPr marL="342900" indent="-342900">
+              <a:lnSpc>
+                <a:spcPct val="200000"/>
+              </a:lnSpc>
+              <a:buFont typeface="Wingdings" panose="05000000000000000000" pitchFamily="2" charset="2"/>
+              <a:buChar char="§"/>
+            </a:pPr>
+            <a:r>
+              <a:rPr lang="en-US" sz="2400" dirty="0">
+                <a:solidFill>
+                  <a:srgbClr val="0D55F7"/>
+                </a:solidFill>
+              </a:rPr>
+              <a:t>Recent extensions:</a:t>
+            </a:r>
+          </a:p>
+          <a:p>
+            <a:pPr marL="800100" lvl="1" indent="-342900">
+              <a:lnSpc>
+                <a:spcPct val="200000"/>
+              </a:lnSpc>
+              <a:buFont typeface="Wingdings" panose="05000000000000000000" pitchFamily="2" charset="2"/>
+              <a:buChar char="§"/>
+            </a:pPr>
+            <a:r>
+              <a:rPr lang="en-US" sz="2400" dirty="0">
+                <a:solidFill>
+                  <a:srgbClr val="0D55F7"/>
+                </a:solidFill>
+              </a:rPr>
+              <a:t>Independent agents;</a:t>
+            </a:r>
+          </a:p>
+          <a:p>
+            <a:pPr marL="800100" lvl="1" indent="-342900">
+              <a:lnSpc>
+                <a:spcPct val="200000"/>
+              </a:lnSpc>
+              <a:buFont typeface="Wingdings" panose="05000000000000000000" pitchFamily="2" charset="2"/>
+              <a:buChar char="§"/>
+            </a:pPr>
+            <a:r>
+              <a:rPr lang="en-US" sz="2400" dirty="0">
+                <a:solidFill>
+                  <a:srgbClr val="0D55F7"/>
+                </a:solidFill>
+              </a:rPr>
+              <a:t>Collective opinions.</a:t>
+            </a:r>
+          </a:p>
+          <a:p>
+            <a:pPr marL="800100" lvl="1" indent="-342900">
+              <a:lnSpc>
+                <a:spcPct val="200000"/>
+              </a:lnSpc>
+              <a:buFont typeface="Wingdings" panose="05000000000000000000" pitchFamily="2" charset="2"/>
+              <a:buChar char="§"/>
+            </a:pPr>
+            <a:endParaRPr lang="en-US" sz="2400" dirty="0">
+              <a:solidFill>
+                <a:srgbClr val="0D55F7"/>
+              </a:solidFill>
+            </a:endParaRPr>
+          </a:p>
+        </p:txBody>
+      </p:sp>
+      <p:sp>
+        <p:nvSpPr>
+          <p:cNvPr id="3" name="Title 1">
+            <a:extLst>
+              <a:ext uri="{FF2B5EF4-FFF2-40B4-BE49-F238E27FC236}">
+                <a16:creationId xmlns:a16="http://schemas.microsoft.com/office/drawing/2014/main" id="{D49DBE79-C6FF-4BCB-9EF0-024E917A1224}"/>
+              </a:ext>
+            </a:extLst>
+          </p:cNvPr>
+          <p:cNvSpPr>
+            <a:spLocks noGrp="1"/>
+          </p:cNvSpPr>
+          <p:nvPr>
+            <p:ph type="title"/>
+          </p:nvPr>
+        </p:nvSpPr>
+        <p:spPr>
+          <a:xfrm>
+            <a:off x="112295" y="106488"/>
+            <a:ext cx="10515600" cy="751766"/>
+          </a:xfrm>
+        </p:spPr>
+        <p:txBody>
+          <a:bodyPr>
+            <a:normAutofit/>
+          </a:bodyPr>
+          <a:lstStyle/>
+          <a:p>
+            <a:r>
+              <a:rPr lang="en-US" altLang="zh-CN" sz="2400" dirty="0">
+                <a:solidFill>
+                  <a:srgbClr val="0D55F7"/>
+                </a:solidFill>
+              </a:rPr>
+              <a:t>The Majority Rule Model</a:t>
+            </a:r>
+            <a:endParaRPr lang="en-US" sz="2400" dirty="0">
+              <a:solidFill>
+                <a:srgbClr val="0D55F7"/>
+              </a:solidFill>
+            </a:endParaRPr>
+          </a:p>
+        </p:txBody>
+      </p:sp>
+    </p:spTree>
+    <p:extLst>
+      <p:ext uri="{BB962C8B-B14F-4D97-AF65-F5344CB8AC3E}">
+        <p14:creationId xmlns:p14="http://schemas.microsoft.com/office/powerpoint/2010/main" val="2193872350"/>
+      </p:ext>
+    </p:extLst>
+  </p:cSld>
+  <p:clrMapOvr>
+    <a:masterClrMapping/>
+  </p:clrMapOvr>
+</p:sld>
+</file>
+
+<file path=ppt/slides/slide16.xml><?xml version="1.0" encoding="utf-8"?>
+<p:sld xmlns:a="http://schemas.openxmlformats.org/drawingml/2006/main" xmlns:r="http://schemas.openxmlformats.org/officeDocument/2006/relationships" xmlns:p="http://schemas.openxmlformats.org/presentationml/2006/main">
+  <p:cSld>
+    <p:spTree>
+      <p:nvGrpSpPr>
+        <p:cNvPr id="1" name=""/>
+        <p:cNvGrpSpPr/>
+        <p:nvPr/>
+      </p:nvGrpSpPr>
+      <p:grpSpPr>
+        <a:xfrm>
+          <a:off x="0" y="0"/>
+          <a:ext cx="0" cy="0"/>
+          <a:chOff x="0" y="0"/>
+          <a:chExt cx="0" cy="0"/>
+        </a:xfrm>
+      </p:grpSpPr>
+      <p:sp>
+        <p:nvSpPr>
+          <p:cNvPr id="4" name="TextBox 3">
+            <a:extLst>
+              <a:ext uri="{FF2B5EF4-FFF2-40B4-BE49-F238E27FC236}">
+                <a16:creationId xmlns:a16="http://schemas.microsoft.com/office/drawing/2014/main" id="{93ACE18E-354C-4AF3-9F1D-AA93039449EA}"/>
+              </a:ext>
+            </a:extLst>
+          </p:cNvPr>
+          <p:cNvSpPr txBox="1"/>
+          <p:nvPr/>
+        </p:nvSpPr>
+        <p:spPr>
+          <a:xfrm>
+            <a:off x="1100695" y="1288780"/>
+            <a:ext cx="9622723" cy="1697068"/>
+          </a:xfrm>
+          <a:prstGeom prst="rect">
+            <a:avLst/>
+          </a:prstGeom>
+          <a:noFill/>
+        </p:spPr>
+        <p:txBody>
+          <a:bodyPr wrap="square" rtlCol="0">
+            <a:spAutoFit/>
+          </a:bodyPr>
+          <a:lstStyle/>
+          <a:p>
+            <a:pPr marL="342900" indent="-342900">
+              <a:lnSpc>
+                <a:spcPct val="150000"/>
+              </a:lnSpc>
+              <a:buFont typeface="Wingdings" panose="05000000000000000000" pitchFamily="2" charset="2"/>
+              <a:buChar char="§"/>
+            </a:pPr>
+            <a:r>
+              <a:rPr lang="en-US" sz="2400" dirty="0">
+                <a:solidFill>
+                  <a:srgbClr val="0D55F7"/>
+                </a:solidFill>
+              </a:rPr>
+              <a:t>Social impact theory states that the impact of a group of people on an individual depends mainly on three factors: </a:t>
+            </a:r>
+          </a:p>
+          <a:p>
+            <a:pPr lvl="1">
+              <a:lnSpc>
+                <a:spcPct val="150000"/>
+              </a:lnSpc>
+            </a:pPr>
+            <a:r>
+              <a:rPr lang="en-US" sz="2400" dirty="0">
+                <a:solidFill>
+                  <a:srgbClr val="0D55F7"/>
+                </a:solidFill>
+              </a:rPr>
+              <a:t>	their number, their distance and their strength.</a:t>
+            </a:r>
+          </a:p>
+        </p:txBody>
+      </p:sp>
+      <p:sp>
+        <p:nvSpPr>
+          <p:cNvPr id="3" name="Title 1">
+            <a:extLst>
+              <a:ext uri="{FF2B5EF4-FFF2-40B4-BE49-F238E27FC236}">
+                <a16:creationId xmlns:a16="http://schemas.microsoft.com/office/drawing/2014/main" id="{D49DBE79-C6FF-4BCB-9EF0-024E917A1224}"/>
+              </a:ext>
+            </a:extLst>
+          </p:cNvPr>
+          <p:cNvSpPr>
+            <a:spLocks noGrp="1"/>
+          </p:cNvSpPr>
+          <p:nvPr>
+            <p:ph type="title"/>
+          </p:nvPr>
+        </p:nvSpPr>
+        <p:spPr>
+          <a:xfrm>
+            <a:off x="112295" y="106488"/>
+            <a:ext cx="10515600" cy="751766"/>
+          </a:xfrm>
+        </p:spPr>
+        <p:txBody>
+          <a:bodyPr>
+            <a:normAutofit/>
+          </a:bodyPr>
+          <a:lstStyle/>
+          <a:p>
+            <a:r>
+              <a:rPr lang="en-US" altLang="zh-CN" sz="2400" dirty="0">
+                <a:solidFill>
+                  <a:srgbClr val="0D55F7"/>
+                </a:solidFill>
+              </a:rPr>
+              <a:t>Social Impact and the </a:t>
+            </a:r>
+            <a:r>
+              <a:rPr lang="en-US" altLang="zh-CN" sz="2400" dirty="0" err="1">
+                <a:solidFill>
+                  <a:srgbClr val="0D55F7"/>
+                </a:solidFill>
+              </a:rPr>
+              <a:t>Sznajd</a:t>
+            </a:r>
+            <a:r>
+              <a:rPr lang="en-US" altLang="zh-CN" sz="2400" dirty="0">
+                <a:solidFill>
+                  <a:srgbClr val="0D55F7"/>
+                </a:solidFill>
+              </a:rPr>
+              <a:t> Model</a:t>
+            </a:r>
+            <a:endParaRPr lang="en-US" sz="2400" dirty="0">
+              <a:solidFill>
+                <a:srgbClr val="0D55F7"/>
+              </a:solidFill>
+            </a:endParaRPr>
+          </a:p>
+        </p:txBody>
+      </p:sp>
+      <p:sp>
+        <p:nvSpPr>
+          <p:cNvPr id="5" name="TextBox 4">
+            <a:extLst>
+              <a:ext uri="{FF2B5EF4-FFF2-40B4-BE49-F238E27FC236}">
+                <a16:creationId xmlns:a16="http://schemas.microsoft.com/office/drawing/2014/main" id="{2D1C3297-6591-4541-9CB6-06117F1CA4C0}"/>
+              </a:ext>
+            </a:extLst>
+          </p:cNvPr>
+          <p:cNvSpPr txBox="1"/>
+          <p:nvPr/>
+        </p:nvSpPr>
+        <p:spPr>
+          <a:xfrm>
+            <a:off x="1005172" y="3429000"/>
+            <a:ext cx="10170828" cy="1697068"/>
+          </a:xfrm>
+          <a:prstGeom prst="rect">
+            <a:avLst/>
+          </a:prstGeom>
+          <a:noFill/>
+        </p:spPr>
+        <p:txBody>
+          <a:bodyPr wrap="square" rtlCol="0">
+            <a:spAutoFit/>
+          </a:bodyPr>
+          <a:lstStyle/>
+          <a:p>
+            <a:pPr marL="342900" indent="-342900">
+              <a:lnSpc>
+                <a:spcPct val="150000"/>
+              </a:lnSpc>
+              <a:buFont typeface="Wingdings" panose="05000000000000000000" pitchFamily="2" charset="2"/>
+              <a:buChar char="§"/>
+            </a:pPr>
+            <a:r>
+              <a:rPr lang="en-US" sz="2400" dirty="0">
+                <a:solidFill>
+                  <a:srgbClr val="0D55F7"/>
+                </a:solidFill>
+              </a:rPr>
+              <a:t>The </a:t>
+            </a:r>
+            <a:r>
+              <a:rPr lang="en-US" sz="2400" dirty="0" err="1">
+                <a:solidFill>
+                  <a:srgbClr val="0D55F7"/>
+                </a:solidFill>
+              </a:rPr>
+              <a:t>Sznajd</a:t>
+            </a:r>
+            <a:r>
+              <a:rPr lang="en-US" sz="2400" dirty="0">
+                <a:solidFill>
+                  <a:srgbClr val="0D55F7"/>
+                </a:solidFill>
+              </a:rPr>
+              <a:t> model:</a:t>
+            </a:r>
+          </a:p>
+          <a:p>
+            <a:pPr lvl="1">
+              <a:lnSpc>
+                <a:spcPct val="150000"/>
+              </a:lnSpc>
+            </a:pPr>
+            <a:r>
+              <a:rPr lang="en-US" sz="2400" dirty="0">
+                <a:solidFill>
+                  <a:srgbClr val="0D55F7"/>
+                </a:solidFill>
+              </a:rPr>
+              <a:t>A group of individuals with the same opinion can influence their </a:t>
+            </a:r>
+            <a:r>
+              <a:rPr lang="en-US" sz="2400" dirty="0" err="1">
+                <a:solidFill>
+                  <a:srgbClr val="0D55F7"/>
+                </a:solidFill>
+              </a:rPr>
+              <a:t>neighbours</a:t>
+            </a:r>
+            <a:r>
+              <a:rPr lang="en-US" sz="2400" dirty="0">
+                <a:solidFill>
+                  <a:srgbClr val="0D55F7"/>
+                </a:solidFill>
+              </a:rPr>
+              <a:t> more than one single individual.</a:t>
+            </a:r>
+          </a:p>
+        </p:txBody>
+      </p:sp>
+    </p:spTree>
+    <p:extLst>
+      <p:ext uri="{BB962C8B-B14F-4D97-AF65-F5344CB8AC3E}">
+        <p14:creationId xmlns:p14="http://schemas.microsoft.com/office/powerpoint/2010/main" val="141830494"/>
+      </p:ext>
+    </p:extLst>
+  </p:cSld>
+  <p:clrMapOvr>
+    <a:masterClrMapping/>
+  </p:clrMapOvr>
+</p:sld>
+</file>
+
+<file path=ppt/slides/slide17.xml><?xml version="1.0" encoding="utf-8"?>
+<p:sld xmlns:a="http://schemas.openxmlformats.org/drawingml/2006/main" xmlns:r="http://schemas.openxmlformats.org/officeDocument/2006/relationships" xmlns:p="http://schemas.openxmlformats.org/presentationml/2006/main">
+  <p:cSld>
+    <p:spTree>
+      <p:nvGrpSpPr>
+        <p:cNvPr id="1" name=""/>
+        <p:cNvGrpSpPr/>
+        <p:nvPr/>
+      </p:nvGrpSpPr>
+      <p:grpSpPr>
+        <a:xfrm>
+          <a:off x="0" y="0"/>
+          <a:ext cx="0" cy="0"/>
+          <a:chOff x="0" y="0"/>
+          <a:chExt cx="0" cy="0"/>
+        </a:xfrm>
+      </p:grpSpPr>
+      <p:sp>
+        <p:nvSpPr>
+          <p:cNvPr id="4" name="TextBox 3">
+            <a:extLst>
+              <a:ext uri="{FF2B5EF4-FFF2-40B4-BE49-F238E27FC236}">
+                <a16:creationId xmlns:a16="http://schemas.microsoft.com/office/drawing/2014/main" id="{93ACE18E-354C-4AF3-9F1D-AA93039449EA}"/>
+              </a:ext>
+            </a:extLst>
+          </p:cNvPr>
+          <p:cNvSpPr txBox="1"/>
+          <p:nvPr/>
+        </p:nvSpPr>
+        <p:spPr>
+          <a:xfrm>
+            <a:off x="1045276" y="858254"/>
+            <a:ext cx="10306215" cy="3359061"/>
+          </a:xfrm>
+          <a:prstGeom prst="rect">
+            <a:avLst/>
+          </a:prstGeom>
+          <a:noFill/>
+        </p:spPr>
+        <p:txBody>
+          <a:bodyPr wrap="square" rtlCol="0">
+            <a:spAutoFit/>
+          </a:bodyPr>
+          <a:lstStyle/>
+          <a:p>
+            <a:pPr marL="342900" indent="-342900">
+              <a:lnSpc>
+                <a:spcPct val="150000"/>
+              </a:lnSpc>
+              <a:buFont typeface="Wingdings" panose="05000000000000000000" pitchFamily="2" charset="2"/>
+              <a:buChar char="§"/>
+            </a:pPr>
+            <a:r>
+              <a:rPr lang="en-US" sz="2400" dirty="0">
+                <a:solidFill>
+                  <a:srgbClr val="0D55F7"/>
+                </a:solidFill>
+              </a:rPr>
+              <a:t>In the model, each agent holds one of </a:t>
+            </a:r>
+            <a:r>
+              <a:rPr lang="en-US" sz="2400" dirty="0">
+                <a:solidFill>
+                  <a:srgbClr val="C00000"/>
+                </a:solidFill>
+              </a:rPr>
+              <a:t>two discrete opinions </a:t>
+            </a:r>
+            <a:r>
+              <a:rPr lang="en-US" sz="2400" dirty="0">
+                <a:solidFill>
+                  <a:srgbClr val="0D55F7"/>
+                </a:solidFill>
+              </a:rPr>
+              <a:t>(+1 or -1).</a:t>
+            </a:r>
+          </a:p>
+          <a:p>
+            <a:pPr marL="342900" indent="-342900">
+              <a:lnSpc>
+                <a:spcPct val="150000"/>
+              </a:lnSpc>
+              <a:buFont typeface="Wingdings" panose="05000000000000000000" pitchFamily="2" charset="2"/>
+              <a:buChar char="§"/>
+            </a:pPr>
+            <a:r>
+              <a:rPr lang="en-US" sz="2400" dirty="0">
+                <a:solidFill>
+                  <a:srgbClr val="0D55F7"/>
+                </a:solidFill>
+              </a:rPr>
+              <a:t>At each time step:</a:t>
+            </a:r>
+          </a:p>
+          <a:p>
+            <a:pPr marL="914400" lvl="1" indent="-457200">
+              <a:lnSpc>
+                <a:spcPct val="150000"/>
+              </a:lnSpc>
+              <a:buFont typeface="+mj-lt"/>
+              <a:buAutoNum type="arabicParenR"/>
+            </a:pPr>
+            <a:r>
+              <a:rPr lang="en-US" sz="2400" dirty="0">
+                <a:solidFill>
+                  <a:srgbClr val="0D55F7"/>
+                </a:solidFill>
+              </a:rPr>
+              <a:t>A pair of </a:t>
+            </a:r>
+            <a:r>
+              <a:rPr lang="en-US" sz="2400" dirty="0" err="1">
+                <a:solidFill>
+                  <a:srgbClr val="0D55F7"/>
+                </a:solidFill>
+              </a:rPr>
+              <a:t>neighbouring</a:t>
+            </a:r>
+            <a:r>
+              <a:rPr lang="en-US" sz="2400" dirty="0">
+                <a:solidFill>
+                  <a:srgbClr val="0D55F7"/>
+                </a:solidFill>
+              </a:rPr>
+              <a:t> agents is selected.</a:t>
+            </a:r>
+          </a:p>
+          <a:p>
+            <a:pPr marL="914400" lvl="1" indent="-457200">
+              <a:lnSpc>
+                <a:spcPct val="150000"/>
+              </a:lnSpc>
+              <a:buFont typeface="+mj-lt"/>
+              <a:buAutoNum type="arabicParenR"/>
+            </a:pPr>
+            <a:r>
+              <a:rPr lang="en-US" sz="2400" dirty="0">
+                <a:solidFill>
+                  <a:srgbClr val="0D55F7"/>
+                </a:solidFill>
+              </a:rPr>
+              <a:t>If their opinion coincides, all their </a:t>
+            </a:r>
+            <a:r>
+              <a:rPr lang="en-US" sz="2400" dirty="0" err="1">
+                <a:solidFill>
+                  <a:srgbClr val="0D55F7"/>
+                </a:solidFill>
+              </a:rPr>
+              <a:t>neighbours</a:t>
+            </a:r>
+            <a:r>
+              <a:rPr lang="en-US" sz="2400" dirty="0">
+                <a:solidFill>
+                  <a:srgbClr val="0D55F7"/>
+                </a:solidFill>
+              </a:rPr>
+              <a:t> take the opinion.</a:t>
+            </a:r>
+          </a:p>
+          <a:p>
+            <a:pPr marL="914400" lvl="1" indent="-457200">
+              <a:lnSpc>
+                <a:spcPct val="150000"/>
+              </a:lnSpc>
+              <a:buFont typeface="+mj-lt"/>
+              <a:buAutoNum type="arabicParenR"/>
+            </a:pPr>
+            <a:r>
+              <a:rPr lang="en-US" sz="2400" dirty="0">
+                <a:solidFill>
+                  <a:srgbClr val="0D55F7"/>
+                </a:solidFill>
+              </a:rPr>
+              <a:t>Otherwise, the </a:t>
+            </a:r>
+            <a:r>
+              <a:rPr lang="en-US" sz="2400" dirty="0" err="1">
+                <a:solidFill>
+                  <a:srgbClr val="0D55F7"/>
+                </a:solidFill>
+              </a:rPr>
+              <a:t>neighbours</a:t>
+            </a:r>
+            <a:r>
+              <a:rPr lang="en-US" sz="2400" dirty="0">
+                <a:solidFill>
+                  <a:srgbClr val="0D55F7"/>
+                </a:solidFill>
+              </a:rPr>
+              <a:t> take contrasting opinions.</a:t>
+            </a:r>
+          </a:p>
+          <a:p>
+            <a:pPr marL="342900" indent="-342900">
+              <a:lnSpc>
+                <a:spcPct val="150000"/>
+              </a:lnSpc>
+              <a:buFont typeface="Wingdings" panose="05000000000000000000" pitchFamily="2" charset="2"/>
+              <a:buChar char="§"/>
+            </a:pPr>
+            <a:endParaRPr lang="en-US" sz="2400" dirty="0">
+              <a:solidFill>
+                <a:srgbClr val="0D55F7"/>
+              </a:solidFill>
+            </a:endParaRPr>
+          </a:p>
+        </p:txBody>
+      </p:sp>
+      <p:sp>
+        <p:nvSpPr>
+          <p:cNvPr id="3" name="Title 1">
+            <a:extLst>
+              <a:ext uri="{FF2B5EF4-FFF2-40B4-BE49-F238E27FC236}">
+                <a16:creationId xmlns:a16="http://schemas.microsoft.com/office/drawing/2014/main" id="{D49DBE79-C6FF-4BCB-9EF0-024E917A1224}"/>
+              </a:ext>
+            </a:extLst>
+          </p:cNvPr>
+          <p:cNvSpPr>
+            <a:spLocks noGrp="1"/>
+          </p:cNvSpPr>
+          <p:nvPr>
+            <p:ph type="title"/>
+          </p:nvPr>
+        </p:nvSpPr>
+        <p:spPr>
+          <a:xfrm>
+            <a:off x="112295" y="106488"/>
+            <a:ext cx="10515600" cy="751766"/>
+          </a:xfrm>
+        </p:spPr>
+        <p:txBody>
+          <a:bodyPr>
+            <a:normAutofit/>
+          </a:bodyPr>
+          <a:lstStyle/>
+          <a:p>
+            <a:r>
+              <a:rPr lang="en-US" altLang="zh-CN" sz="2400" dirty="0">
+                <a:solidFill>
+                  <a:srgbClr val="0D55F7"/>
+                </a:solidFill>
+              </a:rPr>
+              <a:t>The </a:t>
+            </a:r>
+            <a:r>
+              <a:rPr lang="en-US" altLang="zh-CN" sz="2400" dirty="0" err="1">
+                <a:solidFill>
+                  <a:srgbClr val="0D55F7"/>
+                </a:solidFill>
+              </a:rPr>
+              <a:t>Sznajd</a:t>
+            </a:r>
+            <a:r>
+              <a:rPr lang="en-US" altLang="zh-CN" sz="2400" dirty="0">
+                <a:solidFill>
+                  <a:srgbClr val="0D55F7"/>
+                </a:solidFill>
+              </a:rPr>
+              <a:t> Model</a:t>
+            </a:r>
+            <a:endParaRPr lang="en-US" sz="2400" dirty="0">
+              <a:solidFill>
+                <a:srgbClr val="0D55F7"/>
+              </a:solidFill>
+            </a:endParaRPr>
+          </a:p>
+        </p:txBody>
+      </p:sp>
+      <p:pic>
+        <p:nvPicPr>
+          <p:cNvPr id="6" name="Picture 5">
+            <a:extLst>
+              <a:ext uri="{FF2B5EF4-FFF2-40B4-BE49-F238E27FC236}">
+                <a16:creationId xmlns:a16="http://schemas.microsoft.com/office/drawing/2014/main" id="{27C8AC26-3E36-48C7-BDC7-B629909D8693}"/>
+              </a:ext>
+            </a:extLst>
+          </p:cNvPr>
+          <p:cNvPicPr>
+            <a:picLocks noChangeAspect="1"/>
+          </p:cNvPicPr>
+          <p:nvPr/>
+        </p:nvPicPr>
+        <p:blipFill>
+          <a:blip r:embed="rId2">
+            <a:extLst>
+              <a:ext uri="{28A0092B-C50C-407E-A947-70E740481C1C}">
+                <a14:useLocalDpi xmlns:a14="http://schemas.microsoft.com/office/drawing/2010/main" val="0"/>
+              </a:ext>
+            </a:extLst>
+          </a:blip>
+          <a:stretch>
+            <a:fillRect/>
+          </a:stretch>
+        </p:blipFill>
+        <p:spPr>
+          <a:xfrm>
+            <a:off x="3570987" y="3753688"/>
+            <a:ext cx="4492359" cy="2817242"/>
+          </a:xfrm>
+          <a:prstGeom prst="rect">
+            <a:avLst/>
+          </a:prstGeom>
+        </p:spPr>
+      </p:pic>
+    </p:spTree>
+    <p:extLst>
+      <p:ext uri="{BB962C8B-B14F-4D97-AF65-F5344CB8AC3E}">
+        <p14:creationId xmlns:p14="http://schemas.microsoft.com/office/powerpoint/2010/main" val="251337924"/>
+      </p:ext>
+    </p:extLst>
+  </p:cSld>
+  <p:clrMapOvr>
+    <a:masterClrMapping/>
+  </p:clrMapOvr>
+</p:sld>
+</file>
+
+<file path=ppt/slides/slide18.xml><?xml version="1.0" encoding="utf-8"?>
+<p:sld xmlns:a="http://schemas.openxmlformats.org/drawingml/2006/main" xmlns:r="http://schemas.openxmlformats.org/officeDocument/2006/relationships" xmlns:p="http://schemas.openxmlformats.org/presentationml/2006/main">
+  <p:cSld>
+    <p:spTree>
+      <p:nvGrpSpPr>
+        <p:cNvPr id="1" name=""/>
+        <p:cNvGrpSpPr/>
+        <p:nvPr/>
+      </p:nvGrpSpPr>
+      <p:grpSpPr>
+        <a:xfrm>
+          <a:off x="0" y="0"/>
+          <a:ext cx="0" cy="0"/>
+          <a:chOff x="0" y="0"/>
+          <a:chExt cx="0" cy="0"/>
+        </a:xfrm>
+      </p:grpSpPr>
+      <p:sp>
+        <p:nvSpPr>
+          <p:cNvPr id="4" name="TextBox 3">
+            <a:extLst>
+              <a:ext uri="{FF2B5EF4-FFF2-40B4-BE49-F238E27FC236}">
+                <a16:creationId xmlns:a16="http://schemas.microsoft.com/office/drawing/2014/main" id="{93ACE18E-354C-4AF3-9F1D-AA93039449EA}"/>
+              </a:ext>
+            </a:extLst>
+          </p:cNvPr>
+          <p:cNvSpPr txBox="1"/>
+          <p:nvPr/>
+        </p:nvSpPr>
+        <p:spPr>
+          <a:xfrm>
+            <a:off x="1045276" y="858254"/>
+            <a:ext cx="10306215" cy="5159554"/>
+          </a:xfrm>
+          <a:prstGeom prst="rect">
+            <a:avLst/>
+          </a:prstGeom>
+          <a:noFill/>
+        </p:spPr>
+        <p:txBody>
+          <a:bodyPr wrap="square" rtlCol="0">
+            <a:spAutoFit/>
+          </a:bodyPr>
+          <a:lstStyle/>
+          <a:p>
+            <a:pPr marL="342900" indent="-342900">
+              <a:lnSpc>
+                <a:spcPct val="200000"/>
+              </a:lnSpc>
+              <a:buFont typeface="Wingdings" panose="05000000000000000000" pitchFamily="2" charset="2"/>
+              <a:buChar char="§"/>
+            </a:pPr>
+            <a:r>
+              <a:rPr lang="en-US" sz="2400" dirty="0">
+                <a:solidFill>
+                  <a:srgbClr val="0D55F7"/>
+                </a:solidFill>
+              </a:rPr>
+              <a:t>Extensions:</a:t>
+            </a:r>
+          </a:p>
+          <a:p>
+            <a:pPr marL="800100" lvl="1" indent="-342900">
+              <a:lnSpc>
+                <a:spcPct val="200000"/>
+              </a:lnSpc>
+              <a:buFont typeface="Wingdings" panose="05000000000000000000" pitchFamily="2" charset="2"/>
+              <a:buChar char="§"/>
+            </a:pPr>
+            <a:r>
+              <a:rPr lang="en-US" sz="2400" dirty="0">
+                <a:solidFill>
+                  <a:srgbClr val="0D55F7"/>
+                </a:solidFill>
+              </a:rPr>
+              <a:t>On a two dimensional lattice have also been studied, with four </a:t>
+            </a:r>
+            <a:r>
+              <a:rPr lang="en-US" sz="2400" dirty="0" err="1">
+                <a:solidFill>
+                  <a:srgbClr val="0D55F7"/>
+                </a:solidFill>
+              </a:rPr>
+              <a:t>neighbours</a:t>
+            </a:r>
+            <a:r>
+              <a:rPr lang="en-US" sz="2400" dirty="0">
+                <a:solidFill>
+                  <a:srgbClr val="0D55F7"/>
+                </a:solidFill>
+              </a:rPr>
+              <a:t> (a plaquette) having to agree in order to influence their other 8 </a:t>
+            </a:r>
+            <a:r>
+              <a:rPr lang="en-US" sz="2400" dirty="0" err="1">
+                <a:solidFill>
+                  <a:srgbClr val="0D55F7"/>
+                </a:solidFill>
+              </a:rPr>
+              <a:t>neighbours</a:t>
+            </a:r>
+            <a:r>
+              <a:rPr lang="en-US" sz="2400" dirty="0">
+                <a:solidFill>
+                  <a:srgbClr val="0D55F7"/>
+                </a:solidFill>
+              </a:rPr>
+              <a:t>.</a:t>
+            </a:r>
+          </a:p>
+          <a:p>
+            <a:pPr marL="800100" lvl="1" indent="-342900">
+              <a:lnSpc>
+                <a:spcPct val="200000"/>
+              </a:lnSpc>
+              <a:buFont typeface="Wingdings" panose="05000000000000000000" pitchFamily="2" charset="2"/>
+              <a:buChar char="§"/>
+            </a:pPr>
+            <a:r>
+              <a:rPr lang="en-US" sz="2400" dirty="0">
+                <a:solidFill>
+                  <a:srgbClr val="0D55F7"/>
+                </a:solidFill>
+              </a:rPr>
+              <a:t>With a third option (centrist / indifferent).</a:t>
+            </a:r>
+          </a:p>
+          <a:p>
+            <a:pPr marL="800100" lvl="1" indent="-342900">
+              <a:lnSpc>
+                <a:spcPct val="200000"/>
+              </a:lnSpc>
+              <a:buFont typeface="Wingdings" panose="05000000000000000000" pitchFamily="2" charset="2"/>
+              <a:buChar char="§"/>
+            </a:pPr>
+            <a:r>
+              <a:rPr lang="en-US" sz="2400" dirty="0">
+                <a:solidFill>
+                  <a:srgbClr val="0D55F7"/>
+                </a:solidFill>
+              </a:rPr>
+              <a:t>With “social temperature” -&gt; disagreement by some individuals who choose to be or not to be contrarians at each update.</a:t>
+            </a:r>
+          </a:p>
+          <a:p>
+            <a:pPr marL="342900" indent="-342900">
+              <a:lnSpc>
+                <a:spcPct val="200000"/>
+              </a:lnSpc>
+              <a:buFont typeface="Wingdings" panose="05000000000000000000" pitchFamily="2" charset="2"/>
+              <a:buChar char="§"/>
+            </a:pPr>
+            <a:endParaRPr lang="en-US" sz="2400" dirty="0">
+              <a:solidFill>
+                <a:srgbClr val="0D55F7"/>
+              </a:solidFill>
+            </a:endParaRPr>
+          </a:p>
+        </p:txBody>
+      </p:sp>
+      <p:sp>
+        <p:nvSpPr>
+          <p:cNvPr id="3" name="Title 1">
+            <a:extLst>
+              <a:ext uri="{FF2B5EF4-FFF2-40B4-BE49-F238E27FC236}">
+                <a16:creationId xmlns:a16="http://schemas.microsoft.com/office/drawing/2014/main" id="{D49DBE79-C6FF-4BCB-9EF0-024E917A1224}"/>
+              </a:ext>
+            </a:extLst>
+          </p:cNvPr>
+          <p:cNvSpPr>
+            <a:spLocks noGrp="1"/>
+          </p:cNvSpPr>
+          <p:nvPr>
+            <p:ph type="title"/>
+          </p:nvPr>
+        </p:nvSpPr>
+        <p:spPr>
+          <a:xfrm>
+            <a:off x="112295" y="106488"/>
+            <a:ext cx="10515600" cy="751766"/>
+          </a:xfrm>
+        </p:spPr>
+        <p:txBody>
+          <a:bodyPr>
+            <a:normAutofit/>
+          </a:bodyPr>
+          <a:lstStyle/>
+          <a:p>
+            <a:r>
+              <a:rPr lang="en-US" altLang="zh-CN" sz="2400" dirty="0">
+                <a:solidFill>
+                  <a:srgbClr val="0D55F7"/>
+                </a:solidFill>
+              </a:rPr>
+              <a:t>The </a:t>
+            </a:r>
+            <a:r>
+              <a:rPr lang="en-US" altLang="zh-CN" sz="2400" dirty="0" err="1">
+                <a:solidFill>
+                  <a:srgbClr val="0D55F7"/>
+                </a:solidFill>
+              </a:rPr>
+              <a:t>Sznajd</a:t>
+            </a:r>
+            <a:r>
+              <a:rPr lang="en-US" altLang="zh-CN" sz="2400" dirty="0">
+                <a:solidFill>
+                  <a:srgbClr val="0D55F7"/>
+                </a:solidFill>
+              </a:rPr>
+              <a:t> Model</a:t>
+            </a:r>
+            <a:endParaRPr lang="en-US" sz="2400" dirty="0">
+              <a:solidFill>
+                <a:srgbClr val="0D55F7"/>
+              </a:solidFill>
+            </a:endParaRPr>
+          </a:p>
+        </p:txBody>
+      </p:sp>
+    </p:spTree>
+    <p:extLst>
+      <p:ext uri="{BB962C8B-B14F-4D97-AF65-F5344CB8AC3E}">
+        <p14:creationId xmlns:p14="http://schemas.microsoft.com/office/powerpoint/2010/main" val="332262005"/>
+      </p:ext>
+    </p:extLst>
+  </p:cSld>
+  <p:clrMapOvr>
+    <a:masterClrMapping/>
+  </p:clrMapOvr>
+</p:sld>
+</file>
+
+<file path=ppt/slides/slide19.xml><?xml version="1.0" encoding="utf-8"?>
+<p:sld xmlns:a="http://schemas.openxmlformats.org/drawingml/2006/main" xmlns:r="http://schemas.openxmlformats.org/officeDocument/2006/relationships" xmlns:p="http://schemas.openxmlformats.org/presentationml/2006/main">
+  <p:cSld>
+    <p:spTree>
+      <p:nvGrpSpPr>
+        <p:cNvPr id="1" name=""/>
+        <p:cNvGrpSpPr/>
+        <p:nvPr/>
+      </p:nvGrpSpPr>
+      <p:grpSpPr>
+        <a:xfrm>
+          <a:off x="0" y="0"/>
+          <a:ext cx="0" cy="0"/>
+          <a:chOff x="0" y="0"/>
+          <a:chExt cx="0" cy="0"/>
+        </a:xfrm>
+      </p:grpSpPr>
+      <p:sp>
+        <p:nvSpPr>
+          <p:cNvPr id="4" name="TextBox 3">
+            <a:extLst>
+              <a:ext uri="{FF2B5EF4-FFF2-40B4-BE49-F238E27FC236}">
+                <a16:creationId xmlns:a16="http://schemas.microsoft.com/office/drawing/2014/main" id="{93ACE18E-354C-4AF3-9F1D-AA93039449EA}"/>
+              </a:ext>
+            </a:extLst>
+          </p:cNvPr>
+          <p:cNvSpPr txBox="1"/>
+          <p:nvPr/>
+        </p:nvSpPr>
+        <p:spPr>
+          <a:xfrm>
+            <a:off x="1091458" y="1159472"/>
+            <a:ext cx="9536437" cy="4339650"/>
+          </a:xfrm>
+          <a:prstGeom prst="rect">
+            <a:avLst/>
+          </a:prstGeom>
+          <a:noFill/>
+        </p:spPr>
+        <p:txBody>
+          <a:bodyPr wrap="square" rtlCol="0">
+            <a:spAutoFit/>
+          </a:bodyPr>
+          <a:lstStyle/>
+          <a:p>
+            <a:pPr marL="342900" indent="-342900">
+              <a:lnSpc>
+                <a:spcPct val="150000"/>
+              </a:lnSpc>
+              <a:buFont typeface="Wingdings" panose="05000000000000000000" pitchFamily="2" charset="2"/>
+              <a:buChar char="§"/>
+            </a:pPr>
+            <a:r>
+              <a:rPr lang="en-US" sz="2400" dirty="0">
+                <a:solidFill>
+                  <a:srgbClr val="0D55F7"/>
+                </a:solidFill>
+              </a:rPr>
+              <a:t>Different from voter model, q-voter model selects a set of </a:t>
+            </a:r>
+            <a:r>
+              <a:rPr lang="en-US" sz="2400" dirty="0">
+                <a:solidFill>
+                  <a:srgbClr val="C00000"/>
+                </a:solidFill>
+              </a:rPr>
+              <a:t>q</a:t>
+            </a:r>
+            <a:r>
+              <a:rPr lang="en-US" sz="2400" dirty="0">
+                <a:solidFill>
+                  <a:srgbClr val="0D55F7"/>
+                </a:solidFill>
+              </a:rPr>
+              <a:t> neighbors.</a:t>
+            </a:r>
+          </a:p>
+          <a:p>
+            <a:pPr marL="342900" indent="-342900">
+              <a:lnSpc>
+                <a:spcPct val="150000"/>
+              </a:lnSpc>
+              <a:buFont typeface="Wingdings" panose="05000000000000000000" pitchFamily="2" charset="2"/>
+              <a:buChar char="§"/>
+            </a:pPr>
+            <a:r>
+              <a:rPr lang="en-US" sz="2400" dirty="0">
+                <a:solidFill>
+                  <a:srgbClr val="0D55F7"/>
+                </a:solidFill>
+              </a:rPr>
+              <a:t>If the neighbors agree, they influence one neighbor chosen at random, i.e. this agent copies the opinion of the group.</a:t>
+            </a:r>
+          </a:p>
+          <a:p>
+            <a:pPr marL="342900" indent="-342900">
+              <a:lnSpc>
+                <a:spcPct val="150000"/>
+              </a:lnSpc>
+              <a:buFont typeface="Wingdings" panose="05000000000000000000" pitchFamily="2" charset="2"/>
+              <a:buChar char="§"/>
+            </a:pPr>
+            <a:r>
+              <a:rPr lang="en-US" sz="2400" dirty="0">
+                <a:solidFill>
+                  <a:srgbClr val="1955FF"/>
+                </a:solidFill>
+              </a:rPr>
+              <a:t>If the group does not agree, the agent flips its opinion with probability </a:t>
+            </a:r>
+            <a:r>
+              <a:rPr lang="el-GR" sz="2400" dirty="0">
+                <a:solidFill>
+                  <a:srgbClr val="1955FF"/>
+                </a:solidFill>
+              </a:rPr>
+              <a:t>ϵ</a:t>
+            </a:r>
+            <a:r>
+              <a:rPr lang="en-US" sz="2400" dirty="0">
+                <a:solidFill>
+                  <a:srgbClr val="1955FF"/>
+                </a:solidFill>
+              </a:rPr>
+              <a:t>.</a:t>
+            </a:r>
+          </a:p>
+          <a:p>
+            <a:pPr marL="342900" indent="-342900">
+              <a:lnSpc>
+                <a:spcPct val="150000"/>
+              </a:lnSpc>
+              <a:buFont typeface="Wingdings" panose="05000000000000000000" pitchFamily="2" charset="2"/>
+              <a:buChar char="§"/>
+            </a:pPr>
+            <a:endParaRPr lang="en-US" sz="2400" dirty="0">
+              <a:solidFill>
+                <a:srgbClr val="0D55F7"/>
+              </a:solidFill>
+            </a:endParaRPr>
+          </a:p>
+          <a:p>
+            <a:pPr marL="342900" indent="-342900">
+              <a:lnSpc>
+                <a:spcPct val="150000"/>
+              </a:lnSpc>
+              <a:buFont typeface="Wingdings" panose="05000000000000000000" pitchFamily="2" charset="2"/>
+              <a:buChar char="§"/>
+            </a:pPr>
+            <a:endParaRPr lang="en-US" sz="2400" dirty="0">
+              <a:solidFill>
+                <a:srgbClr val="0D55F7"/>
+              </a:solidFill>
+            </a:endParaRPr>
+          </a:p>
+          <a:p>
+            <a:pPr marL="342900" indent="-342900">
+              <a:lnSpc>
+                <a:spcPct val="150000"/>
+              </a:lnSpc>
+              <a:buFont typeface="Wingdings" panose="05000000000000000000" pitchFamily="2" charset="2"/>
+              <a:buChar char="§"/>
+            </a:pPr>
+            <a:r>
+              <a:rPr lang="en-US" sz="2400" dirty="0">
+                <a:solidFill>
+                  <a:srgbClr val="0D55F7"/>
+                </a:solidFill>
+              </a:rPr>
+              <a:t>The voter model and </a:t>
+            </a:r>
+            <a:r>
+              <a:rPr lang="en-US" sz="2400" dirty="0" err="1">
+                <a:solidFill>
+                  <a:srgbClr val="0D55F7"/>
+                </a:solidFill>
+              </a:rPr>
+              <a:t>Sznajd</a:t>
+            </a:r>
+            <a:r>
+              <a:rPr lang="en-US" sz="2400" dirty="0">
+                <a:solidFill>
+                  <a:srgbClr val="0D55F7"/>
+                </a:solidFill>
+              </a:rPr>
+              <a:t> models are special cases of q-voter model.</a:t>
+            </a:r>
+          </a:p>
+          <a:p>
+            <a:pPr marL="342900" indent="-342900">
+              <a:buFont typeface="Wingdings" panose="05000000000000000000" pitchFamily="2" charset="2"/>
+              <a:buChar char="§"/>
+            </a:pPr>
+            <a:endParaRPr lang="en-US" sz="2400" dirty="0">
+              <a:solidFill>
+                <a:srgbClr val="0D55F7"/>
+              </a:solidFill>
+            </a:endParaRPr>
+          </a:p>
+        </p:txBody>
+      </p:sp>
+      <p:sp>
+        <p:nvSpPr>
+          <p:cNvPr id="3" name="Title 1">
+            <a:extLst>
+              <a:ext uri="{FF2B5EF4-FFF2-40B4-BE49-F238E27FC236}">
+                <a16:creationId xmlns:a16="http://schemas.microsoft.com/office/drawing/2014/main" id="{D49DBE79-C6FF-4BCB-9EF0-024E917A1224}"/>
+              </a:ext>
+            </a:extLst>
+          </p:cNvPr>
+          <p:cNvSpPr>
+            <a:spLocks noGrp="1"/>
+          </p:cNvSpPr>
+          <p:nvPr>
+            <p:ph type="title"/>
+          </p:nvPr>
+        </p:nvSpPr>
+        <p:spPr>
+          <a:xfrm>
+            <a:off x="112295" y="106488"/>
+            <a:ext cx="10515600" cy="751766"/>
+          </a:xfrm>
+        </p:spPr>
+        <p:txBody>
+          <a:bodyPr>
+            <a:normAutofit/>
+          </a:bodyPr>
+          <a:lstStyle/>
+          <a:p>
+            <a:r>
+              <a:rPr lang="en-US" altLang="zh-CN" sz="2400" dirty="0">
+                <a:solidFill>
+                  <a:srgbClr val="0D55F7"/>
+                </a:solidFill>
+              </a:rPr>
+              <a:t>Q-Voter Model</a:t>
+            </a:r>
+            <a:endParaRPr lang="en-US" sz="2400" dirty="0">
+              <a:solidFill>
+                <a:srgbClr val="0D55F7"/>
+              </a:solidFill>
+            </a:endParaRPr>
+          </a:p>
+        </p:txBody>
+      </p:sp>
+    </p:spTree>
+    <p:extLst>
+      <p:ext uri="{BB962C8B-B14F-4D97-AF65-F5344CB8AC3E}">
+        <p14:creationId xmlns:p14="http://schemas.microsoft.com/office/powerpoint/2010/main" val="506197691"/>
+      </p:ext>
+    </p:extLst>
+  </p:cSld>
+  <p:clrMapOvr>
+    <a:masterClrMapping/>
+  </p:clrMapOvr>
+</p:sld>
+</file>
+
 <file path=ppt/slides/slide2.xml><?xml version="1.0" encoding="utf-8"?>
 <p:sld xmlns:a="http://schemas.openxmlformats.org/drawingml/2006/main" xmlns:r="http://schemas.openxmlformats.org/officeDocument/2006/relationships" xmlns:p="http://schemas.openxmlformats.org/presentationml/2006/main">
   <p:cSld>
@@ -4109,6 +6516,3931 @@
     <p:extLst>
       <p:ext uri="{BB962C8B-B14F-4D97-AF65-F5344CB8AC3E}">
         <p14:creationId xmlns:p14="http://schemas.microsoft.com/office/powerpoint/2010/main" val="1912178486"/>
+      </p:ext>
+    </p:extLst>
+  </p:cSld>
+  <p:clrMapOvr>
+    <a:masterClrMapping/>
+  </p:clrMapOvr>
+</p:sld>
+</file>
+
+<file path=ppt/slides/slide20.xml><?xml version="1.0" encoding="utf-8"?>
+<p:sld xmlns:a="http://schemas.openxmlformats.org/drawingml/2006/main" xmlns:r="http://schemas.openxmlformats.org/officeDocument/2006/relationships" xmlns:p="http://schemas.openxmlformats.org/presentationml/2006/main">
+  <p:cSld>
+    <p:spTree>
+      <p:nvGrpSpPr>
+        <p:cNvPr id="1" name=""/>
+        <p:cNvGrpSpPr/>
+        <p:nvPr/>
+      </p:nvGrpSpPr>
+      <p:grpSpPr>
+        <a:xfrm>
+          <a:off x="0" y="0"/>
+          <a:ext cx="0" cy="0"/>
+          <a:chOff x="0" y="0"/>
+          <a:chExt cx="0" cy="0"/>
+        </a:xfrm>
+      </p:grpSpPr>
+      <p:sp>
+        <p:nvSpPr>
+          <p:cNvPr id="4" name="TextBox 3">
+            <a:extLst>
+              <a:ext uri="{FF2B5EF4-FFF2-40B4-BE49-F238E27FC236}">
+                <a16:creationId xmlns:a16="http://schemas.microsoft.com/office/drawing/2014/main" id="{93ACE18E-354C-4AF3-9F1D-AA93039449EA}"/>
+              </a:ext>
+            </a:extLst>
+          </p:cNvPr>
+          <p:cNvSpPr txBox="1"/>
+          <p:nvPr/>
+        </p:nvSpPr>
+        <p:spPr>
+          <a:xfrm>
+            <a:off x="980622" y="994856"/>
+            <a:ext cx="9456469" cy="4328557"/>
+          </a:xfrm>
+          <a:prstGeom prst="rect">
+            <a:avLst/>
+          </a:prstGeom>
+          <a:noFill/>
+        </p:spPr>
+        <p:txBody>
+          <a:bodyPr wrap="square" rtlCol="0">
+            <a:spAutoFit/>
+          </a:bodyPr>
+          <a:lstStyle/>
+          <a:p>
+            <a:pPr marL="342900" indent="-342900">
+              <a:lnSpc>
+                <a:spcPct val="150000"/>
+              </a:lnSpc>
+              <a:buFont typeface="Wingdings" panose="05000000000000000000" pitchFamily="2" charset="2"/>
+              <a:buChar char="§"/>
+            </a:pPr>
+            <a:r>
+              <a:rPr lang="en-US" sz="2400" dirty="0">
+                <a:solidFill>
+                  <a:srgbClr val="0D55F7"/>
+                </a:solidFill>
+              </a:rPr>
+              <a:t>Q-voter model is analyzed for non-conformity and anti-conformity:</a:t>
+            </a:r>
+          </a:p>
+          <a:p>
+            <a:pPr marL="800100" lvl="1" indent="-342900">
+              <a:lnSpc>
+                <a:spcPct val="150000"/>
+              </a:lnSpc>
+              <a:buFont typeface="Wingdings" panose="05000000000000000000" pitchFamily="2" charset="2"/>
+              <a:buChar char="§"/>
+            </a:pPr>
+            <a:endParaRPr lang="en-US" sz="1400" dirty="0">
+              <a:solidFill>
+                <a:srgbClr val="0D55F7"/>
+              </a:solidFill>
+            </a:endParaRPr>
+          </a:p>
+          <a:p>
+            <a:pPr marL="800100" lvl="1" indent="-342900">
+              <a:lnSpc>
+                <a:spcPct val="150000"/>
+              </a:lnSpc>
+              <a:buFont typeface="Wingdings" panose="05000000000000000000" pitchFamily="2" charset="2"/>
+              <a:buChar char="§"/>
+            </a:pPr>
+            <a:r>
+              <a:rPr lang="en-US" sz="2000" dirty="0">
+                <a:solidFill>
+                  <a:srgbClr val="0D55F7"/>
+                </a:solidFill>
+              </a:rPr>
+              <a:t>Non-conformity: some agents regardless of what the influencing group’s opinion is, will decide to flip their opinion with probability p.</a:t>
+            </a:r>
+          </a:p>
+          <a:p>
+            <a:pPr marL="800100" lvl="1" indent="-342900">
+              <a:lnSpc>
+                <a:spcPct val="150000"/>
+              </a:lnSpc>
+              <a:buFont typeface="Wingdings" panose="05000000000000000000" pitchFamily="2" charset="2"/>
+              <a:buChar char="§"/>
+            </a:pPr>
+            <a:endParaRPr lang="en-US" sz="2000" dirty="0">
+              <a:solidFill>
+                <a:srgbClr val="0D55F7"/>
+              </a:solidFill>
+            </a:endParaRPr>
+          </a:p>
+          <a:p>
+            <a:pPr marL="800100" lvl="1" indent="-342900">
+              <a:lnSpc>
+                <a:spcPct val="150000"/>
+              </a:lnSpc>
+              <a:buFont typeface="Wingdings" panose="05000000000000000000" pitchFamily="2" charset="2"/>
+              <a:buChar char="§"/>
+            </a:pPr>
+            <a:r>
+              <a:rPr lang="en-US" sz="2000" dirty="0">
+                <a:solidFill>
+                  <a:srgbClr val="0D55F7"/>
+                </a:solidFill>
+              </a:rPr>
+              <a:t>Anti-conformity: some agents will not follow the opinion of the group, but the opposite one, with probability p.</a:t>
+            </a:r>
+          </a:p>
+          <a:p>
+            <a:pPr marL="342900" indent="-342900">
+              <a:lnSpc>
+                <a:spcPct val="150000"/>
+              </a:lnSpc>
+              <a:buFont typeface="Wingdings" panose="05000000000000000000" pitchFamily="2" charset="2"/>
+              <a:buChar char="§"/>
+            </a:pPr>
+            <a:endParaRPr lang="en-US" sz="2400" dirty="0">
+              <a:solidFill>
+                <a:srgbClr val="1955FF"/>
+              </a:solidFill>
+            </a:endParaRPr>
+          </a:p>
+          <a:p>
+            <a:pPr marL="342900" indent="-342900">
+              <a:lnSpc>
+                <a:spcPct val="150000"/>
+              </a:lnSpc>
+              <a:buFont typeface="Wingdings" panose="05000000000000000000" pitchFamily="2" charset="2"/>
+              <a:buChar char="§"/>
+            </a:pPr>
+            <a:r>
+              <a:rPr lang="en-US" sz="2400">
+                <a:solidFill>
+                  <a:srgbClr val="0D55F7"/>
+                </a:solidFill>
+              </a:rPr>
+              <a:t>(Observations?)</a:t>
+            </a:r>
+            <a:endParaRPr lang="en-US" sz="2400" dirty="0">
+              <a:solidFill>
+                <a:srgbClr val="0D55F7"/>
+              </a:solidFill>
+            </a:endParaRPr>
+          </a:p>
+        </p:txBody>
+      </p:sp>
+      <p:sp>
+        <p:nvSpPr>
+          <p:cNvPr id="3" name="Title 1">
+            <a:extLst>
+              <a:ext uri="{FF2B5EF4-FFF2-40B4-BE49-F238E27FC236}">
+                <a16:creationId xmlns:a16="http://schemas.microsoft.com/office/drawing/2014/main" id="{D49DBE79-C6FF-4BCB-9EF0-024E917A1224}"/>
+              </a:ext>
+            </a:extLst>
+          </p:cNvPr>
+          <p:cNvSpPr>
+            <a:spLocks noGrp="1"/>
+          </p:cNvSpPr>
+          <p:nvPr>
+            <p:ph type="title"/>
+          </p:nvPr>
+        </p:nvSpPr>
+        <p:spPr>
+          <a:xfrm>
+            <a:off x="112295" y="106488"/>
+            <a:ext cx="10515600" cy="751766"/>
+          </a:xfrm>
+        </p:spPr>
+        <p:txBody>
+          <a:bodyPr>
+            <a:normAutofit/>
+          </a:bodyPr>
+          <a:lstStyle/>
+          <a:p>
+            <a:r>
+              <a:rPr lang="en-US" altLang="zh-CN" sz="2400" dirty="0">
+                <a:solidFill>
+                  <a:srgbClr val="0D55F7"/>
+                </a:solidFill>
+              </a:rPr>
+              <a:t>Q-Voter Model</a:t>
+            </a:r>
+            <a:endParaRPr lang="en-US" sz="2400" dirty="0">
+              <a:solidFill>
+                <a:srgbClr val="0D55F7"/>
+              </a:solidFill>
+            </a:endParaRPr>
+          </a:p>
+        </p:txBody>
+      </p:sp>
+    </p:spTree>
+    <p:extLst>
+      <p:ext uri="{BB962C8B-B14F-4D97-AF65-F5344CB8AC3E}">
+        <p14:creationId xmlns:p14="http://schemas.microsoft.com/office/powerpoint/2010/main" val="4088340504"/>
+      </p:ext>
+    </p:extLst>
+  </p:cSld>
+  <p:clrMapOvr>
+    <a:masterClrMapping/>
+  </p:clrMapOvr>
+</p:sld>
+</file>
+
+<file path=ppt/slides/slide21.xml><?xml version="1.0" encoding="utf-8"?>
+<p:sld xmlns:a="http://schemas.openxmlformats.org/drawingml/2006/main" xmlns:r="http://schemas.openxmlformats.org/officeDocument/2006/relationships" xmlns:p="http://schemas.openxmlformats.org/presentationml/2006/main">
+  <p:cSld>
+    <p:spTree>
+      <p:nvGrpSpPr>
+        <p:cNvPr id="1" name=""/>
+        <p:cNvGrpSpPr/>
+        <p:nvPr/>
+      </p:nvGrpSpPr>
+      <p:grpSpPr>
+        <a:xfrm>
+          <a:off x="0" y="0"/>
+          <a:ext cx="0" cy="0"/>
+          <a:chOff x="0" y="0"/>
+          <a:chExt cx="0" cy="0"/>
+        </a:xfrm>
+      </p:grpSpPr>
+      <p:sp>
+        <p:nvSpPr>
+          <p:cNvPr id="2" name="Title 1">
+            <a:extLst>
+              <a:ext uri="{FF2B5EF4-FFF2-40B4-BE49-F238E27FC236}">
+                <a16:creationId xmlns:a16="http://schemas.microsoft.com/office/drawing/2014/main" id="{F25DC289-3BDC-49D1-9646-ACC7F2805DC0}"/>
+              </a:ext>
+            </a:extLst>
+          </p:cNvPr>
+          <p:cNvSpPr>
+            <a:spLocks noGrp="1"/>
+          </p:cNvSpPr>
+          <p:nvPr>
+            <p:ph type="ctrTitle"/>
+          </p:nvPr>
+        </p:nvSpPr>
+        <p:spPr>
+          <a:xfrm>
+            <a:off x="1363579" y="953921"/>
+            <a:ext cx="9144000" cy="2387600"/>
+          </a:xfrm>
+        </p:spPr>
+        <p:txBody>
+          <a:bodyPr>
+            <a:normAutofit/>
+          </a:bodyPr>
+          <a:lstStyle/>
+          <a:p>
+            <a:r>
+              <a:rPr lang="en-US" sz="3600" dirty="0">
+                <a:solidFill>
+                  <a:srgbClr val="0D55F7"/>
+                </a:solidFill>
+              </a:rPr>
+              <a:t>Continuous Models</a:t>
+            </a:r>
+          </a:p>
+        </p:txBody>
+      </p:sp>
+    </p:spTree>
+    <p:extLst>
+      <p:ext uri="{BB962C8B-B14F-4D97-AF65-F5344CB8AC3E}">
+        <p14:creationId xmlns:p14="http://schemas.microsoft.com/office/powerpoint/2010/main" val="4187268228"/>
+      </p:ext>
+    </p:extLst>
+  </p:cSld>
+  <p:clrMapOvr>
+    <a:masterClrMapping/>
+  </p:clrMapOvr>
+</p:sld>
+</file>
+
+<file path=ppt/slides/slide22.xml><?xml version="1.0" encoding="utf-8"?>
+<p:sld xmlns:a="http://schemas.openxmlformats.org/drawingml/2006/main" xmlns:r="http://schemas.openxmlformats.org/officeDocument/2006/relationships" xmlns:p="http://schemas.openxmlformats.org/presentationml/2006/main">
+  <p:cSld>
+    <p:spTree>
+      <p:nvGrpSpPr>
+        <p:cNvPr id="1" name=""/>
+        <p:cNvGrpSpPr/>
+        <p:nvPr/>
+      </p:nvGrpSpPr>
+      <p:grpSpPr>
+        <a:xfrm>
+          <a:off x="0" y="0"/>
+          <a:ext cx="0" cy="0"/>
+          <a:chOff x="0" y="0"/>
+          <a:chExt cx="0" cy="0"/>
+        </a:xfrm>
+      </p:grpSpPr>
+      <mc:AlternateContent xmlns:mc="http://schemas.openxmlformats.org/markup-compatibility/2006">
+        <mc:Choice xmlns:a14="http://schemas.microsoft.com/office/drawing/2010/main" Requires="a14">
+          <p:sp>
+            <p:nvSpPr>
+              <p:cNvPr id="4" name="TextBox 3">
+                <a:extLst>
+                  <a:ext uri="{FF2B5EF4-FFF2-40B4-BE49-F238E27FC236}">
+                    <a16:creationId xmlns:a16="http://schemas.microsoft.com/office/drawing/2014/main" id="{93ACE18E-354C-4AF3-9F1D-AA93039449EA}"/>
+                  </a:ext>
+                </a:extLst>
+              </p:cNvPr>
+              <p:cNvSpPr txBox="1"/>
+              <p:nvPr/>
+            </p:nvSpPr>
+            <p:spPr>
+              <a:xfrm>
+                <a:off x="1039874" y="1094825"/>
+                <a:ext cx="10112251" cy="5307030"/>
+              </a:xfrm>
+              <a:prstGeom prst="rect">
+                <a:avLst/>
+              </a:prstGeom>
+              <a:noFill/>
+            </p:spPr>
+            <p:txBody>
+              <a:bodyPr wrap="square" rtlCol="0">
+                <a:spAutoFit/>
+              </a:bodyPr>
+              <a:lstStyle/>
+              <a:p>
+                <a:pPr marL="342900" indent="-342900">
+                  <a:lnSpc>
+                    <a:spcPct val="150000"/>
+                  </a:lnSpc>
+                  <a:buFont typeface="Wingdings" panose="05000000000000000000" pitchFamily="2" charset="2"/>
+                  <a:buChar char="§"/>
+                </a:pPr>
+                <a:r>
+                  <a:rPr lang="en-US" sz="2400" dirty="0">
+                    <a:solidFill>
+                      <a:srgbClr val="0D55F7"/>
+                    </a:solidFill>
+                  </a:rPr>
+                  <a:t>The </a:t>
+                </a:r>
+                <a:r>
+                  <a:rPr lang="en-US" sz="2400" dirty="0" err="1">
+                    <a:solidFill>
+                      <a:srgbClr val="0D55F7"/>
+                    </a:solidFill>
+                  </a:rPr>
+                  <a:t>Deffuant-Weisbuch</a:t>
+                </a:r>
+                <a:r>
+                  <a:rPr lang="en-US" sz="2400" dirty="0">
+                    <a:solidFill>
+                      <a:srgbClr val="0D55F7"/>
+                    </a:solidFill>
+                  </a:rPr>
+                  <a:t> Model uses a </a:t>
+                </a:r>
+                <a:r>
+                  <a:rPr lang="en-US" sz="2400" dirty="0">
+                    <a:solidFill>
+                      <a:srgbClr val="C00000"/>
+                    </a:solidFill>
+                  </a:rPr>
+                  <a:t>continuous opinion space</a:t>
+                </a:r>
+                <a:r>
+                  <a:rPr lang="en-US" sz="2400" dirty="0">
+                    <a:solidFill>
+                      <a:srgbClr val="0D55F7"/>
+                    </a:solidFill>
+                  </a:rPr>
+                  <a:t>, where each individual out of a population of </a:t>
+                </a:r>
+                <a14:m>
+                  <m:oMath xmlns:m="http://schemas.openxmlformats.org/officeDocument/2006/math">
+                    <m:r>
+                      <a:rPr lang="en-US" sz="2400" i="1" dirty="0" smtClean="0">
+                        <a:solidFill>
+                          <a:srgbClr val="0D55F7"/>
+                        </a:solidFill>
+                        <a:latin typeface="Cambria Math" panose="02040503050406030204" pitchFamily="18" charset="0"/>
+                      </a:rPr>
+                      <m:t>𝑁</m:t>
+                    </m:r>
+                  </m:oMath>
+                </a14:m>
+                <a:r>
+                  <a:rPr lang="en-US" sz="2400" dirty="0">
+                    <a:solidFill>
+                      <a:srgbClr val="0D55F7"/>
+                    </a:solidFill>
+                  </a:rPr>
+                  <a:t> can take an opinion value </a:t>
+                </a:r>
+                <a14:m>
+                  <m:oMath xmlns:m="http://schemas.openxmlformats.org/officeDocument/2006/math">
+                    <m:sSub>
+                      <m:sSubPr>
+                        <m:ctrlPr>
+                          <a:rPr lang="en-US" sz="2400" i="1" smtClean="0">
+                            <a:solidFill>
+                              <a:srgbClr val="0D55F7"/>
+                            </a:solidFill>
+                            <a:latin typeface="Cambria Math" panose="02040503050406030204" pitchFamily="18" charset="0"/>
+                          </a:rPr>
+                        </m:ctrlPr>
+                      </m:sSubPr>
+                      <m:e>
+                        <m:r>
+                          <a:rPr lang="en-US" sz="2400" b="0" i="1" smtClean="0">
+                            <a:solidFill>
+                              <a:srgbClr val="0D55F7"/>
+                            </a:solidFill>
+                            <a:latin typeface="Cambria Math" panose="02040503050406030204" pitchFamily="18" charset="0"/>
+                          </a:rPr>
+                          <m:t>𝑥</m:t>
+                        </m:r>
+                      </m:e>
+                      <m:sub>
+                        <m:r>
+                          <a:rPr lang="en-US" sz="2400" b="0" i="1" smtClean="0">
+                            <a:solidFill>
+                              <a:srgbClr val="0D55F7"/>
+                            </a:solidFill>
+                            <a:latin typeface="Cambria Math" panose="02040503050406030204" pitchFamily="18" charset="0"/>
+                          </a:rPr>
+                          <m:t>𝑖</m:t>
+                        </m:r>
+                      </m:sub>
+                    </m:sSub>
+                  </m:oMath>
+                </a14:m>
+                <a:r>
+                  <a:rPr lang="en-US" sz="2400" dirty="0">
+                    <a:solidFill>
+                      <a:srgbClr val="0D55F7"/>
+                    </a:solidFill>
+                  </a:rPr>
+                  <a:t> ∈ [−1, 1].</a:t>
+                </a:r>
+              </a:p>
+              <a:p>
+                <a:pPr>
+                  <a:lnSpc>
+                    <a:spcPct val="150000"/>
+                  </a:lnSpc>
+                </a:pPr>
+                <a:r>
+                  <a:rPr lang="en-US" sz="1600" dirty="0">
+                    <a:solidFill>
+                      <a:srgbClr val="0D55F7"/>
+                    </a:solidFill>
+                  </a:rPr>
+                  <a:t> </a:t>
+                </a:r>
+                <a:endParaRPr lang="en-US" sz="1050" dirty="0">
+                  <a:solidFill>
+                    <a:srgbClr val="0D55F7"/>
+                  </a:solidFill>
+                </a:endParaRPr>
+              </a:p>
+              <a:p>
+                <a:pPr marL="342900" indent="-342900">
+                  <a:lnSpc>
+                    <a:spcPct val="150000"/>
+                  </a:lnSpc>
+                  <a:buFont typeface="Wingdings" panose="05000000000000000000" pitchFamily="2" charset="2"/>
+                  <a:buChar char="§"/>
+                </a:pPr>
+                <a:r>
+                  <a:rPr lang="en-US" sz="2400" dirty="0">
+                    <a:solidFill>
+                      <a:srgbClr val="0D55F7"/>
+                    </a:solidFill>
+                  </a:rPr>
+                  <a:t>Two individuals interact if their opinions are </a:t>
+                </a:r>
+                <a:r>
+                  <a:rPr lang="en-US" sz="2400" dirty="0">
+                    <a:solidFill>
+                      <a:srgbClr val="C00000"/>
+                    </a:solidFill>
+                  </a:rPr>
+                  <a:t>close enough</a:t>
+                </a:r>
+                <a:r>
+                  <a:rPr lang="en-US" sz="2400" dirty="0">
+                    <a:solidFill>
+                      <a:srgbClr val="0D55F7"/>
+                    </a:solidFill>
+                  </a:rPr>
+                  <a:t>, i.e.</a:t>
+                </a:r>
+                <a14:m>
+                  <m:oMath xmlns:m="http://schemas.openxmlformats.org/officeDocument/2006/math">
+                    <m:d>
+                      <m:dPr>
+                        <m:begChr m:val="|"/>
+                        <m:endChr m:val="|"/>
+                        <m:ctrlPr>
+                          <a:rPr lang="en-US" sz="2400" i="1" smtClean="0">
+                            <a:solidFill>
+                              <a:srgbClr val="0D55F7"/>
+                            </a:solidFill>
+                            <a:latin typeface="Cambria Math" panose="02040503050406030204" pitchFamily="18" charset="0"/>
+                          </a:rPr>
+                        </m:ctrlPr>
+                      </m:dPr>
+                      <m:e>
+                        <m:sSub>
+                          <m:sSubPr>
+                            <m:ctrlPr>
+                              <a:rPr lang="en-US" sz="2400" i="1" smtClean="0">
+                                <a:solidFill>
+                                  <a:srgbClr val="0D55F7"/>
+                                </a:solidFill>
+                                <a:latin typeface="Cambria Math" panose="02040503050406030204" pitchFamily="18" charset="0"/>
+                              </a:rPr>
+                            </m:ctrlPr>
+                          </m:sSubPr>
+                          <m:e>
+                            <m:r>
+                              <a:rPr lang="en-US" sz="2400" b="0" i="1" smtClean="0">
+                                <a:solidFill>
+                                  <a:srgbClr val="0D55F7"/>
+                                </a:solidFill>
+                                <a:latin typeface="Cambria Math" panose="02040503050406030204" pitchFamily="18" charset="0"/>
+                              </a:rPr>
+                              <m:t>𝑥</m:t>
+                            </m:r>
+                          </m:e>
+                          <m:sub>
+                            <m:r>
+                              <a:rPr lang="en-US" sz="2400" b="0" i="1" smtClean="0">
+                                <a:solidFill>
+                                  <a:srgbClr val="0D55F7"/>
+                                </a:solidFill>
+                                <a:latin typeface="Cambria Math" panose="02040503050406030204" pitchFamily="18" charset="0"/>
+                              </a:rPr>
+                              <m:t>𝑖</m:t>
+                            </m:r>
+                          </m:sub>
+                        </m:sSub>
+                        <m:r>
+                          <a:rPr lang="en-US" sz="2400" b="0" i="1" smtClean="0">
+                            <a:solidFill>
+                              <a:srgbClr val="0D55F7"/>
+                            </a:solidFill>
+                            <a:latin typeface="Cambria Math" panose="02040503050406030204" pitchFamily="18" charset="0"/>
+                          </a:rPr>
+                          <m:t>−</m:t>
+                        </m:r>
+                        <m:sSub>
+                          <m:sSubPr>
+                            <m:ctrlPr>
+                              <a:rPr lang="en-US" sz="2400" b="0" i="1" smtClean="0">
+                                <a:solidFill>
+                                  <a:srgbClr val="0D55F7"/>
+                                </a:solidFill>
+                                <a:latin typeface="Cambria Math" panose="02040503050406030204" pitchFamily="18" charset="0"/>
+                              </a:rPr>
+                            </m:ctrlPr>
+                          </m:sSubPr>
+                          <m:e>
+                            <m:r>
+                              <a:rPr lang="en-US" sz="2400" b="0" i="1" smtClean="0">
+                                <a:solidFill>
+                                  <a:srgbClr val="0D55F7"/>
+                                </a:solidFill>
+                                <a:latin typeface="Cambria Math" panose="02040503050406030204" pitchFamily="18" charset="0"/>
+                              </a:rPr>
+                              <m:t>𝑥</m:t>
+                            </m:r>
+                          </m:e>
+                          <m:sub>
+                            <m:r>
+                              <a:rPr lang="en-US" sz="2400" b="0" i="1" smtClean="0">
+                                <a:solidFill>
+                                  <a:srgbClr val="0D55F7"/>
+                                </a:solidFill>
+                                <a:latin typeface="Cambria Math" panose="02040503050406030204" pitchFamily="18" charset="0"/>
+                              </a:rPr>
+                              <m:t>𝑗</m:t>
+                            </m:r>
+                          </m:sub>
+                        </m:sSub>
+                      </m:e>
+                    </m:d>
+                    <m:r>
+                      <a:rPr lang="en-US" sz="2400" i="1" smtClean="0">
+                        <a:solidFill>
+                          <a:srgbClr val="0D55F7"/>
+                        </a:solidFill>
+                        <a:latin typeface="Cambria Math" panose="02040503050406030204" pitchFamily="18" charset="0"/>
+                        <a:ea typeface="Cambria Math" panose="02040503050406030204" pitchFamily="18" charset="0"/>
+                      </a:rPr>
+                      <m:t>&lt;</m:t>
+                    </m:r>
+                    <m:r>
+                      <a:rPr lang="en-US" sz="2400" b="0" i="1" smtClean="0">
+                        <a:solidFill>
+                          <a:srgbClr val="0D55F7"/>
+                        </a:solidFill>
+                        <a:latin typeface="Cambria Math" panose="02040503050406030204" pitchFamily="18" charset="0"/>
+                        <a:ea typeface="Cambria Math" panose="02040503050406030204" pitchFamily="18" charset="0"/>
+                      </a:rPr>
+                      <m:t>𝑑</m:t>
+                    </m:r>
+                  </m:oMath>
+                </a14:m>
+                <a:r>
+                  <a:rPr lang="en-US" sz="2400" dirty="0">
+                    <a:solidFill>
+                      <a:srgbClr val="0D55F7"/>
+                    </a:solidFill>
+                  </a:rPr>
+                  <a:t>, with </a:t>
+                </a:r>
+                <a14:m>
+                  <m:oMath xmlns:m="http://schemas.openxmlformats.org/officeDocument/2006/math">
+                    <m:r>
+                      <a:rPr lang="en-US" sz="2400" i="1" dirty="0" smtClean="0">
+                        <a:solidFill>
+                          <a:srgbClr val="0D55F7"/>
+                        </a:solidFill>
+                        <a:latin typeface="Cambria Math" panose="02040503050406030204" pitchFamily="18" charset="0"/>
+                      </a:rPr>
+                      <m:t>𝑑</m:t>
+                    </m:r>
+                  </m:oMath>
+                </a14:m>
+                <a:r>
+                  <a:rPr lang="en-US" sz="2400" dirty="0">
+                    <a:solidFill>
+                      <a:srgbClr val="0D55F7"/>
+                    </a:solidFill>
+                  </a:rPr>
+                  <a:t> a bounded confidence parameter.</a:t>
+                </a:r>
+              </a:p>
+              <a:p>
+                <a:pPr marL="342900" indent="-342900">
+                  <a:lnSpc>
+                    <a:spcPct val="150000"/>
+                  </a:lnSpc>
+                  <a:buFont typeface="Wingdings" panose="05000000000000000000" pitchFamily="2" charset="2"/>
+                  <a:buChar char="§"/>
+                </a:pPr>
+                <a:endParaRPr lang="en-US" sz="1400" dirty="0">
+                  <a:solidFill>
+                    <a:srgbClr val="0D55F7"/>
+                  </a:solidFill>
+                </a:endParaRPr>
+              </a:p>
+              <a:p>
+                <a:pPr marL="342900" indent="-342900">
+                  <a:lnSpc>
+                    <a:spcPct val="200000"/>
+                  </a:lnSpc>
+                  <a:buFont typeface="Wingdings" panose="05000000000000000000" pitchFamily="2" charset="2"/>
+                  <a:buChar char="§"/>
+                </a:pPr>
+                <a:r>
+                  <a:rPr lang="en-US" sz="2400" dirty="0">
+                    <a:solidFill>
+                      <a:srgbClr val="0D55F7"/>
+                    </a:solidFill>
+                  </a:rPr>
+                  <a:t>In this case, they get closer to one another by an amount determined by the difference between them and a convergence parameter </a:t>
+                </a:r>
+                <a14:m>
+                  <m:oMath xmlns:m="http://schemas.openxmlformats.org/officeDocument/2006/math">
+                    <m:r>
+                      <a:rPr lang="en-US" sz="2400" i="1" smtClean="0">
+                        <a:solidFill>
+                          <a:srgbClr val="0D55F7"/>
+                        </a:solidFill>
+                        <a:latin typeface="Cambria Math" panose="02040503050406030204" pitchFamily="18" charset="0"/>
+                        <a:ea typeface="Cambria Math" panose="02040503050406030204" pitchFamily="18" charset="0"/>
+                      </a:rPr>
+                      <m:t>𝜇</m:t>
+                    </m:r>
+                    <m:r>
+                      <a:rPr lang="en-US" sz="2400" b="0" i="0" smtClean="0">
+                        <a:solidFill>
+                          <a:srgbClr val="0D55F7"/>
+                        </a:solidFill>
+                        <a:latin typeface="Cambria Math" panose="02040503050406030204" pitchFamily="18" charset="0"/>
+                        <a:ea typeface="Cambria Math" panose="02040503050406030204" pitchFamily="18" charset="0"/>
+                      </a:rPr>
+                      <m:t>:</m:t>
+                    </m:r>
+                  </m:oMath>
+                </a14:m>
+                <a:endParaRPr lang="en-US" sz="2400" b="0" dirty="0">
+                  <a:solidFill>
+                    <a:srgbClr val="0D55F7"/>
+                  </a:solidFill>
+                  <a:ea typeface="Cambria Math" panose="02040503050406030204" pitchFamily="18" charset="0"/>
+                </a:endParaRPr>
+              </a:p>
+              <a:p>
+                <a:pPr lvl="1">
+                  <a:lnSpc>
+                    <a:spcPct val="200000"/>
+                  </a:lnSpc>
+                </a:pPr>
+                <a:r>
+                  <a:rPr lang="en-US" sz="2400" dirty="0">
+                    <a:solidFill>
+                      <a:srgbClr val="0D55F7"/>
+                    </a:solidFill>
+                  </a:rPr>
+                  <a:t>				</a:t>
+                </a:r>
+                <a14:m>
+                  <m:oMath xmlns:m="http://schemas.openxmlformats.org/officeDocument/2006/math">
+                    <m:sSub>
+                      <m:sSubPr>
+                        <m:ctrlPr>
+                          <a:rPr lang="en-US" sz="2400" i="1" smtClean="0">
+                            <a:solidFill>
+                              <a:srgbClr val="0D55F7"/>
+                            </a:solidFill>
+                            <a:latin typeface="Cambria Math" panose="02040503050406030204" pitchFamily="18" charset="0"/>
+                          </a:rPr>
+                        </m:ctrlPr>
+                      </m:sSubPr>
+                      <m:e>
+                        <m:r>
+                          <a:rPr lang="en-US" sz="2400" b="0" i="1" smtClean="0">
+                            <a:solidFill>
+                              <a:srgbClr val="0D55F7"/>
+                            </a:solidFill>
+                            <a:latin typeface="Cambria Math" panose="02040503050406030204" pitchFamily="18" charset="0"/>
+                          </a:rPr>
+                          <m:t>𝑥</m:t>
+                        </m:r>
+                      </m:e>
+                      <m:sub>
+                        <m:r>
+                          <a:rPr lang="en-US" sz="2400" b="0" i="1" smtClean="0">
+                            <a:solidFill>
+                              <a:srgbClr val="0D55F7"/>
+                            </a:solidFill>
+                            <a:latin typeface="Cambria Math" panose="02040503050406030204" pitchFamily="18" charset="0"/>
+                          </a:rPr>
+                          <m:t>𝑖</m:t>
+                        </m:r>
+                      </m:sub>
+                    </m:sSub>
+                    <m:r>
+                      <a:rPr lang="en-US" sz="2400" b="0" i="1" smtClean="0">
+                        <a:solidFill>
+                          <a:srgbClr val="0D55F7"/>
+                        </a:solidFill>
+                        <a:latin typeface="Cambria Math" panose="02040503050406030204" pitchFamily="18" charset="0"/>
+                      </a:rPr>
+                      <m:t>=</m:t>
+                    </m:r>
+                    <m:sSub>
+                      <m:sSubPr>
+                        <m:ctrlPr>
+                          <a:rPr lang="en-US" sz="2400" b="0" i="1" smtClean="0">
+                            <a:solidFill>
+                              <a:srgbClr val="0D55F7"/>
+                            </a:solidFill>
+                            <a:latin typeface="Cambria Math" panose="02040503050406030204" pitchFamily="18" charset="0"/>
+                          </a:rPr>
+                        </m:ctrlPr>
+                      </m:sSubPr>
+                      <m:e>
+                        <m:r>
+                          <a:rPr lang="en-US" sz="2400" b="0" i="1" smtClean="0">
+                            <a:solidFill>
+                              <a:srgbClr val="0D55F7"/>
+                            </a:solidFill>
+                            <a:latin typeface="Cambria Math" panose="02040503050406030204" pitchFamily="18" charset="0"/>
+                          </a:rPr>
+                          <m:t>𝑥</m:t>
+                        </m:r>
+                      </m:e>
+                      <m:sub>
+                        <m:r>
+                          <a:rPr lang="en-US" sz="2400" b="0" i="1" smtClean="0">
+                            <a:solidFill>
+                              <a:srgbClr val="0D55F7"/>
+                            </a:solidFill>
+                            <a:latin typeface="Cambria Math" panose="02040503050406030204" pitchFamily="18" charset="0"/>
+                          </a:rPr>
+                          <m:t>𝑖</m:t>
+                        </m:r>
+                      </m:sub>
+                    </m:sSub>
+                    <m:r>
+                      <a:rPr lang="en-US" sz="2400" b="0" i="1" smtClean="0">
+                        <a:solidFill>
+                          <a:srgbClr val="0D55F7"/>
+                        </a:solidFill>
+                        <a:latin typeface="Cambria Math" panose="02040503050406030204" pitchFamily="18" charset="0"/>
+                      </a:rPr>
+                      <m:t>+</m:t>
+                    </m:r>
+                    <m:r>
+                      <a:rPr lang="en-US" sz="2400" b="0" i="1" smtClean="0">
+                        <a:solidFill>
+                          <a:srgbClr val="0D55F7"/>
+                        </a:solidFill>
+                        <a:latin typeface="Cambria Math" panose="02040503050406030204" pitchFamily="18" charset="0"/>
+                        <a:ea typeface="Cambria Math" panose="02040503050406030204" pitchFamily="18" charset="0"/>
+                      </a:rPr>
+                      <m:t>𝜇</m:t>
+                    </m:r>
+                    <m:d>
+                      <m:dPr>
+                        <m:ctrlPr>
+                          <a:rPr lang="en-US" sz="2400" b="0" i="1" smtClean="0">
+                            <a:solidFill>
+                              <a:srgbClr val="0D55F7"/>
+                            </a:solidFill>
+                            <a:latin typeface="Cambria Math" panose="02040503050406030204" pitchFamily="18" charset="0"/>
+                            <a:ea typeface="Cambria Math" panose="02040503050406030204" pitchFamily="18" charset="0"/>
+                          </a:rPr>
+                        </m:ctrlPr>
+                      </m:dPr>
+                      <m:e>
+                        <m:sSub>
+                          <m:sSubPr>
+                            <m:ctrlPr>
+                              <a:rPr lang="en-US" sz="2400" b="0" i="1" smtClean="0">
+                                <a:solidFill>
+                                  <a:srgbClr val="0D55F7"/>
+                                </a:solidFill>
+                                <a:latin typeface="Cambria Math" panose="02040503050406030204" pitchFamily="18" charset="0"/>
+                                <a:ea typeface="Cambria Math" panose="02040503050406030204" pitchFamily="18" charset="0"/>
+                              </a:rPr>
+                            </m:ctrlPr>
+                          </m:sSubPr>
+                          <m:e>
+                            <m:r>
+                              <a:rPr lang="en-US" sz="2400" b="0" i="1" smtClean="0">
+                                <a:solidFill>
+                                  <a:srgbClr val="0D55F7"/>
+                                </a:solidFill>
+                                <a:latin typeface="Cambria Math" panose="02040503050406030204" pitchFamily="18" charset="0"/>
+                                <a:ea typeface="Cambria Math" panose="02040503050406030204" pitchFamily="18" charset="0"/>
+                              </a:rPr>
+                              <m:t>𝑥</m:t>
+                            </m:r>
+                          </m:e>
+                          <m:sub>
+                            <m:r>
+                              <a:rPr lang="en-US" sz="2400" b="0" i="1" smtClean="0">
+                                <a:solidFill>
+                                  <a:srgbClr val="0D55F7"/>
+                                </a:solidFill>
+                                <a:latin typeface="Cambria Math" panose="02040503050406030204" pitchFamily="18" charset="0"/>
+                                <a:ea typeface="Cambria Math" panose="02040503050406030204" pitchFamily="18" charset="0"/>
+                              </a:rPr>
+                              <m:t>𝑗</m:t>
+                            </m:r>
+                          </m:sub>
+                        </m:sSub>
+                        <m:r>
+                          <a:rPr lang="en-US" sz="2400" b="0" i="1" smtClean="0">
+                            <a:solidFill>
+                              <a:srgbClr val="0D55F7"/>
+                            </a:solidFill>
+                            <a:latin typeface="Cambria Math" panose="02040503050406030204" pitchFamily="18" charset="0"/>
+                            <a:ea typeface="Cambria Math" panose="02040503050406030204" pitchFamily="18" charset="0"/>
+                          </a:rPr>
+                          <m:t>−</m:t>
+                        </m:r>
+                        <m:sSub>
+                          <m:sSubPr>
+                            <m:ctrlPr>
+                              <a:rPr lang="en-US" sz="2400" b="0" i="1" smtClean="0">
+                                <a:solidFill>
+                                  <a:srgbClr val="0D55F7"/>
+                                </a:solidFill>
+                                <a:latin typeface="Cambria Math" panose="02040503050406030204" pitchFamily="18" charset="0"/>
+                                <a:ea typeface="Cambria Math" panose="02040503050406030204" pitchFamily="18" charset="0"/>
+                              </a:rPr>
+                            </m:ctrlPr>
+                          </m:sSubPr>
+                          <m:e>
+                            <m:r>
+                              <a:rPr lang="en-US" sz="2400" b="0" i="1" smtClean="0">
+                                <a:solidFill>
+                                  <a:srgbClr val="0D55F7"/>
+                                </a:solidFill>
+                                <a:latin typeface="Cambria Math" panose="02040503050406030204" pitchFamily="18" charset="0"/>
+                                <a:ea typeface="Cambria Math" panose="02040503050406030204" pitchFamily="18" charset="0"/>
+                              </a:rPr>
+                              <m:t>𝑥</m:t>
+                            </m:r>
+                          </m:e>
+                          <m:sub>
+                            <m:r>
+                              <a:rPr lang="en-US" sz="2400" b="0" i="1" smtClean="0">
+                                <a:solidFill>
+                                  <a:srgbClr val="0D55F7"/>
+                                </a:solidFill>
+                                <a:latin typeface="Cambria Math" panose="02040503050406030204" pitchFamily="18" charset="0"/>
+                                <a:ea typeface="Cambria Math" panose="02040503050406030204" pitchFamily="18" charset="0"/>
+                              </a:rPr>
+                              <m:t>𝑖</m:t>
+                            </m:r>
+                          </m:sub>
+                        </m:sSub>
+                      </m:e>
+                    </m:d>
+                  </m:oMath>
+                </a14:m>
+                <a:endParaRPr lang="en-US" sz="2400" dirty="0">
+                  <a:solidFill>
+                    <a:srgbClr val="0D55F7"/>
+                  </a:solidFill>
+                </a:endParaRPr>
+              </a:p>
+            </p:txBody>
+          </p:sp>
+        </mc:Choice>
+        <mc:Fallback>
+          <p:sp>
+            <p:nvSpPr>
+              <p:cNvPr id="4" name="TextBox 3">
+                <a:extLst>
+                  <a:ext uri="{FF2B5EF4-FFF2-40B4-BE49-F238E27FC236}">
+                    <a16:creationId xmlns:a16="http://schemas.microsoft.com/office/drawing/2014/main" id="{93ACE18E-354C-4AF3-9F1D-AA93039449EA}"/>
+                  </a:ext>
+                </a:extLst>
+              </p:cNvPr>
+              <p:cNvSpPr txBox="1">
+                <a:spLocks noRot="1" noChangeAspect="1" noMove="1" noResize="1" noEditPoints="1" noAdjustHandles="1" noChangeArrowheads="1" noChangeShapeType="1" noTextEdit="1"/>
+              </p:cNvSpPr>
+              <p:nvPr/>
+            </p:nvSpPr>
+            <p:spPr>
+              <a:xfrm>
+                <a:off x="1039874" y="1094825"/>
+                <a:ext cx="10112251" cy="5307030"/>
+              </a:xfrm>
+              <a:prstGeom prst="rect">
+                <a:avLst/>
+              </a:prstGeom>
+              <a:blipFill>
+                <a:blip r:embed="rId2"/>
+                <a:stretch>
+                  <a:fillRect l="-844" r="-181"/>
+                </a:stretch>
+              </a:blipFill>
+            </p:spPr>
+            <p:txBody>
+              <a:bodyPr/>
+              <a:lstStyle/>
+              <a:p>
+                <a:r>
+                  <a:rPr lang="en-US">
+                    <a:noFill/>
+                  </a:rPr>
+                  <a:t> </a:t>
+                </a:r>
+              </a:p>
+            </p:txBody>
+          </p:sp>
+        </mc:Fallback>
+      </mc:AlternateContent>
+      <p:sp>
+        <p:nvSpPr>
+          <p:cNvPr id="3" name="Title 1">
+            <a:extLst>
+              <a:ext uri="{FF2B5EF4-FFF2-40B4-BE49-F238E27FC236}">
+                <a16:creationId xmlns:a16="http://schemas.microsoft.com/office/drawing/2014/main" id="{D49DBE79-C6FF-4BCB-9EF0-024E917A1224}"/>
+              </a:ext>
+            </a:extLst>
+          </p:cNvPr>
+          <p:cNvSpPr>
+            <a:spLocks noGrp="1"/>
+          </p:cNvSpPr>
+          <p:nvPr>
+            <p:ph type="title"/>
+          </p:nvPr>
+        </p:nvSpPr>
+        <p:spPr>
+          <a:xfrm>
+            <a:off x="112295" y="106488"/>
+            <a:ext cx="10515600" cy="751766"/>
+          </a:xfrm>
+        </p:spPr>
+        <p:txBody>
+          <a:bodyPr>
+            <a:normAutofit/>
+          </a:bodyPr>
+          <a:lstStyle/>
+          <a:p>
+            <a:r>
+              <a:rPr lang="en-US" altLang="zh-CN" sz="2400" dirty="0">
+                <a:solidFill>
+                  <a:srgbClr val="0D55F7"/>
+                </a:solidFill>
+              </a:rPr>
+              <a:t>The </a:t>
+            </a:r>
+            <a:r>
+              <a:rPr lang="en-US" altLang="zh-CN" sz="2400" dirty="0" err="1">
+                <a:solidFill>
+                  <a:srgbClr val="0D55F7"/>
+                </a:solidFill>
+              </a:rPr>
+              <a:t>Deffuant-Weisbuch</a:t>
+            </a:r>
+            <a:r>
+              <a:rPr lang="en-US" altLang="zh-CN" sz="2400" dirty="0">
+                <a:solidFill>
+                  <a:srgbClr val="0D55F7"/>
+                </a:solidFill>
+              </a:rPr>
+              <a:t> Model</a:t>
+            </a:r>
+            <a:endParaRPr lang="en-US" sz="2400" dirty="0">
+              <a:solidFill>
+                <a:srgbClr val="0D55F7"/>
+              </a:solidFill>
+            </a:endParaRPr>
+          </a:p>
+        </p:txBody>
+      </p:sp>
+    </p:spTree>
+    <p:extLst>
+      <p:ext uri="{BB962C8B-B14F-4D97-AF65-F5344CB8AC3E}">
+        <p14:creationId xmlns:p14="http://schemas.microsoft.com/office/powerpoint/2010/main" val="2491230619"/>
+      </p:ext>
+    </p:extLst>
+  </p:cSld>
+  <p:clrMapOvr>
+    <a:masterClrMapping/>
+  </p:clrMapOvr>
+</p:sld>
+</file>
+
+<file path=ppt/slides/slide23.xml><?xml version="1.0" encoding="utf-8"?>
+<p:sld xmlns:a="http://schemas.openxmlformats.org/drawingml/2006/main" xmlns:r="http://schemas.openxmlformats.org/officeDocument/2006/relationships" xmlns:p="http://schemas.openxmlformats.org/presentationml/2006/main">
+  <p:cSld>
+    <p:spTree>
+      <p:nvGrpSpPr>
+        <p:cNvPr id="1" name=""/>
+        <p:cNvGrpSpPr/>
+        <p:nvPr/>
+      </p:nvGrpSpPr>
+      <p:grpSpPr>
+        <a:xfrm>
+          <a:off x="0" y="0"/>
+          <a:ext cx="0" cy="0"/>
+          <a:chOff x="0" y="0"/>
+          <a:chExt cx="0" cy="0"/>
+        </a:xfrm>
+      </p:grpSpPr>
+      <mc:AlternateContent xmlns:mc="http://schemas.openxmlformats.org/markup-compatibility/2006">
+        <mc:Choice xmlns:a14="http://schemas.microsoft.com/office/drawing/2010/main" Requires="a14">
+          <p:sp>
+            <p:nvSpPr>
+              <p:cNvPr id="4" name="TextBox 3">
+                <a:extLst>
+                  <a:ext uri="{FF2B5EF4-FFF2-40B4-BE49-F238E27FC236}">
+                    <a16:creationId xmlns:a16="http://schemas.microsoft.com/office/drawing/2014/main" id="{93ACE18E-354C-4AF3-9F1D-AA93039449EA}"/>
+                  </a:ext>
+                </a:extLst>
+              </p:cNvPr>
+              <p:cNvSpPr txBox="1"/>
+              <p:nvPr/>
+            </p:nvSpPr>
+            <p:spPr>
+              <a:xfrm>
+                <a:off x="1039874" y="1168716"/>
+                <a:ext cx="10112251" cy="4184094"/>
+              </a:xfrm>
+              <a:prstGeom prst="rect">
+                <a:avLst/>
+              </a:prstGeom>
+              <a:noFill/>
+            </p:spPr>
+            <p:txBody>
+              <a:bodyPr wrap="square" rtlCol="0">
+                <a:spAutoFit/>
+              </a:bodyPr>
+              <a:lstStyle/>
+              <a:p>
+                <a:pPr marL="342900" indent="-342900">
+                  <a:lnSpc>
+                    <a:spcPct val="150000"/>
+                  </a:lnSpc>
+                  <a:buFont typeface="Wingdings" panose="05000000000000000000" pitchFamily="2" charset="2"/>
+                  <a:buChar char="§"/>
+                </a:pPr>
+                <a:r>
+                  <a:rPr lang="en-US" sz="2400" dirty="0">
+                    <a:solidFill>
+                      <a:srgbClr val="0D55F7"/>
+                    </a:solidFill>
+                  </a:rPr>
+                  <a:t>The population was shown to display convergence to one or more clusters (</a:t>
+                </a:r>
+                <a14:m>
+                  <m:oMath xmlns:m="http://schemas.openxmlformats.org/officeDocument/2006/math">
+                    <m:r>
+                      <a:rPr lang="en-US" sz="2400" i="1" dirty="0" smtClean="0">
+                        <a:solidFill>
+                          <a:srgbClr val="0D55F7"/>
+                        </a:solidFill>
+                        <a:latin typeface="Cambria Math" panose="02040503050406030204" pitchFamily="18" charset="0"/>
+                      </a:rPr>
+                      <m:t>𝑐</m:t>
+                    </m:r>
+                  </m:oMath>
+                </a14:m>
+                <a:r>
+                  <a:rPr lang="en-US" sz="2400" dirty="0">
+                    <a:solidFill>
+                      <a:srgbClr val="0D55F7"/>
+                    </a:solidFill>
+                  </a:rPr>
+                  <a:t>) depending on the value of the bounded confidence parameter (</a:t>
+                </a:r>
+                <a14:m>
+                  <m:oMath xmlns:m="http://schemas.openxmlformats.org/officeDocument/2006/math">
+                    <m:r>
+                      <a:rPr lang="en-US" sz="2400" b="0" i="1" smtClean="0">
+                        <a:solidFill>
+                          <a:srgbClr val="0D55F7"/>
+                        </a:solidFill>
+                        <a:latin typeface="Cambria Math" panose="02040503050406030204" pitchFamily="18" charset="0"/>
+                      </a:rPr>
+                      <m:t>𝑐</m:t>
+                    </m:r>
+                    <m:r>
+                      <a:rPr lang="en-US" sz="2400" b="0" i="1" smtClean="0">
+                        <a:solidFill>
+                          <a:srgbClr val="0D55F7"/>
+                        </a:solidFill>
+                        <a:latin typeface="Cambria Math" panose="02040503050406030204" pitchFamily="18" charset="0"/>
+                        <a:ea typeface="Cambria Math" panose="02040503050406030204" pitchFamily="18" charset="0"/>
+                      </a:rPr>
+                      <m:t>≈</m:t>
+                    </m:r>
+                    <m:d>
+                      <m:dPr>
+                        <m:begChr m:val="⌊"/>
+                        <m:endChr m:val="⌋"/>
+                        <m:ctrlPr>
+                          <a:rPr lang="en-US" sz="2400" b="0" i="1" smtClean="0">
+                            <a:solidFill>
+                              <a:srgbClr val="0D55F7"/>
+                            </a:solidFill>
+                            <a:latin typeface="Cambria Math" panose="02040503050406030204" pitchFamily="18" charset="0"/>
+                            <a:ea typeface="Cambria Math" panose="02040503050406030204" pitchFamily="18" charset="0"/>
+                          </a:rPr>
+                        </m:ctrlPr>
+                      </m:dPr>
+                      <m:e>
+                        <m:f>
+                          <m:fPr>
+                            <m:ctrlPr>
+                              <a:rPr lang="en-US" sz="2400" b="0" i="1" smtClean="0">
+                                <a:solidFill>
+                                  <a:srgbClr val="0D55F7"/>
+                                </a:solidFill>
+                                <a:latin typeface="Cambria Math" panose="02040503050406030204" pitchFamily="18" charset="0"/>
+                                <a:ea typeface="Cambria Math" panose="02040503050406030204" pitchFamily="18" charset="0"/>
+                              </a:rPr>
+                            </m:ctrlPr>
+                          </m:fPr>
+                          <m:num>
+                            <m:r>
+                              <a:rPr lang="en-US" sz="2400" b="0" i="1" smtClean="0">
+                                <a:solidFill>
+                                  <a:srgbClr val="0D55F7"/>
+                                </a:solidFill>
+                                <a:latin typeface="Cambria Math" panose="02040503050406030204" pitchFamily="18" charset="0"/>
+                                <a:ea typeface="Cambria Math" panose="02040503050406030204" pitchFamily="18" charset="0"/>
+                              </a:rPr>
+                              <m:t>1</m:t>
+                            </m:r>
+                          </m:num>
+                          <m:den>
+                            <m:r>
+                              <a:rPr lang="en-US" sz="2400" b="0" i="1" smtClean="0">
+                                <a:solidFill>
+                                  <a:srgbClr val="0D55F7"/>
+                                </a:solidFill>
+                                <a:latin typeface="Cambria Math" panose="02040503050406030204" pitchFamily="18" charset="0"/>
+                                <a:ea typeface="Cambria Math" panose="02040503050406030204" pitchFamily="18" charset="0"/>
+                              </a:rPr>
+                              <m:t>2</m:t>
+                            </m:r>
+                            <m:r>
+                              <a:rPr lang="en-US" sz="2400" b="0" i="1" smtClean="0">
+                                <a:solidFill>
+                                  <a:srgbClr val="0D55F7"/>
+                                </a:solidFill>
+                                <a:latin typeface="Cambria Math" panose="02040503050406030204" pitchFamily="18" charset="0"/>
+                                <a:ea typeface="Cambria Math" panose="02040503050406030204" pitchFamily="18" charset="0"/>
+                              </a:rPr>
+                              <m:t>𝑑</m:t>
+                            </m:r>
+                          </m:den>
+                        </m:f>
+                      </m:e>
+                    </m:d>
+                  </m:oMath>
+                </a14:m>
+                <a:r>
+                  <a:rPr lang="en-US" sz="2400" dirty="0">
+                    <a:solidFill>
+                      <a:srgbClr val="0D55F7"/>
+                    </a:solidFill>
+                  </a:rPr>
+                  <a:t>).</a:t>
+                </a:r>
+              </a:p>
+              <a:p>
+                <a:pPr marL="342900" indent="-342900">
+                  <a:lnSpc>
+                    <a:spcPct val="150000"/>
+                  </a:lnSpc>
+                  <a:buFont typeface="Wingdings" panose="05000000000000000000" pitchFamily="2" charset="2"/>
+                  <a:buChar char="§"/>
+                </a:pPr>
+                <a:endParaRPr lang="en-US" sz="1000" dirty="0">
+                  <a:solidFill>
+                    <a:srgbClr val="0D55F7"/>
+                  </a:solidFill>
+                </a:endParaRPr>
+              </a:p>
+              <a:p>
+                <a:pPr marL="342900" indent="-342900">
+                  <a:lnSpc>
+                    <a:spcPct val="150000"/>
+                  </a:lnSpc>
+                  <a:buFont typeface="Wingdings" panose="05000000000000000000" pitchFamily="2" charset="2"/>
+                  <a:buChar char="§"/>
+                </a:pPr>
+                <a:r>
+                  <a:rPr lang="en-US" sz="2400" dirty="0">
+                    <a:solidFill>
+                      <a:srgbClr val="0D55F7"/>
+                    </a:solidFill>
+                  </a:rPr>
+                  <a:t>Parameters </a:t>
+                </a:r>
+                <a14:m>
+                  <m:oMath xmlns:m="http://schemas.openxmlformats.org/officeDocument/2006/math">
+                    <m:r>
+                      <a:rPr lang="en-US" sz="2400" i="1" dirty="0" smtClean="0">
+                        <a:solidFill>
+                          <a:srgbClr val="0D55F7"/>
+                        </a:solidFill>
+                        <a:latin typeface="Cambria Math" panose="02040503050406030204" pitchFamily="18" charset="0"/>
+                        <a:ea typeface="Cambria Math" panose="02040503050406030204" pitchFamily="18" charset="0"/>
+                      </a:rPr>
+                      <m:t>𝜇</m:t>
+                    </m:r>
+                  </m:oMath>
+                </a14:m>
+                <a:r>
+                  <a:rPr lang="en-US" sz="2400" dirty="0">
+                    <a:solidFill>
+                      <a:srgbClr val="0D55F7"/>
+                    </a:solidFill>
+                  </a:rPr>
+                  <a:t> and </a:t>
+                </a:r>
+                <a14:m>
+                  <m:oMath xmlns:m="http://schemas.openxmlformats.org/officeDocument/2006/math">
+                    <m:r>
+                      <a:rPr lang="en-US" sz="2400" i="1" dirty="0" smtClean="0">
+                        <a:solidFill>
+                          <a:srgbClr val="0D55F7"/>
+                        </a:solidFill>
+                        <a:latin typeface="Cambria Math" panose="02040503050406030204" pitchFamily="18" charset="0"/>
+                      </a:rPr>
+                      <m:t>𝑁</m:t>
+                    </m:r>
+                  </m:oMath>
+                </a14:m>
+                <a:r>
+                  <a:rPr lang="en-US" sz="2400" dirty="0">
+                    <a:solidFill>
+                      <a:srgbClr val="0D55F7"/>
+                    </a:solidFill>
+                  </a:rPr>
+                  <a:t> (population size) determine the convergence speed and the width of the distribution of final opinions.</a:t>
+                </a:r>
+              </a:p>
+              <a:p>
+                <a:pPr marL="342900" indent="-342900">
+                  <a:lnSpc>
+                    <a:spcPct val="150000"/>
+                  </a:lnSpc>
+                  <a:buFont typeface="Wingdings" panose="05000000000000000000" pitchFamily="2" charset="2"/>
+                  <a:buChar char="§"/>
+                </a:pPr>
+                <a:endParaRPr lang="en-US" sz="1400" dirty="0">
+                  <a:solidFill>
+                    <a:srgbClr val="0D55F7"/>
+                  </a:solidFill>
+                </a:endParaRPr>
+              </a:p>
+              <a:p>
+                <a:pPr marL="342900" indent="-342900">
+                  <a:lnSpc>
+                    <a:spcPct val="150000"/>
+                  </a:lnSpc>
+                  <a:buFont typeface="Wingdings" panose="05000000000000000000" pitchFamily="2" charset="2"/>
+                  <a:buChar char="§"/>
+                </a:pPr>
+                <a:r>
+                  <a:rPr lang="en-US" sz="2400" dirty="0">
+                    <a:solidFill>
+                      <a:srgbClr val="0D55F7"/>
+                    </a:solidFill>
+                  </a:rPr>
+                  <a:t>A feature typical to the clusters obtained by this model is the emergence of small extreme clusters.</a:t>
+                </a:r>
+              </a:p>
+            </p:txBody>
+          </p:sp>
+        </mc:Choice>
+        <mc:Fallback>
+          <p:sp>
+            <p:nvSpPr>
+              <p:cNvPr id="4" name="TextBox 3">
+                <a:extLst>
+                  <a:ext uri="{FF2B5EF4-FFF2-40B4-BE49-F238E27FC236}">
+                    <a16:creationId xmlns:a16="http://schemas.microsoft.com/office/drawing/2014/main" id="{93ACE18E-354C-4AF3-9F1D-AA93039449EA}"/>
+                  </a:ext>
+                </a:extLst>
+              </p:cNvPr>
+              <p:cNvSpPr txBox="1">
+                <a:spLocks noRot="1" noChangeAspect="1" noMove="1" noResize="1" noEditPoints="1" noAdjustHandles="1" noChangeArrowheads="1" noChangeShapeType="1" noTextEdit="1"/>
+              </p:cNvSpPr>
+              <p:nvPr/>
+            </p:nvSpPr>
+            <p:spPr>
+              <a:xfrm>
+                <a:off x="1039874" y="1168716"/>
+                <a:ext cx="10112251" cy="4184094"/>
+              </a:xfrm>
+              <a:prstGeom prst="rect">
+                <a:avLst/>
+              </a:prstGeom>
+              <a:blipFill>
+                <a:blip r:embed="rId2"/>
+                <a:stretch>
+                  <a:fillRect l="-844" r="-1206" b="-2478"/>
+                </a:stretch>
+              </a:blipFill>
+            </p:spPr>
+            <p:txBody>
+              <a:bodyPr/>
+              <a:lstStyle/>
+              <a:p>
+                <a:r>
+                  <a:rPr lang="en-US">
+                    <a:noFill/>
+                  </a:rPr>
+                  <a:t> </a:t>
+                </a:r>
+              </a:p>
+            </p:txBody>
+          </p:sp>
+        </mc:Fallback>
+      </mc:AlternateContent>
+      <p:sp>
+        <p:nvSpPr>
+          <p:cNvPr id="3" name="Title 1">
+            <a:extLst>
+              <a:ext uri="{FF2B5EF4-FFF2-40B4-BE49-F238E27FC236}">
+                <a16:creationId xmlns:a16="http://schemas.microsoft.com/office/drawing/2014/main" id="{D49DBE79-C6FF-4BCB-9EF0-024E917A1224}"/>
+              </a:ext>
+            </a:extLst>
+          </p:cNvPr>
+          <p:cNvSpPr>
+            <a:spLocks noGrp="1"/>
+          </p:cNvSpPr>
+          <p:nvPr>
+            <p:ph type="title"/>
+          </p:nvPr>
+        </p:nvSpPr>
+        <p:spPr>
+          <a:xfrm>
+            <a:off x="112295" y="106488"/>
+            <a:ext cx="10515600" cy="751766"/>
+          </a:xfrm>
+        </p:spPr>
+        <p:txBody>
+          <a:bodyPr>
+            <a:normAutofit/>
+          </a:bodyPr>
+          <a:lstStyle/>
+          <a:p>
+            <a:r>
+              <a:rPr lang="en-US" altLang="zh-CN" sz="2400" dirty="0">
+                <a:solidFill>
+                  <a:srgbClr val="0D55F7"/>
+                </a:solidFill>
+              </a:rPr>
+              <a:t>The </a:t>
+            </a:r>
+            <a:r>
+              <a:rPr lang="en-US" altLang="zh-CN" sz="2400" dirty="0" err="1">
+                <a:solidFill>
+                  <a:srgbClr val="0D55F7"/>
+                </a:solidFill>
+              </a:rPr>
+              <a:t>Deffuant-Weisbuch</a:t>
+            </a:r>
+            <a:r>
+              <a:rPr lang="en-US" altLang="zh-CN" sz="2400" dirty="0">
+                <a:solidFill>
+                  <a:srgbClr val="0D55F7"/>
+                </a:solidFill>
+              </a:rPr>
+              <a:t> Model</a:t>
+            </a:r>
+            <a:endParaRPr lang="en-US" sz="2400" dirty="0">
+              <a:solidFill>
+                <a:srgbClr val="0D55F7"/>
+              </a:solidFill>
+            </a:endParaRPr>
+          </a:p>
+        </p:txBody>
+      </p:sp>
+    </p:spTree>
+    <p:extLst>
+      <p:ext uri="{BB962C8B-B14F-4D97-AF65-F5344CB8AC3E}">
+        <p14:creationId xmlns:p14="http://schemas.microsoft.com/office/powerpoint/2010/main" val="2350627376"/>
+      </p:ext>
+    </p:extLst>
+  </p:cSld>
+  <p:clrMapOvr>
+    <a:masterClrMapping/>
+  </p:clrMapOvr>
+</p:sld>
+</file>
+
+<file path=ppt/slides/slide24.xml><?xml version="1.0" encoding="utf-8"?>
+<p:sld xmlns:a="http://schemas.openxmlformats.org/drawingml/2006/main" xmlns:r="http://schemas.openxmlformats.org/officeDocument/2006/relationships" xmlns:p="http://schemas.openxmlformats.org/presentationml/2006/main">
+  <p:cSld>
+    <p:spTree>
+      <p:nvGrpSpPr>
+        <p:cNvPr id="1" name=""/>
+        <p:cNvGrpSpPr/>
+        <p:nvPr/>
+      </p:nvGrpSpPr>
+      <p:grpSpPr>
+        <a:xfrm>
+          <a:off x="0" y="0"/>
+          <a:ext cx="0" cy="0"/>
+          <a:chOff x="0" y="0"/>
+          <a:chExt cx="0" cy="0"/>
+        </a:xfrm>
+      </p:grpSpPr>
+      <p:sp>
+        <p:nvSpPr>
+          <p:cNvPr id="4" name="TextBox 3">
+            <a:extLst>
+              <a:ext uri="{FF2B5EF4-FFF2-40B4-BE49-F238E27FC236}">
+                <a16:creationId xmlns:a16="http://schemas.microsoft.com/office/drawing/2014/main" id="{93ACE18E-354C-4AF3-9F1D-AA93039449EA}"/>
+              </a:ext>
+            </a:extLst>
+          </p:cNvPr>
+          <p:cNvSpPr txBox="1"/>
+          <p:nvPr/>
+        </p:nvSpPr>
+        <p:spPr>
+          <a:xfrm>
+            <a:off x="956747" y="1298025"/>
+            <a:ext cx="10838090" cy="3807966"/>
+          </a:xfrm>
+          <a:prstGeom prst="rect">
+            <a:avLst/>
+          </a:prstGeom>
+          <a:noFill/>
+        </p:spPr>
+        <p:txBody>
+          <a:bodyPr wrap="square" rtlCol="0">
+            <a:spAutoFit/>
+          </a:bodyPr>
+          <a:lstStyle/>
+          <a:p>
+            <a:pPr marL="342900" indent="-342900">
+              <a:lnSpc>
+                <a:spcPct val="200000"/>
+              </a:lnSpc>
+              <a:buFont typeface="Wingdings" panose="05000000000000000000" pitchFamily="2" charset="2"/>
+              <a:buChar char="§"/>
+            </a:pPr>
+            <a:r>
+              <a:rPr lang="en-US" sz="2400" dirty="0">
+                <a:solidFill>
+                  <a:srgbClr val="0D55F7"/>
+                </a:solidFill>
+              </a:rPr>
+              <a:t>Recent Extensions:</a:t>
+            </a:r>
+          </a:p>
+          <a:p>
+            <a:pPr marL="800100" lvl="1" indent="-342900">
+              <a:lnSpc>
+                <a:spcPct val="200000"/>
+              </a:lnSpc>
+              <a:buFont typeface="Wingdings" panose="05000000000000000000" pitchFamily="2" charset="2"/>
+              <a:buChar char="§"/>
+            </a:pPr>
+            <a:r>
+              <a:rPr lang="en-US" sz="2400" dirty="0">
+                <a:solidFill>
+                  <a:srgbClr val="0D55F7"/>
+                </a:solidFill>
+              </a:rPr>
+              <a:t>With heterogeneous and adaptive confidence thresholds on 2D lattices.</a:t>
+            </a:r>
+          </a:p>
+          <a:p>
+            <a:pPr marL="800100" lvl="1" indent="-342900">
+              <a:lnSpc>
+                <a:spcPct val="200000"/>
+              </a:lnSpc>
+              <a:buFont typeface="Wingdings" panose="05000000000000000000" pitchFamily="2" charset="2"/>
+              <a:buChar char="§"/>
+            </a:pPr>
+            <a:r>
+              <a:rPr lang="en-US" sz="2400" dirty="0">
+                <a:solidFill>
+                  <a:srgbClr val="0D55F7"/>
+                </a:solidFill>
+              </a:rPr>
+              <a:t>Include disagreement in order to better describe the Social Judgment Theory.</a:t>
+            </a:r>
+          </a:p>
+          <a:p>
+            <a:pPr marL="800100" lvl="1" indent="-342900">
+              <a:lnSpc>
+                <a:spcPct val="200000"/>
+              </a:lnSpc>
+              <a:buFont typeface="Wingdings" panose="05000000000000000000" pitchFamily="2" charset="2"/>
+              <a:buChar char="§"/>
+            </a:pPr>
+            <a:r>
+              <a:rPr lang="en-US" sz="2400" dirty="0">
+                <a:solidFill>
+                  <a:srgbClr val="0D55F7"/>
+                </a:solidFill>
+              </a:rPr>
+              <a:t>Consider the bounded confidence parameter as an attribute of the individuals.</a:t>
+            </a:r>
+          </a:p>
+          <a:p>
+            <a:pPr marL="800100" lvl="1" indent="-342900">
+              <a:lnSpc>
+                <a:spcPct val="150000"/>
+              </a:lnSpc>
+              <a:buFont typeface="Wingdings" panose="05000000000000000000" pitchFamily="2" charset="2"/>
+              <a:buChar char="§"/>
+            </a:pPr>
+            <a:endParaRPr lang="en-US" sz="2400" dirty="0">
+              <a:solidFill>
+                <a:srgbClr val="0D55F7"/>
+              </a:solidFill>
+            </a:endParaRPr>
+          </a:p>
+          <a:p>
+            <a:pPr marL="342900" indent="-342900">
+              <a:lnSpc>
+                <a:spcPct val="150000"/>
+              </a:lnSpc>
+              <a:buFont typeface="Wingdings" panose="05000000000000000000" pitchFamily="2" charset="2"/>
+              <a:buChar char="§"/>
+            </a:pPr>
+            <a:endParaRPr lang="en-US" sz="1000" dirty="0">
+              <a:solidFill>
+                <a:srgbClr val="0D55F7"/>
+              </a:solidFill>
+            </a:endParaRPr>
+          </a:p>
+        </p:txBody>
+      </p:sp>
+      <p:sp>
+        <p:nvSpPr>
+          <p:cNvPr id="3" name="Title 1">
+            <a:extLst>
+              <a:ext uri="{FF2B5EF4-FFF2-40B4-BE49-F238E27FC236}">
+                <a16:creationId xmlns:a16="http://schemas.microsoft.com/office/drawing/2014/main" id="{D49DBE79-C6FF-4BCB-9EF0-024E917A1224}"/>
+              </a:ext>
+            </a:extLst>
+          </p:cNvPr>
+          <p:cNvSpPr>
+            <a:spLocks noGrp="1"/>
+          </p:cNvSpPr>
+          <p:nvPr>
+            <p:ph type="title"/>
+          </p:nvPr>
+        </p:nvSpPr>
+        <p:spPr>
+          <a:xfrm>
+            <a:off x="112295" y="106488"/>
+            <a:ext cx="10515600" cy="751766"/>
+          </a:xfrm>
+        </p:spPr>
+        <p:txBody>
+          <a:bodyPr>
+            <a:normAutofit/>
+          </a:bodyPr>
+          <a:lstStyle/>
+          <a:p>
+            <a:r>
+              <a:rPr lang="en-US" altLang="zh-CN" sz="2400" dirty="0">
+                <a:solidFill>
+                  <a:srgbClr val="0D55F7"/>
+                </a:solidFill>
+              </a:rPr>
+              <a:t>The </a:t>
+            </a:r>
+            <a:r>
+              <a:rPr lang="en-US" altLang="zh-CN" sz="2400" dirty="0" err="1">
+                <a:solidFill>
+                  <a:srgbClr val="0D55F7"/>
+                </a:solidFill>
+              </a:rPr>
+              <a:t>Deffuant-Weisbuch</a:t>
+            </a:r>
+            <a:r>
+              <a:rPr lang="en-US" altLang="zh-CN" sz="2400" dirty="0">
+                <a:solidFill>
+                  <a:srgbClr val="0D55F7"/>
+                </a:solidFill>
+              </a:rPr>
+              <a:t> Model</a:t>
+            </a:r>
+            <a:endParaRPr lang="en-US" sz="2400" dirty="0">
+              <a:solidFill>
+                <a:srgbClr val="0D55F7"/>
+              </a:solidFill>
+            </a:endParaRPr>
+          </a:p>
+        </p:txBody>
+      </p:sp>
+    </p:spTree>
+    <p:extLst>
+      <p:ext uri="{BB962C8B-B14F-4D97-AF65-F5344CB8AC3E}">
+        <p14:creationId xmlns:p14="http://schemas.microsoft.com/office/powerpoint/2010/main" val="2738667384"/>
+      </p:ext>
+    </p:extLst>
+  </p:cSld>
+  <p:clrMapOvr>
+    <a:masterClrMapping/>
+  </p:clrMapOvr>
+</p:sld>
+</file>
+
+<file path=ppt/slides/slide25.xml><?xml version="1.0" encoding="utf-8"?>
+<p:sld xmlns:a="http://schemas.openxmlformats.org/drawingml/2006/main" xmlns:r="http://schemas.openxmlformats.org/officeDocument/2006/relationships" xmlns:p="http://schemas.openxmlformats.org/presentationml/2006/main">
+  <p:cSld>
+    <p:spTree>
+      <p:nvGrpSpPr>
+        <p:cNvPr id="1" name=""/>
+        <p:cNvGrpSpPr/>
+        <p:nvPr/>
+      </p:nvGrpSpPr>
+      <p:grpSpPr>
+        <a:xfrm>
+          <a:off x="0" y="0"/>
+          <a:ext cx="0" cy="0"/>
+          <a:chOff x="0" y="0"/>
+          <a:chExt cx="0" cy="0"/>
+        </a:xfrm>
+      </p:grpSpPr>
+      <mc:AlternateContent xmlns:mc="http://schemas.openxmlformats.org/markup-compatibility/2006">
+        <mc:Choice xmlns:a14="http://schemas.microsoft.com/office/drawing/2010/main" Requires="a14">
+          <p:sp>
+            <p:nvSpPr>
+              <p:cNvPr id="4" name="TextBox 3">
+                <a:extLst>
+                  <a:ext uri="{FF2B5EF4-FFF2-40B4-BE49-F238E27FC236}">
+                    <a16:creationId xmlns:a16="http://schemas.microsoft.com/office/drawing/2014/main" id="{93ACE18E-354C-4AF3-9F1D-AA93039449EA}"/>
+                  </a:ext>
+                </a:extLst>
+              </p:cNvPr>
+              <p:cNvSpPr txBox="1"/>
+              <p:nvPr/>
+            </p:nvSpPr>
+            <p:spPr>
+              <a:xfrm>
+                <a:off x="1039874" y="1094825"/>
+                <a:ext cx="10112251" cy="4555799"/>
+              </a:xfrm>
+              <a:prstGeom prst="rect">
+                <a:avLst/>
+              </a:prstGeom>
+              <a:noFill/>
+            </p:spPr>
+            <p:txBody>
+              <a:bodyPr wrap="square" rtlCol="0">
+                <a:spAutoFit/>
+              </a:bodyPr>
+              <a:lstStyle/>
+              <a:p>
+                <a:pPr marL="342900" indent="-342900">
+                  <a:lnSpc>
+                    <a:spcPct val="150000"/>
+                  </a:lnSpc>
+                  <a:buFont typeface="Wingdings" panose="05000000000000000000" pitchFamily="2" charset="2"/>
+                  <a:buChar char="§"/>
+                </a:pPr>
+                <a:r>
+                  <a:rPr lang="en-US" sz="2400" dirty="0">
+                    <a:solidFill>
+                      <a:srgbClr val="0D55F7"/>
+                    </a:solidFill>
+                  </a:rPr>
+                  <a:t>Take values in a </a:t>
+                </a:r>
+                <a:r>
+                  <a:rPr lang="en-US" sz="2400" dirty="0">
+                    <a:solidFill>
+                      <a:srgbClr val="C00000"/>
+                    </a:solidFill>
+                  </a:rPr>
+                  <a:t>continuous interval.</a:t>
+                </a:r>
+                <a:endParaRPr lang="en-US" sz="1050" dirty="0">
+                  <a:solidFill>
+                    <a:srgbClr val="0D55F7"/>
+                  </a:solidFill>
+                </a:endParaRPr>
+              </a:p>
+              <a:p>
+                <a:pPr marL="342900" indent="-342900">
+                  <a:lnSpc>
+                    <a:spcPct val="150000"/>
+                  </a:lnSpc>
+                  <a:buFont typeface="Wingdings" panose="05000000000000000000" pitchFamily="2" charset="2"/>
+                  <a:buChar char="§"/>
+                </a:pPr>
+                <a:r>
+                  <a:rPr lang="en-US" sz="2400" dirty="0">
+                    <a:solidFill>
+                      <a:srgbClr val="0D55F7"/>
+                    </a:solidFill>
+                  </a:rPr>
+                  <a:t>With bounded confidence limits the interaction of agent </a:t>
+                </a:r>
+                <a14:m>
+                  <m:oMath xmlns:m="http://schemas.openxmlformats.org/officeDocument/2006/math">
+                    <m:r>
+                      <a:rPr lang="en-US" sz="2400" i="1" dirty="0" smtClean="0">
+                        <a:solidFill>
+                          <a:srgbClr val="0D55F7"/>
+                        </a:solidFill>
+                        <a:latin typeface="Cambria Math" panose="02040503050406030204" pitchFamily="18" charset="0"/>
+                      </a:rPr>
+                      <m:t>𝑖</m:t>
+                    </m:r>
+                  </m:oMath>
+                </a14:m>
+                <a:r>
+                  <a:rPr lang="en-US" sz="2400" dirty="0">
+                    <a:solidFill>
+                      <a:srgbClr val="0D55F7"/>
+                    </a:solidFill>
+                  </a:rPr>
+                  <a:t> holding opinion </a:t>
+                </a:r>
+                <a14:m>
+                  <m:oMath xmlns:m="http://schemas.openxmlformats.org/officeDocument/2006/math">
+                    <m:sSub>
+                      <m:sSubPr>
+                        <m:ctrlPr>
+                          <a:rPr lang="en-US" sz="2400" i="1" dirty="0" smtClean="0">
+                            <a:solidFill>
+                              <a:srgbClr val="0D55F7"/>
+                            </a:solidFill>
+                            <a:latin typeface="Cambria Math" panose="02040503050406030204" pitchFamily="18" charset="0"/>
+                          </a:rPr>
+                        </m:ctrlPr>
+                      </m:sSubPr>
+                      <m:e>
+                        <m:r>
+                          <a:rPr lang="en-US" sz="2400" b="0" i="1" dirty="0" smtClean="0">
+                            <a:solidFill>
+                              <a:srgbClr val="0D55F7"/>
+                            </a:solidFill>
+                            <a:latin typeface="Cambria Math" panose="02040503050406030204" pitchFamily="18" charset="0"/>
+                          </a:rPr>
+                          <m:t>𝑥</m:t>
+                        </m:r>
+                      </m:e>
+                      <m:sub>
+                        <m:r>
+                          <a:rPr lang="en-US" sz="2400" b="0" i="1" dirty="0" smtClean="0">
+                            <a:solidFill>
+                              <a:srgbClr val="0D55F7"/>
+                            </a:solidFill>
+                            <a:latin typeface="Cambria Math" panose="02040503050406030204" pitchFamily="18" charset="0"/>
+                          </a:rPr>
+                          <m:t>𝑖</m:t>
+                        </m:r>
+                      </m:sub>
+                    </m:sSub>
+                  </m:oMath>
+                </a14:m>
+                <a:r>
+                  <a:rPr lang="en-US" sz="2400" dirty="0">
+                    <a:solidFill>
+                      <a:srgbClr val="0D55F7"/>
+                    </a:solidFill>
+                  </a:rPr>
+                  <a:t> to </a:t>
+                </a:r>
+                <a:r>
+                  <a:rPr lang="en-US" sz="2400" dirty="0" err="1">
+                    <a:solidFill>
+                      <a:srgbClr val="0D55F7"/>
+                    </a:solidFill>
+                  </a:rPr>
+                  <a:t>neighbours</a:t>
+                </a:r>
+                <a:r>
+                  <a:rPr lang="en-US" sz="2400" dirty="0">
+                    <a:solidFill>
+                      <a:srgbClr val="0D55F7"/>
+                    </a:solidFill>
+                  </a:rPr>
+                  <a:t> with opinions in </a:t>
+                </a:r>
+                <a14:m>
+                  <m:oMath xmlns:m="http://schemas.openxmlformats.org/officeDocument/2006/math">
+                    <m:d>
+                      <m:dPr>
+                        <m:begChr m:val="["/>
+                        <m:endChr m:val="]"/>
+                        <m:ctrlPr>
+                          <a:rPr lang="en-US" sz="2400" i="1" smtClean="0">
+                            <a:solidFill>
+                              <a:srgbClr val="0D55F7"/>
+                            </a:solidFill>
+                            <a:latin typeface="Cambria Math" panose="02040503050406030204" pitchFamily="18" charset="0"/>
+                          </a:rPr>
+                        </m:ctrlPr>
+                      </m:dPr>
+                      <m:e>
+                        <m:sSub>
+                          <m:sSubPr>
+                            <m:ctrlPr>
+                              <a:rPr lang="en-US" sz="2400" i="1" smtClean="0">
+                                <a:solidFill>
+                                  <a:srgbClr val="0D55F7"/>
+                                </a:solidFill>
+                                <a:latin typeface="Cambria Math" panose="02040503050406030204" pitchFamily="18" charset="0"/>
+                              </a:rPr>
+                            </m:ctrlPr>
+                          </m:sSubPr>
+                          <m:e>
+                            <m:r>
+                              <a:rPr lang="en-US" sz="2400" b="0" i="1" smtClean="0">
+                                <a:solidFill>
+                                  <a:srgbClr val="0D55F7"/>
+                                </a:solidFill>
+                                <a:latin typeface="Cambria Math" panose="02040503050406030204" pitchFamily="18" charset="0"/>
+                              </a:rPr>
+                              <m:t>𝑥</m:t>
+                            </m:r>
+                          </m:e>
+                          <m:sub>
+                            <m:r>
+                              <a:rPr lang="en-US" sz="2400" b="0" i="1" smtClean="0">
+                                <a:solidFill>
+                                  <a:srgbClr val="0D55F7"/>
+                                </a:solidFill>
+                                <a:latin typeface="Cambria Math" panose="02040503050406030204" pitchFamily="18" charset="0"/>
+                              </a:rPr>
+                              <m:t>𝑖</m:t>
+                            </m:r>
+                          </m:sub>
+                        </m:sSub>
+                        <m:r>
+                          <a:rPr lang="en-US" sz="2400" b="0" i="1" smtClean="0">
+                            <a:solidFill>
+                              <a:srgbClr val="0D55F7"/>
+                            </a:solidFill>
+                            <a:latin typeface="Cambria Math" panose="02040503050406030204" pitchFamily="18" charset="0"/>
+                          </a:rPr>
+                          <m:t>−</m:t>
+                        </m:r>
+                        <m:r>
+                          <a:rPr lang="en-US" sz="2400" b="0" i="1" smtClean="0">
+                            <a:solidFill>
+                              <a:srgbClr val="0D55F7"/>
+                            </a:solidFill>
+                            <a:latin typeface="Cambria Math" panose="02040503050406030204" pitchFamily="18" charset="0"/>
+                            <a:ea typeface="Cambria Math" panose="02040503050406030204" pitchFamily="18" charset="0"/>
+                          </a:rPr>
+                          <m:t>𝜖</m:t>
+                        </m:r>
+                        <m:r>
+                          <a:rPr lang="en-US" sz="2400" b="0" i="1" smtClean="0">
+                            <a:solidFill>
+                              <a:srgbClr val="0D55F7"/>
+                            </a:solidFill>
+                            <a:latin typeface="Cambria Math" panose="02040503050406030204" pitchFamily="18" charset="0"/>
+                            <a:ea typeface="Cambria Math" panose="02040503050406030204" pitchFamily="18" charset="0"/>
+                          </a:rPr>
+                          <m:t>,</m:t>
+                        </m:r>
+                        <m:sSub>
+                          <m:sSubPr>
+                            <m:ctrlPr>
+                              <a:rPr lang="en-US" sz="2400" b="0" i="1" smtClean="0">
+                                <a:solidFill>
+                                  <a:srgbClr val="0D55F7"/>
+                                </a:solidFill>
+                                <a:latin typeface="Cambria Math" panose="02040503050406030204" pitchFamily="18" charset="0"/>
+                                <a:ea typeface="Cambria Math" panose="02040503050406030204" pitchFamily="18" charset="0"/>
+                              </a:rPr>
+                            </m:ctrlPr>
+                          </m:sSubPr>
+                          <m:e>
+                            <m:r>
+                              <a:rPr lang="en-US" sz="2400" b="0" i="1" smtClean="0">
+                                <a:solidFill>
+                                  <a:srgbClr val="0D55F7"/>
+                                </a:solidFill>
+                                <a:latin typeface="Cambria Math" panose="02040503050406030204" pitchFamily="18" charset="0"/>
+                                <a:ea typeface="Cambria Math" panose="02040503050406030204" pitchFamily="18" charset="0"/>
+                              </a:rPr>
+                              <m:t>𝑥</m:t>
+                            </m:r>
+                          </m:e>
+                          <m:sub>
+                            <m:r>
+                              <a:rPr lang="en-US" sz="2400" b="0" i="1" smtClean="0">
+                                <a:solidFill>
+                                  <a:srgbClr val="0D55F7"/>
+                                </a:solidFill>
+                                <a:latin typeface="Cambria Math" panose="02040503050406030204" pitchFamily="18" charset="0"/>
+                                <a:ea typeface="Cambria Math" panose="02040503050406030204" pitchFamily="18" charset="0"/>
+                              </a:rPr>
+                              <m:t>𝑖</m:t>
+                            </m:r>
+                          </m:sub>
+                        </m:sSub>
+                        <m:r>
+                          <a:rPr lang="en-US" sz="2400" b="0" i="1" smtClean="0">
+                            <a:solidFill>
+                              <a:srgbClr val="0D55F7"/>
+                            </a:solidFill>
+                            <a:latin typeface="Cambria Math" panose="02040503050406030204" pitchFamily="18" charset="0"/>
+                            <a:ea typeface="Cambria Math" panose="02040503050406030204" pitchFamily="18" charset="0"/>
+                          </a:rPr>
+                          <m:t>+</m:t>
+                        </m:r>
+                        <m:r>
+                          <a:rPr lang="en-US" sz="2400" b="0" i="1" smtClean="0">
+                            <a:solidFill>
+                              <a:srgbClr val="0D55F7"/>
+                            </a:solidFill>
+                            <a:latin typeface="Cambria Math" panose="02040503050406030204" pitchFamily="18" charset="0"/>
+                            <a:ea typeface="Cambria Math" panose="02040503050406030204" pitchFamily="18" charset="0"/>
+                          </a:rPr>
+                          <m:t>𝜖</m:t>
+                        </m:r>
+                      </m:e>
+                    </m:d>
+                  </m:oMath>
+                </a14:m>
+                <a:r>
+                  <a:rPr lang="en-US" sz="2400" dirty="0">
+                    <a:solidFill>
+                      <a:srgbClr val="0D55F7"/>
+                    </a:solidFill>
+                  </a:rPr>
+                  <a:t>, where </a:t>
+                </a:r>
+                <a14:m>
+                  <m:oMath xmlns:m="http://schemas.openxmlformats.org/officeDocument/2006/math">
+                    <m:r>
+                      <a:rPr lang="en-US" sz="2400" i="1" smtClean="0">
+                        <a:solidFill>
+                          <a:srgbClr val="0D55F7"/>
+                        </a:solidFill>
+                        <a:latin typeface="Cambria Math" panose="02040503050406030204" pitchFamily="18" charset="0"/>
+                        <a:ea typeface="Cambria Math" panose="02040503050406030204" pitchFamily="18" charset="0"/>
+                      </a:rPr>
+                      <m:t>𝜖</m:t>
+                    </m:r>
+                  </m:oMath>
+                </a14:m>
+                <a:r>
+                  <a:rPr lang="en-US" sz="2400" dirty="0">
+                    <a:solidFill>
+                      <a:srgbClr val="0D55F7"/>
+                    </a:solidFill>
+                  </a:rPr>
+                  <a:t> is the uncertainty. </a:t>
+                </a:r>
+              </a:p>
+              <a:p>
+                <a:pPr marL="342900" indent="-342900">
+                  <a:lnSpc>
+                    <a:spcPct val="150000"/>
+                  </a:lnSpc>
+                  <a:buFont typeface="Wingdings" panose="05000000000000000000" pitchFamily="2" charset="2"/>
+                  <a:buChar char="§"/>
+                </a:pPr>
+                <a:endParaRPr lang="en-US" sz="1400" dirty="0">
+                  <a:solidFill>
+                    <a:srgbClr val="0D55F7"/>
+                  </a:solidFill>
+                </a:endParaRPr>
+              </a:p>
+              <a:p>
+                <a:pPr marL="342900" indent="-342900">
+                  <a:lnSpc>
+                    <a:spcPct val="150000"/>
+                  </a:lnSpc>
+                  <a:buFont typeface="Wingdings" panose="05000000000000000000" pitchFamily="2" charset="2"/>
+                  <a:buChar char="§"/>
+                </a:pPr>
+                <a:r>
+                  <a:rPr lang="en-US" sz="2400" dirty="0">
+                    <a:solidFill>
+                      <a:srgbClr val="0D55F7"/>
+                    </a:solidFill>
+                  </a:rPr>
+                  <a:t>During update, the agents interact with all compatible </a:t>
+                </a:r>
+                <a:r>
+                  <a:rPr lang="en-US" sz="2400" dirty="0" err="1">
+                    <a:solidFill>
+                      <a:srgbClr val="0D55F7"/>
+                    </a:solidFill>
+                  </a:rPr>
+                  <a:t>neighbours</a:t>
+                </a:r>
+                <a:r>
+                  <a:rPr lang="en-US" sz="2400" dirty="0">
+                    <a:solidFill>
+                      <a:srgbClr val="0D55F7"/>
+                    </a:solidFill>
+                  </a:rPr>
+                  <a:t> at the same time: 		</a:t>
+                </a:r>
+              </a:p>
+              <a:p>
+                <a:r>
+                  <a:rPr lang="en-US" sz="2400" dirty="0">
+                    <a:solidFill>
+                      <a:srgbClr val="0D55F7"/>
+                    </a:solidFill>
+                  </a:rPr>
+                  <a:t>		</a:t>
+                </a:r>
+                <a14:m>
+                  <m:oMath xmlns:m="http://schemas.openxmlformats.org/officeDocument/2006/math">
+                    <m:sSub>
+                      <m:sSubPr>
+                        <m:ctrlPr>
+                          <a:rPr lang="en-US" sz="2400" i="1" smtClean="0">
+                            <a:solidFill>
+                              <a:srgbClr val="0D55F7"/>
+                            </a:solidFill>
+                            <a:latin typeface="Cambria Math" panose="02040503050406030204" pitchFamily="18" charset="0"/>
+                          </a:rPr>
+                        </m:ctrlPr>
+                      </m:sSubPr>
+                      <m:e>
+                        <m:r>
+                          <a:rPr lang="en-US" sz="2400" b="0" i="1" smtClean="0">
+                            <a:solidFill>
+                              <a:srgbClr val="0D55F7"/>
+                            </a:solidFill>
+                            <a:latin typeface="Cambria Math" panose="02040503050406030204" pitchFamily="18" charset="0"/>
+                          </a:rPr>
+                          <m:t>𝑥</m:t>
+                        </m:r>
+                      </m:e>
+                      <m:sub>
+                        <m:r>
+                          <a:rPr lang="en-US" sz="2400" b="0" i="1" smtClean="0">
+                            <a:solidFill>
+                              <a:srgbClr val="0D55F7"/>
+                            </a:solidFill>
+                            <a:latin typeface="Cambria Math" panose="02040503050406030204" pitchFamily="18" charset="0"/>
+                          </a:rPr>
+                          <m:t>𝑖</m:t>
+                        </m:r>
+                      </m:sub>
+                    </m:sSub>
+                    <m:d>
+                      <m:dPr>
+                        <m:ctrlPr>
+                          <a:rPr lang="en-US" sz="2400" i="1" smtClean="0">
+                            <a:solidFill>
+                              <a:srgbClr val="0D55F7"/>
+                            </a:solidFill>
+                            <a:latin typeface="Cambria Math" panose="02040503050406030204" pitchFamily="18" charset="0"/>
+                          </a:rPr>
+                        </m:ctrlPr>
+                      </m:dPr>
+                      <m:e>
+                        <m:r>
+                          <a:rPr lang="en-US" sz="2400" b="0" i="1" smtClean="0">
+                            <a:solidFill>
+                              <a:srgbClr val="0D55F7"/>
+                            </a:solidFill>
+                            <a:latin typeface="Cambria Math" panose="02040503050406030204" pitchFamily="18" charset="0"/>
+                          </a:rPr>
+                          <m:t>𝑡</m:t>
+                        </m:r>
+                        <m:r>
+                          <a:rPr lang="en-US" sz="2400" b="0" i="1" smtClean="0">
+                            <a:solidFill>
+                              <a:srgbClr val="0D55F7"/>
+                            </a:solidFill>
+                            <a:latin typeface="Cambria Math" panose="02040503050406030204" pitchFamily="18" charset="0"/>
+                          </a:rPr>
+                          <m:t>+1</m:t>
+                        </m:r>
+                      </m:e>
+                    </m:d>
+                    <m:r>
+                      <a:rPr lang="en-US" sz="2400" b="0" i="1" smtClean="0">
+                        <a:solidFill>
+                          <a:srgbClr val="0D55F7"/>
+                        </a:solidFill>
+                        <a:latin typeface="Cambria Math" panose="02040503050406030204" pitchFamily="18" charset="0"/>
+                      </a:rPr>
+                      <m:t>=</m:t>
+                    </m:r>
+                    <m:f>
+                      <m:fPr>
+                        <m:ctrlPr>
+                          <a:rPr lang="en-US" sz="2400" b="0" i="1" smtClean="0">
+                            <a:solidFill>
+                              <a:srgbClr val="0D55F7"/>
+                            </a:solidFill>
+                            <a:latin typeface="Cambria Math" panose="02040503050406030204" pitchFamily="18" charset="0"/>
+                          </a:rPr>
+                        </m:ctrlPr>
+                      </m:fPr>
+                      <m:num>
+                        <m:nary>
+                          <m:naryPr>
+                            <m:chr m:val="∑"/>
+                            <m:limLoc m:val="subSup"/>
+                            <m:supHide m:val="on"/>
+                            <m:ctrlPr>
+                              <a:rPr lang="en-US" sz="2400" b="0" i="1" smtClean="0">
+                                <a:solidFill>
+                                  <a:srgbClr val="0D55F7"/>
+                                </a:solidFill>
+                                <a:latin typeface="Cambria Math" panose="02040503050406030204" pitchFamily="18" charset="0"/>
+                              </a:rPr>
+                            </m:ctrlPr>
+                          </m:naryPr>
+                          <m:sub>
+                            <m:r>
+                              <m:rPr>
+                                <m:brk m:alnAt="9"/>
+                              </m:rPr>
+                              <a:rPr lang="en-US" sz="2400" b="0" i="1" smtClean="0">
+                                <a:solidFill>
+                                  <a:srgbClr val="0D55F7"/>
+                                </a:solidFill>
+                                <a:latin typeface="Cambria Math" panose="02040503050406030204" pitchFamily="18" charset="0"/>
+                              </a:rPr>
+                              <m:t>𝑗</m:t>
+                            </m:r>
+                            <m:r>
+                              <a:rPr lang="en-US" sz="2400" b="0" i="1" smtClean="0">
+                                <a:solidFill>
+                                  <a:srgbClr val="0D55F7"/>
+                                </a:solidFill>
+                                <a:latin typeface="Cambria Math" panose="02040503050406030204" pitchFamily="18" charset="0"/>
+                              </a:rPr>
+                              <m:t>:</m:t>
+                            </m:r>
+                            <m:d>
+                              <m:dPr>
+                                <m:begChr m:val="|"/>
+                                <m:endChr m:val="|"/>
+                                <m:ctrlPr>
+                                  <a:rPr lang="en-US" sz="2400" b="0" i="1" smtClean="0">
+                                    <a:solidFill>
+                                      <a:srgbClr val="0D55F7"/>
+                                    </a:solidFill>
+                                    <a:latin typeface="Cambria Math" panose="02040503050406030204" pitchFamily="18" charset="0"/>
+                                  </a:rPr>
+                                </m:ctrlPr>
+                              </m:dPr>
+                              <m:e>
+                                <m:sSub>
+                                  <m:sSubPr>
+                                    <m:ctrlPr>
+                                      <a:rPr lang="en-US" sz="2400" b="0" i="1" smtClean="0">
+                                        <a:solidFill>
+                                          <a:srgbClr val="0D55F7"/>
+                                        </a:solidFill>
+                                        <a:latin typeface="Cambria Math" panose="02040503050406030204" pitchFamily="18" charset="0"/>
+                                      </a:rPr>
+                                    </m:ctrlPr>
+                                  </m:sSubPr>
+                                  <m:e>
+                                    <m:r>
+                                      <a:rPr lang="en-US" sz="2400" b="0" i="1" smtClean="0">
+                                        <a:solidFill>
+                                          <a:srgbClr val="0D55F7"/>
+                                        </a:solidFill>
+                                        <a:latin typeface="Cambria Math" panose="02040503050406030204" pitchFamily="18" charset="0"/>
+                                      </a:rPr>
+                                      <m:t>𝑥</m:t>
+                                    </m:r>
+                                  </m:e>
+                                  <m:sub>
+                                    <m:r>
+                                      <a:rPr lang="en-US" sz="2400" b="0" i="1" smtClean="0">
+                                        <a:solidFill>
+                                          <a:srgbClr val="0D55F7"/>
+                                        </a:solidFill>
+                                        <a:latin typeface="Cambria Math" panose="02040503050406030204" pitchFamily="18" charset="0"/>
+                                      </a:rPr>
+                                      <m:t>𝑖</m:t>
+                                    </m:r>
+                                  </m:sub>
+                                </m:sSub>
+                                <m:d>
+                                  <m:dPr>
+                                    <m:ctrlPr>
+                                      <a:rPr lang="en-US" sz="2400" b="0" i="1" smtClean="0">
+                                        <a:solidFill>
+                                          <a:srgbClr val="0D55F7"/>
+                                        </a:solidFill>
+                                        <a:latin typeface="Cambria Math" panose="02040503050406030204" pitchFamily="18" charset="0"/>
+                                      </a:rPr>
+                                    </m:ctrlPr>
+                                  </m:dPr>
+                                  <m:e>
+                                    <m:r>
+                                      <a:rPr lang="en-US" sz="2400" b="0" i="1" smtClean="0">
+                                        <a:solidFill>
+                                          <a:srgbClr val="0D55F7"/>
+                                        </a:solidFill>
+                                        <a:latin typeface="Cambria Math" panose="02040503050406030204" pitchFamily="18" charset="0"/>
+                                      </a:rPr>
+                                      <m:t>𝑡</m:t>
+                                    </m:r>
+                                  </m:e>
+                                </m:d>
+                                <m:r>
+                                  <a:rPr lang="en-US" sz="2400" b="0" i="1" smtClean="0">
+                                    <a:solidFill>
+                                      <a:srgbClr val="0D55F7"/>
+                                    </a:solidFill>
+                                    <a:latin typeface="Cambria Math" panose="02040503050406030204" pitchFamily="18" charset="0"/>
+                                  </a:rPr>
+                                  <m:t>−</m:t>
+                                </m:r>
+                                <m:sSub>
+                                  <m:sSubPr>
+                                    <m:ctrlPr>
+                                      <a:rPr lang="en-US" sz="2400" i="1">
+                                        <a:solidFill>
+                                          <a:srgbClr val="0D55F7"/>
+                                        </a:solidFill>
+                                        <a:latin typeface="Cambria Math" panose="02040503050406030204" pitchFamily="18" charset="0"/>
+                                      </a:rPr>
+                                    </m:ctrlPr>
+                                  </m:sSubPr>
+                                  <m:e>
+                                    <m:r>
+                                      <a:rPr lang="en-US" sz="2400" i="1">
+                                        <a:solidFill>
+                                          <a:srgbClr val="0D55F7"/>
+                                        </a:solidFill>
+                                        <a:latin typeface="Cambria Math" panose="02040503050406030204" pitchFamily="18" charset="0"/>
+                                      </a:rPr>
+                                      <m:t>𝑥</m:t>
+                                    </m:r>
+                                  </m:e>
+                                  <m:sub>
+                                    <m:r>
+                                      <a:rPr lang="en-US" sz="2400" b="0" i="1" smtClean="0">
+                                        <a:solidFill>
+                                          <a:srgbClr val="0D55F7"/>
+                                        </a:solidFill>
+                                        <a:latin typeface="Cambria Math" panose="02040503050406030204" pitchFamily="18" charset="0"/>
+                                      </a:rPr>
+                                      <m:t>𝑗</m:t>
+                                    </m:r>
+                                  </m:sub>
+                                </m:sSub>
+                                <m:d>
+                                  <m:dPr>
+                                    <m:ctrlPr>
+                                      <a:rPr lang="en-US" sz="2400" i="1">
+                                        <a:solidFill>
+                                          <a:srgbClr val="0D55F7"/>
+                                        </a:solidFill>
+                                        <a:latin typeface="Cambria Math" panose="02040503050406030204" pitchFamily="18" charset="0"/>
+                                      </a:rPr>
+                                    </m:ctrlPr>
+                                  </m:dPr>
+                                  <m:e>
+                                    <m:r>
+                                      <a:rPr lang="en-US" sz="2400" i="1">
+                                        <a:solidFill>
+                                          <a:srgbClr val="0D55F7"/>
+                                        </a:solidFill>
+                                        <a:latin typeface="Cambria Math" panose="02040503050406030204" pitchFamily="18" charset="0"/>
+                                      </a:rPr>
+                                      <m:t>𝑡</m:t>
+                                    </m:r>
+                                  </m:e>
+                                </m:d>
+                              </m:e>
+                            </m:d>
+                            <m:r>
+                              <m:rPr>
+                                <m:brk m:alnAt="9"/>
+                              </m:rPr>
+                              <a:rPr lang="en-US" sz="2400" b="0" i="1" smtClean="0">
+                                <a:solidFill>
+                                  <a:srgbClr val="0D55F7"/>
+                                </a:solidFill>
+                                <a:latin typeface="Cambria Math" panose="02040503050406030204" pitchFamily="18" charset="0"/>
+                              </a:rPr>
+                              <m:t>&lt;</m:t>
+                            </m:r>
+                            <m:r>
+                              <a:rPr lang="en-US" sz="2400" b="0" i="1" smtClean="0">
+                                <a:solidFill>
+                                  <a:srgbClr val="0D55F7"/>
+                                </a:solidFill>
+                                <a:latin typeface="Cambria Math" panose="02040503050406030204" pitchFamily="18" charset="0"/>
+                                <a:ea typeface="Cambria Math" panose="02040503050406030204" pitchFamily="18" charset="0"/>
+                              </a:rPr>
+                              <m:t>𝜖</m:t>
+                            </m:r>
+                          </m:sub>
+                          <m:sup/>
+                          <m:e>
+                            <m:sSub>
+                              <m:sSubPr>
+                                <m:ctrlPr>
+                                  <a:rPr lang="en-US" sz="2400" b="0" i="1" smtClean="0">
+                                    <a:solidFill>
+                                      <a:srgbClr val="0D55F7"/>
+                                    </a:solidFill>
+                                    <a:latin typeface="Cambria Math" panose="02040503050406030204" pitchFamily="18" charset="0"/>
+                                  </a:rPr>
+                                </m:ctrlPr>
+                              </m:sSubPr>
+                              <m:e>
+                                <m:r>
+                                  <a:rPr lang="en-US" sz="2400" b="0" i="1" smtClean="0">
+                                    <a:solidFill>
+                                      <a:srgbClr val="0D55F7"/>
+                                    </a:solidFill>
+                                    <a:latin typeface="Cambria Math" panose="02040503050406030204" pitchFamily="18" charset="0"/>
+                                  </a:rPr>
+                                  <m:t>𝑎</m:t>
+                                </m:r>
+                              </m:e>
+                              <m:sub>
+                                <m:r>
+                                  <a:rPr lang="en-US" sz="2400" b="0" i="1" smtClean="0">
+                                    <a:solidFill>
+                                      <a:srgbClr val="0D55F7"/>
+                                    </a:solidFill>
+                                    <a:latin typeface="Cambria Math" panose="02040503050406030204" pitchFamily="18" charset="0"/>
+                                  </a:rPr>
+                                  <m:t>𝑖𝑗</m:t>
+                                </m:r>
+                              </m:sub>
+                            </m:sSub>
+                            <m:sSub>
+                              <m:sSubPr>
+                                <m:ctrlPr>
+                                  <a:rPr lang="en-US" sz="2400" b="0" i="1" smtClean="0">
+                                    <a:solidFill>
+                                      <a:srgbClr val="0D55F7"/>
+                                    </a:solidFill>
+                                    <a:latin typeface="Cambria Math" panose="02040503050406030204" pitchFamily="18" charset="0"/>
+                                  </a:rPr>
+                                </m:ctrlPr>
+                              </m:sSubPr>
+                              <m:e>
+                                <m:r>
+                                  <a:rPr lang="en-US" sz="2400" b="0" i="1" smtClean="0">
+                                    <a:solidFill>
+                                      <a:srgbClr val="0D55F7"/>
+                                    </a:solidFill>
+                                    <a:latin typeface="Cambria Math" panose="02040503050406030204" pitchFamily="18" charset="0"/>
+                                  </a:rPr>
+                                  <m:t>𝑥</m:t>
+                                </m:r>
+                              </m:e>
+                              <m:sub>
+                                <m:r>
+                                  <a:rPr lang="en-US" sz="2400" b="0" i="1" smtClean="0">
+                                    <a:solidFill>
+                                      <a:srgbClr val="0D55F7"/>
+                                    </a:solidFill>
+                                    <a:latin typeface="Cambria Math" panose="02040503050406030204" pitchFamily="18" charset="0"/>
+                                  </a:rPr>
+                                  <m:t>𝑗</m:t>
+                                </m:r>
+                              </m:sub>
+                            </m:sSub>
+                            <m:r>
+                              <a:rPr lang="en-US" sz="2400" b="0" i="1" smtClean="0">
+                                <a:solidFill>
+                                  <a:srgbClr val="0D55F7"/>
+                                </a:solidFill>
+                                <a:latin typeface="Cambria Math" panose="02040503050406030204" pitchFamily="18" charset="0"/>
+                              </a:rPr>
+                              <m:t>(</m:t>
+                            </m:r>
+                            <m:r>
+                              <a:rPr lang="en-US" sz="2400" b="0" i="1" smtClean="0">
+                                <a:solidFill>
+                                  <a:srgbClr val="0D55F7"/>
+                                </a:solidFill>
+                                <a:latin typeface="Cambria Math" panose="02040503050406030204" pitchFamily="18" charset="0"/>
+                              </a:rPr>
+                              <m:t>𝑡</m:t>
+                            </m:r>
+                            <m:r>
+                              <a:rPr lang="en-US" sz="2400" b="0" i="1" smtClean="0">
+                                <a:solidFill>
+                                  <a:srgbClr val="0D55F7"/>
+                                </a:solidFill>
+                                <a:latin typeface="Cambria Math" panose="02040503050406030204" pitchFamily="18" charset="0"/>
+                              </a:rPr>
+                              <m:t>)</m:t>
+                            </m:r>
+                          </m:e>
+                        </m:nary>
+                      </m:num>
+                      <m:den>
+                        <m:nary>
+                          <m:naryPr>
+                            <m:chr m:val="∑"/>
+                            <m:limLoc m:val="subSup"/>
+                            <m:supHide m:val="on"/>
+                            <m:ctrlPr>
+                              <a:rPr lang="en-US" sz="2400" i="1">
+                                <a:solidFill>
+                                  <a:srgbClr val="0D55F7"/>
+                                </a:solidFill>
+                                <a:latin typeface="Cambria Math" panose="02040503050406030204" pitchFamily="18" charset="0"/>
+                              </a:rPr>
+                            </m:ctrlPr>
+                          </m:naryPr>
+                          <m:sub>
+                            <m:r>
+                              <m:rPr>
+                                <m:brk m:alnAt="9"/>
+                              </m:rPr>
+                              <a:rPr lang="en-US" sz="2400" i="1">
+                                <a:solidFill>
+                                  <a:srgbClr val="0D55F7"/>
+                                </a:solidFill>
+                                <a:latin typeface="Cambria Math" panose="02040503050406030204" pitchFamily="18" charset="0"/>
+                              </a:rPr>
+                              <m:t>𝑗</m:t>
+                            </m:r>
+                            <m:r>
+                              <a:rPr lang="en-US" sz="2400" i="1">
+                                <a:solidFill>
+                                  <a:srgbClr val="0D55F7"/>
+                                </a:solidFill>
+                                <a:latin typeface="Cambria Math" panose="02040503050406030204" pitchFamily="18" charset="0"/>
+                              </a:rPr>
+                              <m:t>:</m:t>
+                            </m:r>
+                            <m:d>
+                              <m:dPr>
+                                <m:begChr m:val="|"/>
+                                <m:endChr m:val="|"/>
+                                <m:ctrlPr>
+                                  <a:rPr lang="en-US" sz="2400" i="1">
+                                    <a:solidFill>
+                                      <a:srgbClr val="0D55F7"/>
+                                    </a:solidFill>
+                                    <a:latin typeface="Cambria Math" panose="02040503050406030204" pitchFamily="18" charset="0"/>
+                                  </a:rPr>
+                                </m:ctrlPr>
+                              </m:dPr>
+                              <m:e>
+                                <m:sSub>
+                                  <m:sSubPr>
+                                    <m:ctrlPr>
+                                      <a:rPr lang="en-US" sz="2400" i="1">
+                                        <a:solidFill>
+                                          <a:srgbClr val="0D55F7"/>
+                                        </a:solidFill>
+                                        <a:latin typeface="Cambria Math" panose="02040503050406030204" pitchFamily="18" charset="0"/>
+                                      </a:rPr>
+                                    </m:ctrlPr>
+                                  </m:sSubPr>
+                                  <m:e>
+                                    <m:r>
+                                      <a:rPr lang="en-US" sz="2400" i="1">
+                                        <a:solidFill>
+                                          <a:srgbClr val="0D55F7"/>
+                                        </a:solidFill>
+                                        <a:latin typeface="Cambria Math" panose="02040503050406030204" pitchFamily="18" charset="0"/>
+                                      </a:rPr>
+                                      <m:t>𝑥</m:t>
+                                    </m:r>
+                                  </m:e>
+                                  <m:sub>
+                                    <m:r>
+                                      <a:rPr lang="en-US" sz="2400" i="1">
+                                        <a:solidFill>
+                                          <a:srgbClr val="0D55F7"/>
+                                        </a:solidFill>
+                                        <a:latin typeface="Cambria Math" panose="02040503050406030204" pitchFamily="18" charset="0"/>
+                                      </a:rPr>
+                                      <m:t>𝑖</m:t>
+                                    </m:r>
+                                  </m:sub>
+                                </m:sSub>
+                                <m:d>
+                                  <m:dPr>
+                                    <m:ctrlPr>
+                                      <a:rPr lang="en-US" sz="2400" i="1">
+                                        <a:solidFill>
+                                          <a:srgbClr val="0D55F7"/>
+                                        </a:solidFill>
+                                        <a:latin typeface="Cambria Math" panose="02040503050406030204" pitchFamily="18" charset="0"/>
+                                      </a:rPr>
+                                    </m:ctrlPr>
+                                  </m:dPr>
+                                  <m:e>
+                                    <m:r>
+                                      <a:rPr lang="en-US" sz="2400" i="1">
+                                        <a:solidFill>
+                                          <a:srgbClr val="0D55F7"/>
+                                        </a:solidFill>
+                                        <a:latin typeface="Cambria Math" panose="02040503050406030204" pitchFamily="18" charset="0"/>
+                                      </a:rPr>
+                                      <m:t>𝑡</m:t>
+                                    </m:r>
+                                  </m:e>
+                                </m:d>
+                                <m:r>
+                                  <a:rPr lang="en-US" sz="2400" i="1">
+                                    <a:solidFill>
+                                      <a:srgbClr val="0D55F7"/>
+                                    </a:solidFill>
+                                    <a:latin typeface="Cambria Math" panose="02040503050406030204" pitchFamily="18" charset="0"/>
+                                  </a:rPr>
+                                  <m:t>−</m:t>
+                                </m:r>
+                                <m:sSub>
+                                  <m:sSubPr>
+                                    <m:ctrlPr>
+                                      <a:rPr lang="en-US" sz="2400" i="1">
+                                        <a:solidFill>
+                                          <a:srgbClr val="0D55F7"/>
+                                        </a:solidFill>
+                                        <a:latin typeface="Cambria Math" panose="02040503050406030204" pitchFamily="18" charset="0"/>
+                                      </a:rPr>
+                                    </m:ctrlPr>
+                                  </m:sSubPr>
+                                  <m:e>
+                                    <m:r>
+                                      <a:rPr lang="en-US" sz="2400" i="1">
+                                        <a:solidFill>
+                                          <a:srgbClr val="0D55F7"/>
+                                        </a:solidFill>
+                                        <a:latin typeface="Cambria Math" panose="02040503050406030204" pitchFamily="18" charset="0"/>
+                                      </a:rPr>
+                                      <m:t>𝑥</m:t>
+                                    </m:r>
+                                  </m:e>
+                                  <m:sub>
+                                    <m:r>
+                                      <a:rPr lang="en-US" sz="2400" i="1">
+                                        <a:solidFill>
+                                          <a:srgbClr val="0D55F7"/>
+                                        </a:solidFill>
+                                        <a:latin typeface="Cambria Math" panose="02040503050406030204" pitchFamily="18" charset="0"/>
+                                      </a:rPr>
+                                      <m:t>𝑗</m:t>
+                                    </m:r>
+                                  </m:sub>
+                                </m:sSub>
+                                <m:d>
+                                  <m:dPr>
+                                    <m:ctrlPr>
+                                      <a:rPr lang="en-US" sz="2400" i="1">
+                                        <a:solidFill>
+                                          <a:srgbClr val="0D55F7"/>
+                                        </a:solidFill>
+                                        <a:latin typeface="Cambria Math" panose="02040503050406030204" pitchFamily="18" charset="0"/>
+                                      </a:rPr>
+                                    </m:ctrlPr>
+                                  </m:dPr>
+                                  <m:e>
+                                    <m:r>
+                                      <a:rPr lang="en-US" sz="2400" i="1">
+                                        <a:solidFill>
+                                          <a:srgbClr val="0D55F7"/>
+                                        </a:solidFill>
+                                        <a:latin typeface="Cambria Math" panose="02040503050406030204" pitchFamily="18" charset="0"/>
+                                      </a:rPr>
+                                      <m:t>𝑡</m:t>
+                                    </m:r>
+                                  </m:e>
+                                </m:d>
+                              </m:e>
+                            </m:d>
+                            <m:r>
+                              <m:rPr>
+                                <m:brk m:alnAt="9"/>
+                              </m:rPr>
+                              <a:rPr lang="en-US" sz="2400" i="1">
+                                <a:solidFill>
+                                  <a:srgbClr val="0D55F7"/>
+                                </a:solidFill>
+                                <a:latin typeface="Cambria Math" panose="02040503050406030204" pitchFamily="18" charset="0"/>
+                              </a:rPr>
+                              <m:t>&lt;</m:t>
+                            </m:r>
+                            <m:r>
+                              <a:rPr lang="en-US" sz="2400" i="1">
+                                <a:solidFill>
+                                  <a:srgbClr val="0D55F7"/>
+                                </a:solidFill>
+                                <a:latin typeface="Cambria Math" panose="02040503050406030204" pitchFamily="18" charset="0"/>
+                                <a:ea typeface="Cambria Math" panose="02040503050406030204" pitchFamily="18" charset="0"/>
+                              </a:rPr>
+                              <m:t>𝜖</m:t>
+                            </m:r>
+                          </m:sub>
+                          <m:sup/>
+                          <m:e>
+                            <m:sSub>
+                              <m:sSubPr>
+                                <m:ctrlPr>
+                                  <a:rPr lang="en-US" sz="2400" i="1">
+                                    <a:solidFill>
+                                      <a:srgbClr val="0D55F7"/>
+                                    </a:solidFill>
+                                    <a:latin typeface="Cambria Math" panose="02040503050406030204" pitchFamily="18" charset="0"/>
+                                  </a:rPr>
+                                </m:ctrlPr>
+                              </m:sSubPr>
+                              <m:e>
+                                <m:r>
+                                  <a:rPr lang="en-US" sz="2400" i="1">
+                                    <a:solidFill>
+                                      <a:srgbClr val="0D55F7"/>
+                                    </a:solidFill>
+                                    <a:latin typeface="Cambria Math" panose="02040503050406030204" pitchFamily="18" charset="0"/>
+                                  </a:rPr>
+                                  <m:t>𝑎</m:t>
+                                </m:r>
+                              </m:e>
+                              <m:sub>
+                                <m:r>
+                                  <a:rPr lang="en-US" sz="2400" i="1">
+                                    <a:solidFill>
+                                      <a:srgbClr val="0D55F7"/>
+                                    </a:solidFill>
+                                    <a:latin typeface="Cambria Math" panose="02040503050406030204" pitchFamily="18" charset="0"/>
+                                  </a:rPr>
+                                  <m:t>𝑖𝑗</m:t>
+                                </m:r>
+                              </m:sub>
+                            </m:sSub>
+                          </m:e>
+                        </m:nary>
+                      </m:den>
+                    </m:f>
+                  </m:oMath>
+                </a14:m>
+                <a:r>
+                  <a:rPr lang="en-US" sz="2400" dirty="0">
+                    <a:solidFill>
+                      <a:srgbClr val="0D55F7"/>
+                    </a:solidFill>
+                  </a:rPr>
+                  <a:t>,</a:t>
+                </a:r>
+              </a:p>
+              <a:p>
+                <a:r>
+                  <a:rPr lang="en-US" sz="2400" dirty="0">
+                    <a:solidFill>
+                      <a:srgbClr val="0D55F7"/>
+                    </a:solidFill>
+                  </a:rPr>
+                  <a:t>     where </a:t>
+                </a:r>
+                <a14:m>
+                  <m:oMath xmlns:m="http://schemas.openxmlformats.org/officeDocument/2006/math">
+                    <m:sSub>
+                      <m:sSubPr>
+                        <m:ctrlPr>
+                          <a:rPr lang="en-US" sz="2400" i="1" smtClean="0">
+                            <a:solidFill>
+                              <a:srgbClr val="0D55F7"/>
+                            </a:solidFill>
+                            <a:latin typeface="Cambria Math" panose="02040503050406030204" pitchFamily="18" charset="0"/>
+                          </a:rPr>
+                        </m:ctrlPr>
+                      </m:sSubPr>
+                      <m:e>
+                        <m:r>
+                          <a:rPr lang="en-US" sz="2400" b="0" i="1" smtClean="0">
+                            <a:solidFill>
+                              <a:srgbClr val="0D55F7"/>
+                            </a:solidFill>
+                            <a:latin typeface="Cambria Math" panose="02040503050406030204" pitchFamily="18" charset="0"/>
+                          </a:rPr>
+                          <m:t>𝑎</m:t>
+                        </m:r>
+                      </m:e>
+                      <m:sub>
+                        <m:r>
+                          <a:rPr lang="en-US" sz="2400" b="0" i="1" smtClean="0">
+                            <a:solidFill>
+                              <a:srgbClr val="0D55F7"/>
+                            </a:solidFill>
+                            <a:latin typeface="Cambria Math" panose="02040503050406030204" pitchFamily="18" charset="0"/>
+                          </a:rPr>
+                          <m:t>𝑖𝑗</m:t>
+                        </m:r>
+                      </m:sub>
+                    </m:sSub>
+                  </m:oMath>
+                </a14:m>
+                <a:r>
+                  <a:rPr lang="en-US" sz="2400" dirty="0">
+                    <a:solidFill>
+                      <a:srgbClr val="0D55F7"/>
+                    </a:solidFill>
+                  </a:rPr>
+                  <a:t> denotes the connectivity between node </a:t>
+                </a:r>
+                <a14:m>
+                  <m:oMath xmlns:m="http://schemas.openxmlformats.org/officeDocument/2006/math">
+                    <m:r>
+                      <a:rPr lang="en-US" sz="2400" b="0" i="1" smtClean="0">
+                        <a:solidFill>
+                          <a:srgbClr val="0D55F7"/>
+                        </a:solidFill>
+                        <a:latin typeface="Cambria Math" panose="02040503050406030204" pitchFamily="18" charset="0"/>
+                      </a:rPr>
+                      <m:t>𝑖</m:t>
+                    </m:r>
+                  </m:oMath>
+                </a14:m>
+                <a:r>
+                  <a:rPr lang="en-US" sz="2400" dirty="0">
+                    <a:solidFill>
+                      <a:srgbClr val="0D55F7"/>
+                    </a:solidFill>
+                  </a:rPr>
+                  <a:t> and node </a:t>
+                </a:r>
+                <a14:m>
+                  <m:oMath xmlns:m="http://schemas.openxmlformats.org/officeDocument/2006/math">
+                    <m:r>
+                      <a:rPr lang="en-US" sz="2400" i="1" dirty="0" smtClean="0">
+                        <a:solidFill>
+                          <a:srgbClr val="0D55F7"/>
+                        </a:solidFill>
+                        <a:latin typeface="Cambria Math" panose="02040503050406030204" pitchFamily="18" charset="0"/>
+                      </a:rPr>
+                      <m:t>𝑗</m:t>
+                    </m:r>
+                    <m:r>
+                      <a:rPr lang="en-US" sz="2400" b="0" i="1" dirty="0" smtClean="0">
+                        <a:solidFill>
+                          <a:srgbClr val="0D55F7"/>
+                        </a:solidFill>
+                        <a:latin typeface="Cambria Math" panose="02040503050406030204" pitchFamily="18" charset="0"/>
+                      </a:rPr>
+                      <m:t>.</m:t>
+                    </m:r>
+                  </m:oMath>
+                </a14:m>
+                <a:endParaRPr lang="en-US" sz="2400" dirty="0">
+                  <a:solidFill>
+                    <a:srgbClr val="0D55F7"/>
+                  </a:solidFill>
+                </a:endParaRPr>
+              </a:p>
+            </p:txBody>
+          </p:sp>
+        </mc:Choice>
+        <mc:Fallback>
+          <p:sp>
+            <p:nvSpPr>
+              <p:cNvPr id="4" name="TextBox 3">
+                <a:extLst>
+                  <a:ext uri="{FF2B5EF4-FFF2-40B4-BE49-F238E27FC236}">
+                    <a16:creationId xmlns:a16="http://schemas.microsoft.com/office/drawing/2014/main" id="{93ACE18E-354C-4AF3-9F1D-AA93039449EA}"/>
+                  </a:ext>
+                </a:extLst>
+              </p:cNvPr>
+              <p:cNvSpPr txBox="1">
+                <a:spLocks noRot="1" noChangeAspect="1" noMove="1" noResize="1" noEditPoints="1" noAdjustHandles="1" noChangeArrowheads="1" noChangeShapeType="1" noTextEdit="1"/>
+              </p:cNvSpPr>
+              <p:nvPr/>
+            </p:nvSpPr>
+            <p:spPr>
+              <a:xfrm>
+                <a:off x="1039874" y="1094825"/>
+                <a:ext cx="10112251" cy="4555799"/>
+              </a:xfrm>
+              <a:prstGeom prst="rect">
+                <a:avLst/>
+              </a:prstGeom>
+              <a:blipFill>
+                <a:blip r:embed="rId2"/>
+                <a:stretch>
+                  <a:fillRect l="-844" b="-1606"/>
+                </a:stretch>
+              </a:blipFill>
+            </p:spPr>
+            <p:txBody>
+              <a:bodyPr/>
+              <a:lstStyle/>
+              <a:p>
+                <a:r>
+                  <a:rPr lang="en-US">
+                    <a:noFill/>
+                  </a:rPr>
+                  <a:t> </a:t>
+                </a:r>
+              </a:p>
+            </p:txBody>
+          </p:sp>
+        </mc:Fallback>
+      </mc:AlternateContent>
+      <p:sp>
+        <p:nvSpPr>
+          <p:cNvPr id="3" name="Title 1">
+            <a:extLst>
+              <a:ext uri="{FF2B5EF4-FFF2-40B4-BE49-F238E27FC236}">
+                <a16:creationId xmlns:a16="http://schemas.microsoft.com/office/drawing/2014/main" id="{D49DBE79-C6FF-4BCB-9EF0-024E917A1224}"/>
+              </a:ext>
+            </a:extLst>
+          </p:cNvPr>
+          <p:cNvSpPr>
+            <a:spLocks noGrp="1"/>
+          </p:cNvSpPr>
+          <p:nvPr>
+            <p:ph type="title"/>
+          </p:nvPr>
+        </p:nvSpPr>
+        <p:spPr>
+          <a:xfrm>
+            <a:off x="112295" y="106488"/>
+            <a:ext cx="10515600" cy="751766"/>
+          </a:xfrm>
+        </p:spPr>
+        <p:txBody>
+          <a:bodyPr>
+            <a:normAutofit/>
+          </a:bodyPr>
+          <a:lstStyle/>
+          <a:p>
+            <a:r>
+              <a:rPr lang="en-US" altLang="zh-CN" sz="2400" dirty="0">
+                <a:solidFill>
+                  <a:srgbClr val="0D55F7"/>
+                </a:solidFill>
+              </a:rPr>
+              <a:t>The </a:t>
+            </a:r>
+            <a:r>
+              <a:rPr lang="en-US" altLang="zh-CN" sz="2400" dirty="0" err="1">
+                <a:solidFill>
+                  <a:srgbClr val="0D55F7"/>
+                </a:solidFill>
+              </a:rPr>
+              <a:t>Hegselmann</a:t>
+            </a:r>
+            <a:r>
+              <a:rPr lang="en-US" altLang="zh-CN" sz="2400" dirty="0">
+                <a:solidFill>
+                  <a:srgbClr val="0D55F7"/>
+                </a:solidFill>
+              </a:rPr>
+              <a:t>-Krause Model</a:t>
+            </a:r>
+            <a:endParaRPr lang="en-US" sz="2400" dirty="0">
+              <a:solidFill>
+                <a:srgbClr val="0D55F7"/>
+              </a:solidFill>
+            </a:endParaRPr>
+          </a:p>
+        </p:txBody>
+      </p:sp>
+    </p:spTree>
+    <p:extLst>
+      <p:ext uri="{BB962C8B-B14F-4D97-AF65-F5344CB8AC3E}">
+        <p14:creationId xmlns:p14="http://schemas.microsoft.com/office/powerpoint/2010/main" val="1850829413"/>
+      </p:ext>
+    </p:extLst>
+  </p:cSld>
+  <p:clrMapOvr>
+    <a:masterClrMapping/>
+  </p:clrMapOvr>
+</p:sld>
+</file>
+
+<file path=ppt/slides/slide26.xml><?xml version="1.0" encoding="utf-8"?>
+<p:sld xmlns:a="http://schemas.openxmlformats.org/drawingml/2006/main" xmlns:r="http://schemas.openxmlformats.org/officeDocument/2006/relationships" xmlns:p="http://schemas.openxmlformats.org/presentationml/2006/main">
+  <p:cSld>
+    <p:spTree>
+      <p:nvGrpSpPr>
+        <p:cNvPr id="1" name=""/>
+        <p:cNvGrpSpPr/>
+        <p:nvPr/>
+      </p:nvGrpSpPr>
+      <p:grpSpPr>
+        <a:xfrm>
+          <a:off x="0" y="0"/>
+          <a:ext cx="0" cy="0"/>
+          <a:chOff x="0" y="0"/>
+          <a:chExt cx="0" cy="0"/>
+        </a:xfrm>
+      </p:grpSpPr>
+      <mc:AlternateContent xmlns:mc="http://schemas.openxmlformats.org/markup-compatibility/2006">
+        <mc:Choice xmlns:a14="http://schemas.microsoft.com/office/drawing/2010/main" Requires="a14">
+          <p:sp>
+            <p:nvSpPr>
+              <p:cNvPr id="4" name="TextBox 3">
+                <a:extLst>
+                  <a:ext uri="{FF2B5EF4-FFF2-40B4-BE49-F238E27FC236}">
+                    <a16:creationId xmlns:a16="http://schemas.microsoft.com/office/drawing/2014/main" id="{93ACE18E-354C-4AF3-9F1D-AA93039449EA}"/>
+                  </a:ext>
+                </a:extLst>
+              </p:cNvPr>
+              <p:cNvSpPr txBox="1"/>
+              <p:nvPr/>
+            </p:nvSpPr>
+            <p:spPr>
+              <a:xfrm>
+                <a:off x="1039874" y="1410883"/>
+                <a:ext cx="10320853" cy="2805063"/>
+              </a:xfrm>
+              <a:prstGeom prst="rect">
+                <a:avLst/>
+              </a:prstGeom>
+              <a:noFill/>
+            </p:spPr>
+            <p:txBody>
+              <a:bodyPr wrap="square" rtlCol="0">
+                <a:spAutoFit/>
+              </a:bodyPr>
+              <a:lstStyle/>
+              <a:p>
+                <a:pPr marL="342900" indent="-342900" algn="just">
+                  <a:lnSpc>
+                    <a:spcPct val="150000"/>
+                  </a:lnSpc>
+                  <a:buFont typeface="Wingdings" panose="05000000000000000000" pitchFamily="2" charset="2"/>
+                  <a:buChar char="§"/>
+                </a:pPr>
+                <a:r>
+                  <a:rPr lang="en-US" sz="2400" dirty="0">
+                    <a:solidFill>
+                      <a:srgbClr val="0D55F7"/>
+                    </a:solidFill>
+                  </a:rPr>
+                  <a:t>So, agent </a:t>
+                </a:r>
+                <a14:m>
+                  <m:oMath xmlns:m="http://schemas.openxmlformats.org/officeDocument/2006/math">
+                    <m:r>
+                      <a:rPr lang="en-US" sz="2400" i="1" dirty="0" smtClean="0">
+                        <a:solidFill>
+                          <a:srgbClr val="0D55F7"/>
+                        </a:solidFill>
+                        <a:latin typeface="Cambria Math" panose="02040503050406030204" pitchFamily="18" charset="0"/>
+                      </a:rPr>
+                      <m:t>𝑖</m:t>
+                    </m:r>
+                  </m:oMath>
+                </a14:m>
+                <a:r>
+                  <a:rPr lang="en-US" sz="2400" dirty="0">
+                    <a:solidFill>
+                      <a:srgbClr val="0D55F7"/>
+                    </a:solidFill>
+                  </a:rPr>
+                  <a:t> takes the average opinion of its compatible </a:t>
+                </a:r>
+                <a:r>
+                  <a:rPr lang="en-US" sz="2400" dirty="0" err="1">
+                    <a:solidFill>
+                      <a:srgbClr val="0D55F7"/>
+                    </a:solidFill>
+                  </a:rPr>
+                  <a:t>neighbours</a:t>
+                </a:r>
+                <a:r>
+                  <a:rPr lang="en-US" sz="2400" dirty="0">
+                    <a:solidFill>
+                      <a:srgbClr val="0D55F7"/>
+                    </a:solidFill>
+                  </a:rPr>
+                  <a:t>. </a:t>
+                </a:r>
+              </a:p>
+              <a:p>
+                <a:pPr marL="342900" indent="-342900" algn="just">
+                  <a:lnSpc>
+                    <a:spcPct val="150000"/>
+                  </a:lnSpc>
+                  <a:buFont typeface="Wingdings" panose="05000000000000000000" pitchFamily="2" charset="2"/>
+                  <a:buChar char="§"/>
+                </a:pPr>
+                <a:endParaRPr lang="en-US" sz="2400" dirty="0">
+                  <a:solidFill>
+                    <a:srgbClr val="0D55F7"/>
+                  </a:solidFill>
+                </a:endParaRPr>
+              </a:p>
+              <a:p>
+                <a:pPr marL="342900" indent="-342900" algn="just">
+                  <a:lnSpc>
+                    <a:spcPct val="150000"/>
+                  </a:lnSpc>
+                  <a:buFont typeface="Wingdings" panose="05000000000000000000" pitchFamily="2" charset="2"/>
+                  <a:buChar char="§"/>
+                </a:pPr>
+                <a:r>
+                  <a:rPr lang="en-US" altLang="zh-CN" sz="2400" dirty="0">
+                    <a:solidFill>
+                      <a:srgbClr val="0D55F7"/>
+                    </a:solidFill>
+                  </a:rPr>
+                  <a:t>The </a:t>
+                </a:r>
+                <a:r>
+                  <a:rPr lang="en-US" altLang="zh-CN" sz="2400" dirty="0" err="1">
+                    <a:solidFill>
+                      <a:srgbClr val="0D55F7"/>
+                    </a:solidFill>
+                  </a:rPr>
+                  <a:t>Hegselmann</a:t>
+                </a:r>
+                <a:r>
+                  <a:rPr lang="en-US" altLang="zh-CN" sz="2400" dirty="0">
+                    <a:solidFill>
+                      <a:srgbClr val="0D55F7"/>
+                    </a:solidFill>
+                  </a:rPr>
+                  <a:t>-Krause </a:t>
+                </a:r>
+                <a:r>
+                  <a:rPr lang="en-US" sz="2400" dirty="0">
+                    <a:solidFill>
+                      <a:srgbClr val="0D55F7"/>
+                    </a:solidFill>
+                  </a:rPr>
+                  <a:t>model is more suitable to model situations like formal meetings, where interaction appears in large groups, while </a:t>
+                </a:r>
+                <a:r>
+                  <a:rPr lang="en-US" sz="2400" dirty="0" err="1">
+                    <a:solidFill>
+                      <a:srgbClr val="0D55F7"/>
+                    </a:solidFill>
+                  </a:rPr>
+                  <a:t>Deffuant</a:t>
+                </a:r>
+                <a:r>
+                  <a:rPr lang="en-US" sz="2400" dirty="0">
+                    <a:solidFill>
+                      <a:srgbClr val="0D55F7"/>
+                    </a:solidFill>
+                  </a:rPr>
+                  <a:t> is better suited for pairwise interaction within large populations.</a:t>
+                </a:r>
+                <a:endParaRPr lang="en-US" sz="1400" dirty="0">
+                  <a:solidFill>
+                    <a:srgbClr val="0D55F7"/>
+                  </a:solidFill>
+                </a:endParaRPr>
+              </a:p>
+            </p:txBody>
+          </p:sp>
+        </mc:Choice>
+        <mc:Fallback>
+          <p:sp>
+            <p:nvSpPr>
+              <p:cNvPr id="4" name="TextBox 3">
+                <a:extLst>
+                  <a:ext uri="{FF2B5EF4-FFF2-40B4-BE49-F238E27FC236}">
+                    <a16:creationId xmlns:a16="http://schemas.microsoft.com/office/drawing/2014/main" id="{93ACE18E-354C-4AF3-9F1D-AA93039449EA}"/>
+                  </a:ext>
+                </a:extLst>
+              </p:cNvPr>
+              <p:cNvSpPr txBox="1">
+                <a:spLocks noRot="1" noChangeAspect="1" noMove="1" noResize="1" noEditPoints="1" noAdjustHandles="1" noChangeArrowheads="1" noChangeShapeType="1" noTextEdit="1"/>
+              </p:cNvSpPr>
+              <p:nvPr/>
+            </p:nvSpPr>
+            <p:spPr>
+              <a:xfrm>
+                <a:off x="1039874" y="1410883"/>
+                <a:ext cx="10320853" cy="2805063"/>
+              </a:xfrm>
+              <a:prstGeom prst="rect">
+                <a:avLst/>
+              </a:prstGeom>
+              <a:blipFill>
+                <a:blip r:embed="rId2"/>
+                <a:stretch>
+                  <a:fillRect l="-827" r="-886" b="-3905"/>
+                </a:stretch>
+              </a:blipFill>
+            </p:spPr>
+            <p:txBody>
+              <a:bodyPr/>
+              <a:lstStyle/>
+              <a:p>
+                <a:r>
+                  <a:rPr lang="en-US">
+                    <a:noFill/>
+                  </a:rPr>
+                  <a:t> </a:t>
+                </a:r>
+              </a:p>
+            </p:txBody>
+          </p:sp>
+        </mc:Fallback>
+      </mc:AlternateContent>
+      <p:sp>
+        <p:nvSpPr>
+          <p:cNvPr id="3" name="Title 1">
+            <a:extLst>
+              <a:ext uri="{FF2B5EF4-FFF2-40B4-BE49-F238E27FC236}">
+                <a16:creationId xmlns:a16="http://schemas.microsoft.com/office/drawing/2014/main" id="{D49DBE79-C6FF-4BCB-9EF0-024E917A1224}"/>
+              </a:ext>
+            </a:extLst>
+          </p:cNvPr>
+          <p:cNvSpPr>
+            <a:spLocks noGrp="1"/>
+          </p:cNvSpPr>
+          <p:nvPr>
+            <p:ph type="title"/>
+          </p:nvPr>
+        </p:nvSpPr>
+        <p:spPr>
+          <a:xfrm>
+            <a:off x="112295" y="106488"/>
+            <a:ext cx="10515600" cy="751766"/>
+          </a:xfrm>
+        </p:spPr>
+        <p:txBody>
+          <a:bodyPr>
+            <a:normAutofit/>
+          </a:bodyPr>
+          <a:lstStyle/>
+          <a:p>
+            <a:r>
+              <a:rPr lang="en-US" altLang="zh-CN" sz="2400" dirty="0">
+                <a:solidFill>
+                  <a:srgbClr val="0D55F7"/>
+                </a:solidFill>
+              </a:rPr>
+              <a:t>The </a:t>
+            </a:r>
+            <a:r>
+              <a:rPr lang="en-US" altLang="zh-CN" sz="2400" dirty="0" err="1">
+                <a:solidFill>
+                  <a:srgbClr val="0D55F7"/>
+                </a:solidFill>
+              </a:rPr>
+              <a:t>Hegselmann</a:t>
+            </a:r>
+            <a:r>
+              <a:rPr lang="en-US" altLang="zh-CN" sz="2400" dirty="0">
+                <a:solidFill>
+                  <a:srgbClr val="0D55F7"/>
+                </a:solidFill>
+              </a:rPr>
+              <a:t>-Krause Model</a:t>
+            </a:r>
+            <a:endParaRPr lang="en-US" sz="2400" dirty="0">
+              <a:solidFill>
+                <a:srgbClr val="0D55F7"/>
+              </a:solidFill>
+            </a:endParaRPr>
+          </a:p>
+        </p:txBody>
+      </p:sp>
+    </p:spTree>
+    <p:extLst>
+      <p:ext uri="{BB962C8B-B14F-4D97-AF65-F5344CB8AC3E}">
+        <p14:creationId xmlns:p14="http://schemas.microsoft.com/office/powerpoint/2010/main" val="3903414496"/>
+      </p:ext>
+    </p:extLst>
+  </p:cSld>
+  <p:clrMapOvr>
+    <a:masterClrMapping/>
+  </p:clrMapOvr>
+</p:sld>
+</file>
+
+<file path=ppt/slides/slide27.xml><?xml version="1.0" encoding="utf-8"?>
+<p:sld xmlns:a="http://schemas.openxmlformats.org/drawingml/2006/main" xmlns:r="http://schemas.openxmlformats.org/officeDocument/2006/relationships" xmlns:p="http://schemas.openxmlformats.org/presentationml/2006/main">
+  <p:cSld>
+    <p:spTree>
+      <p:nvGrpSpPr>
+        <p:cNvPr id="1" name=""/>
+        <p:cNvGrpSpPr/>
+        <p:nvPr/>
+      </p:nvGrpSpPr>
+      <p:grpSpPr>
+        <a:xfrm>
+          <a:off x="0" y="0"/>
+          <a:ext cx="0" cy="0"/>
+          <a:chOff x="0" y="0"/>
+          <a:chExt cx="0" cy="0"/>
+        </a:xfrm>
+      </p:grpSpPr>
+      <mc:AlternateContent xmlns:mc="http://schemas.openxmlformats.org/markup-compatibility/2006">
+        <mc:Choice xmlns:a14="http://schemas.microsoft.com/office/drawing/2010/main" Requires="a14">
+          <p:sp>
+            <p:nvSpPr>
+              <p:cNvPr id="4" name="TextBox 3">
+                <a:extLst>
+                  <a:ext uri="{FF2B5EF4-FFF2-40B4-BE49-F238E27FC236}">
+                    <a16:creationId xmlns:a16="http://schemas.microsoft.com/office/drawing/2014/main" id="{93ACE18E-354C-4AF3-9F1D-AA93039449EA}"/>
+                  </a:ext>
+                </a:extLst>
+              </p:cNvPr>
+              <p:cNvSpPr txBox="1"/>
+              <p:nvPr/>
+            </p:nvSpPr>
+            <p:spPr>
+              <a:xfrm>
+                <a:off x="1039874" y="1410883"/>
+                <a:ext cx="10320853" cy="2943563"/>
+              </a:xfrm>
+              <a:prstGeom prst="rect">
+                <a:avLst/>
+              </a:prstGeom>
+              <a:noFill/>
+            </p:spPr>
+            <p:txBody>
+              <a:bodyPr wrap="square" rtlCol="0">
+                <a:spAutoFit/>
+              </a:bodyPr>
+              <a:lstStyle/>
+              <a:p>
+                <a:pPr marL="342900" indent="-342900" algn="just">
+                  <a:lnSpc>
+                    <a:spcPct val="200000"/>
+                  </a:lnSpc>
+                  <a:buFont typeface="Wingdings" panose="05000000000000000000" pitchFamily="2" charset="2"/>
+                  <a:buChar char="§"/>
+                </a:pPr>
+                <a:r>
+                  <a:rPr lang="en-US" sz="2400" dirty="0">
+                    <a:solidFill>
+                      <a:srgbClr val="0D55F7"/>
+                    </a:solidFill>
+                  </a:rPr>
+                  <a:t>Recent Extensions:</a:t>
+                </a:r>
+              </a:p>
+              <a:p>
+                <a:pPr marL="800100" lvl="1" indent="-342900" algn="just">
+                  <a:lnSpc>
+                    <a:spcPct val="200000"/>
+                  </a:lnSpc>
+                  <a:buFont typeface="Wingdings" panose="05000000000000000000" pitchFamily="2" charset="2"/>
+                  <a:buChar char="§"/>
+                </a:pPr>
+                <a:r>
+                  <a:rPr lang="en-US" sz="2400" dirty="0">
+                    <a:solidFill>
+                      <a:srgbClr val="0D55F7"/>
+                    </a:solidFill>
+                  </a:rPr>
+                  <a:t>With heterogeneous bounds (bounds </a:t>
+                </a:r>
+                <a14:m>
+                  <m:oMath xmlns:m="http://schemas.openxmlformats.org/officeDocument/2006/math">
+                    <m:r>
+                      <a:rPr lang="en-US" sz="2400" i="1" smtClean="0">
+                        <a:solidFill>
+                          <a:srgbClr val="0D55F7"/>
+                        </a:solidFill>
+                        <a:latin typeface="Cambria Math" panose="02040503050406030204" pitchFamily="18" charset="0"/>
+                        <a:ea typeface="Cambria Math" panose="02040503050406030204" pitchFamily="18" charset="0"/>
+                      </a:rPr>
+                      <m:t>𝜖</m:t>
+                    </m:r>
+                  </m:oMath>
+                </a14:m>
+                <a:r>
+                  <a:rPr lang="en-US" sz="2400" dirty="0">
+                    <a:solidFill>
+                      <a:srgbClr val="0D55F7"/>
+                    </a:solidFill>
+                  </a:rPr>
+                  <a:t> are different for different agents).</a:t>
+                </a:r>
+              </a:p>
+              <a:p>
+                <a:pPr marL="800100" lvl="1" indent="-342900" algn="just">
+                  <a:lnSpc>
+                    <a:spcPct val="200000"/>
+                  </a:lnSpc>
+                  <a:buFont typeface="Wingdings" panose="05000000000000000000" pitchFamily="2" charset="2"/>
+                  <a:buChar char="§"/>
+                </a:pPr>
+                <a:r>
+                  <a:rPr lang="en-US" sz="2400" dirty="0">
+                    <a:solidFill>
+                      <a:srgbClr val="0D55F7"/>
+                    </a:solidFill>
+                  </a:rPr>
+                  <a:t>With bounded influence instead of bounded confidence.</a:t>
+                </a:r>
+              </a:p>
+              <a:p>
+                <a:pPr marL="342900" indent="-342900" algn="just">
+                  <a:lnSpc>
+                    <a:spcPct val="200000"/>
+                  </a:lnSpc>
+                  <a:buFont typeface="Wingdings" panose="05000000000000000000" pitchFamily="2" charset="2"/>
+                  <a:buChar char="§"/>
+                </a:pPr>
+                <a:endParaRPr lang="en-US" sz="2400" dirty="0">
+                  <a:solidFill>
+                    <a:srgbClr val="0D55F7"/>
+                  </a:solidFill>
+                </a:endParaRPr>
+              </a:p>
+            </p:txBody>
+          </p:sp>
+        </mc:Choice>
+        <mc:Fallback>
+          <p:sp>
+            <p:nvSpPr>
+              <p:cNvPr id="4" name="TextBox 3">
+                <a:extLst>
+                  <a:ext uri="{FF2B5EF4-FFF2-40B4-BE49-F238E27FC236}">
+                    <a16:creationId xmlns:a16="http://schemas.microsoft.com/office/drawing/2014/main" id="{93ACE18E-354C-4AF3-9F1D-AA93039449EA}"/>
+                  </a:ext>
+                </a:extLst>
+              </p:cNvPr>
+              <p:cNvSpPr txBox="1">
+                <a:spLocks noRot="1" noChangeAspect="1" noMove="1" noResize="1" noEditPoints="1" noAdjustHandles="1" noChangeArrowheads="1" noChangeShapeType="1" noTextEdit="1"/>
+              </p:cNvSpPr>
+              <p:nvPr/>
+            </p:nvSpPr>
+            <p:spPr>
+              <a:xfrm>
+                <a:off x="1039874" y="1410883"/>
+                <a:ext cx="10320853" cy="2943563"/>
+              </a:xfrm>
+              <a:prstGeom prst="rect">
+                <a:avLst/>
+              </a:prstGeom>
+              <a:blipFill>
+                <a:blip r:embed="rId2"/>
+                <a:stretch>
+                  <a:fillRect l="-827"/>
+                </a:stretch>
+              </a:blipFill>
+            </p:spPr>
+            <p:txBody>
+              <a:bodyPr/>
+              <a:lstStyle/>
+              <a:p>
+                <a:r>
+                  <a:rPr lang="en-US">
+                    <a:noFill/>
+                  </a:rPr>
+                  <a:t> </a:t>
+                </a:r>
+              </a:p>
+            </p:txBody>
+          </p:sp>
+        </mc:Fallback>
+      </mc:AlternateContent>
+      <p:sp>
+        <p:nvSpPr>
+          <p:cNvPr id="3" name="Title 1">
+            <a:extLst>
+              <a:ext uri="{FF2B5EF4-FFF2-40B4-BE49-F238E27FC236}">
+                <a16:creationId xmlns:a16="http://schemas.microsoft.com/office/drawing/2014/main" id="{D49DBE79-C6FF-4BCB-9EF0-024E917A1224}"/>
+              </a:ext>
+            </a:extLst>
+          </p:cNvPr>
+          <p:cNvSpPr>
+            <a:spLocks noGrp="1"/>
+          </p:cNvSpPr>
+          <p:nvPr>
+            <p:ph type="title"/>
+          </p:nvPr>
+        </p:nvSpPr>
+        <p:spPr>
+          <a:xfrm>
+            <a:off x="112295" y="106488"/>
+            <a:ext cx="10515600" cy="751766"/>
+          </a:xfrm>
+        </p:spPr>
+        <p:txBody>
+          <a:bodyPr>
+            <a:normAutofit/>
+          </a:bodyPr>
+          <a:lstStyle/>
+          <a:p>
+            <a:r>
+              <a:rPr lang="en-US" altLang="zh-CN" sz="2400" dirty="0">
+                <a:solidFill>
+                  <a:srgbClr val="0D55F7"/>
+                </a:solidFill>
+              </a:rPr>
+              <a:t>The </a:t>
+            </a:r>
+            <a:r>
+              <a:rPr lang="en-US" altLang="zh-CN" sz="2400" dirty="0" err="1">
+                <a:solidFill>
+                  <a:srgbClr val="0D55F7"/>
+                </a:solidFill>
+              </a:rPr>
+              <a:t>Hegselmann</a:t>
+            </a:r>
+            <a:r>
+              <a:rPr lang="en-US" altLang="zh-CN" sz="2400" dirty="0">
+                <a:solidFill>
+                  <a:srgbClr val="0D55F7"/>
+                </a:solidFill>
+              </a:rPr>
+              <a:t>-Krause Model</a:t>
+            </a:r>
+            <a:endParaRPr lang="en-US" sz="2400" dirty="0">
+              <a:solidFill>
+                <a:srgbClr val="0D55F7"/>
+              </a:solidFill>
+            </a:endParaRPr>
+          </a:p>
+        </p:txBody>
+      </p:sp>
+    </p:spTree>
+    <p:extLst>
+      <p:ext uri="{BB962C8B-B14F-4D97-AF65-F5344CB8AC3E}">
+        <p14:creationId xmlns:p14="http://schemas.microsoft.com/office/powerpoint/2010/main" val="3385036905"/>
+      </p:ext>
+    </p:extLst>
+  </p:cSld>
+  <p:clrMapOvr>
+    <a:masterClrMapping/>
+  </p:clrMapOvr>
+</p:sld>
+</file>
+
+<file path=ppt/slides/slide28.xml><?xml version="1.0" encoding="utf-8"?>
+<p:sld xmlns:a="http://schemas.openxmlformats.org/drawingml/2006/main" xmlns:r="http://schemas.openxmlformats.org/officeDocument/2006/relationships" xmlns:p="http://schemas.openxmlformats.org/presentationml/2006/main">
+  <p:cSld>
+    <p:spTree>
+      <p:nvGrpSpPr>
+        <p:cNvPr id="1" name=""/>
+        <p:cNvGrpSpPr/>
+        <p:nvPr/>
+      </p:nvGrpSpPr>
+      <p:grpSpPr>
+        <a:xfrm>
+          <a:off x="0" y="0"/>
+          <a:ext cx="0" cy="0"/>
+          <a:chOff x="0" y="0"/>
+          <a:chExt cx="0" cy="0"/>
+        </a:xfrm>
+      </p:grpSpPr>
+      <p:sp>
+        <p:nvSpPr>
+          <p:cNvPr id="2" name="Title 1">
+            <a:extLst>
+              <a:ext uri="{FF2B5EF4-FFF2-40B4-BE49-F238E27FC236}">
+                <a16:creationId xmlns:a16="http://schemas.microsoft.com/office/drawing/2014/main" id="{64C14DFB-3155-44BE-B017-B0CB2B0C928B}"/>
+              </a:ext>
+            </a:extLst>
+          </p:cNvPr>
+          <p:cNvSpPr>
+            <a:spLocks noGrp="1"/>
+          </p:cNvSpPr>
+          <p:nvPr>
+            <p:ph type="title"/>
+          </p:nvPr>
+        </p:nvSpPr>
+        <p:spPr>
+          <a:xfrm>
+            <a:off x="112295" y="106488"/>
+            <a:ext cx="10515600" cy="751766"/>
+          </a:xfrm>
+        </p:spPr>
+        <p:txBody>
+          <a:bodyPr>
+            <a:normAutofit/>
+          </a:bodyPr>
+          <a:lstStyle/>
+          <a:p>
+            <a:r>
+              <a:rPr lang="en-US" altLang="zh-CN" sz="2800" dirty="0">
+                <a:solidFill>
+                  <a:srgbClr val="0D55F7"/>
+                </a:solidFill>
+              </a:rPr>
+              <a:t>Assignment</a:t>
+            </a:r>
+            <a:endParaRPr lang="en-US" sz="2800" dirty="0">
+              <a:solidFill>
+                <a:srgbClr val="0D55F7"/>
+              </a:solidFill>
+            </a:endParaRPr>
+          </a:p>
+        </p:txBody>
+      </p:sp>
+      <p:sp>
+        <p:nvSpPr>
+          <p:cNvPr id="4" name="TextBox 3">
+            <a:extLst>
+              <a:ext uri="{FF2B5EF4-FFF2-40B4-BE49-F238E27FC236}">
+                <a16:creationId xmlns:a16="http://schemas.microsoft.com/office/drawing/2014/main" id="{93ACE18E-354C-4AF3-9F1D-AA93039449EA}"/>
+              </a:ext>
+            </a:extLst>
+          </p:cNvPr>
+          <p:cNvSpPr txBox="1"/>
+          <p:nvPr/>
+        </p:nvSpPr>
+        <p:spPr>
+          <a:xfrm>
+            <a:off x="827712" y="1141948"/>
+            <a:ext cx="11145213" cy="4845942"/>
+          </a:xfrm>
+          <a:prstGeom prst="rect">
+            <a:avLst/>
+          </a:prstGeom>
+          <a:noFill/>
+        </p:spPr>
+        <p:txBody>
+          <a:bodyPr wrap="square" rtlCol="0">
+            <a:spAutoFit/>
+          </a:bodyPr>
+          <a:lstStyle/>
+          <a:p>
+            <a:pPr>
+              <a:lnSpc>
+                <a:spcPct val="150000"/>
+              </a:lnSpc>
+            </a:pPr>
+            <a:r>
+              <a:rPr lang="en-US" sz="2400" dirty="0">
+                <a:solidFill>
+                  <a:srgbClr val="0D55F7"/>
+                </a:solidFill>
+              </a:rPr>
+              <a:t>Write a report on CODA model: </a:t>
+            </a:r>
+          </a:p>
+          <a:p>
+            <a:pPr>
+              <a:lnSpc>
+                <a:spcPct val="150000"/>
+              </a:lnSpc>
+            </a:pPr>
+            <a:endParaRPr lang="en-US" sz="1400" dirty="0">
+              <a:solidFill>
+                <a:srgbClr val="0D55F7"/>
+              </a:solidFill>
+            </a:endParaRPr>
+          </a:p>
+          <a:p>
+            <a:pPr marL="457200" indent="-457200">
+              <a:lnSpc>
+                <a:spcPct val="150000"/>
+              </a:lnSpc>
+              <a:buFont typeface="Arial" panose="020B0604020202020204" pitchFamily="34" charset="0"/>
+              <a:buChar char="•"/>
+            </a:pPr>
+            <a:r>
+              <a:rPr lang="en-US" sz="2000" dirty="0">
+                <a:solidFill>
+                  <a:srgbClr val="0D55F7"/>
+                </a:solidFill>
+              </a:rPr>
+              <a:t>Search for relevant documents describing Continuous Opinions and Discrete Actions (CODA) model;</a:t>
+            </a:r>
+          </a:p>
+          <a:p>
+            <a:pPr marL="457200" indent="-457200">
+              <a:lnSpc>
+                <a:spcPct val="150000"/>
+              </a:lnSpc>
+              <a:buFont typeface="Arial" panose="020B0604020202020204" pitchFamily="34" charset="0"/>
+              <a:buChar char="•"/>
+            </a:pPr>
+            <a:r>
+              <a:rPr lang="en-US" sz="2000" dirty="0">
+                <a:solidFill>
+                  <a:srgbClr val="0D55F7"/>
+                </a:solidFill>
+              </a:rPr>
+              <a:t>Answer the following questions:</a:t>
+            </a:r>
+          </a:p>
+          <a:p>
+            <a:pPr marL="914400" lvl="1" indent="-457200">
+              <a:lnSpc>
+                <a:spcPct val="150000"/>
+              </a:lnSpc>
+              <a:buFont typeface="Arial" panose="020B0604020202020204" pitchFamily="34" charset="0"/>
+              <a:buChar char="•"/>
+            </a:pPr>
+            <a:r>
+              <a:rPr lang="en-US" sz="2000" dirty="0">
+                <a:solidFill>
+                  <a:srgbClr val="0D55F7"/>
+                </a:solidFill>
+              </a:rPr>
+              <a:t>What characterize the origin CODA model?</a:t>
+            </a:r>
+          </a:p>
+          <a:p>
+            <a:pPr marL="914400" lvl="1" indent="-457200">
+              <a:lnSpc>
+                <a:spcPct val="150000"/>
+              </a:lnSpc>
+              <a:buFont typeface="Arial" panose="020B0604020202020204" pitchFamily="34" charset="0"/>
+              <a:buChar char="•"/>
+            </a:pPr>
+            <a:r>
+              <a:rPr lang="en-US" sz="2000" dirty="0">
+                <a:solidFill>
+                  <a:srgbClr val="0D55F7"/>
+                </a:solidFill>
+              </a:rPr>
+              <a:t>Why is CODA a hybrid model?</a:t>
+            </a:r>
+          </a:p>
+          <a:p>
+            <a:pPr marL="914400" lvl="1" indent="-457200">
+              <a:lnSpc>
+                <a:spcPct val="150000"/>
+              </a:lnSpc>
+              <a:buFont typeface="Arial" panose="020B0604020202020204" pitchFamily="34" charset="0"/>
+              <a:buChar char="•"/>
+            </a:pPr>
+            <a:r>
+              <a:rPr lang="en-US" sz="2000" dirty="0">
+                <a:solidFill>
+                  <a:srgbClr val="0D55F7"/>
+                </a:solidFill>
+              </a:rPr>
+              <a:t>How to update opinions?</a:t>
+            </a:r>
+          </a:p>
+          <a:p>
+            <a:pPr marL="914400" lvl="1" indent="-457200">
+              <a:lnSpc>
+                <a:spcPct val="150000"/>
+              </a:lnSpc>
+              <a:buFont typeface="Arial" panose="020B0604020202020204" pitchFamily="34" charset="0"/>
+              <a:buChar char="•"/>
+            </a:pPr>
+            <a:r>
+              <a:rPr lang="en-US" sz="2000" dirty="0">
+                <a:solidFill>
+                  <a:srgbClr val="0D55F7"/>
+                </a:solidFill>
+              </a:rPr>
+              <a:t>Recent extensions?</a:t>
+            </a:r>
+          </a:p>
+          <a:p>
+            <a:pPr marL="457200" indent="-457200">
+              <a:lnSpc>
+                <a:spcPct val="150000"/>
+              </a:lnSpc>
+              <a:buFont typeface="Arial" panose="020B0604020202020204" pitchFamily="34" charset="0"/>
+              <a:buChar char="•"/>
+            </a:pPr>
+            <a:r>
+              <a:rPr lang="en-US" sz="2000" dirty="0">
+                <a:solidFill>
+                  <a:srgbClr val="0D55F7"/>
+                </a:solidFill>
+              </a:rPr>
+              <a:t>Please cite the publications to support your report.</a:t>
+            </a:r>
+          </a:p>
+          <a:p>
+            <a:pPr marL="457200" indent="-457200">
+              <a:lnSpc>
+                <a:spcPct val="150000"/>
+              </a:lnSpc>
+              <a:buFont typeface="Arial" panose="020B0604020202020204" pitchFamily="34" charset="0"/>
+              <a:buChar char="•"/>
+            </a:pPr>
+            <a:endParaRPr lang="en-US" sz="1000" dirty="0">
+              <a:solidFill>
+                <a:srgbClr val="0D55F7"/>
+              </a:solidFill>
+            </a:endParaRPr>
+          </a:p>
+          <a:p>
+            <a:pPr marL="457200" indent="-457200">
+              <a:lnSpc>
+                <a:spcPct val="150000"/>
+              </a:lnSpc>
+              <a:buFont typeface="Arial" panose="020B0604020202020204" pitchFamily="34" charset="0"/>
+              <a:buChar char="•"/>
+            </a:pPr>
+            <a:r>
+              <a:rPr lang="en-US" sz="2000" dirty="0">
+                <a:solidFill>
+                  <a:srgbClr val="C00000"/>
+                </a:solidFill>
+              </a:rPr>
+              <a:t>Submit the report as a .pdf file via Moodle.</a:t>
+            </a:r>
+            <a:endParaRPr lang="en-US" sz="1050" dirty="0">
+              <a:solidFill>
+                <a:srgbClr val="0D55F7"/>
+              </a:solidFill>
+            </a:endParaRPr>
+          </a:p>
+        </p:txBody>
+      </p:sp>
+    </p:spTree>
+    <p:extLst>
+      <p:ext uri="{BB962C8B-B14F-4D97-AF65-F5344CB8AC3E}">
+        <p14:creationId xmlns:p14="http://schemas.microsoft.com/office/powerpoint/2010/main" val="2235708559"/>
+      </p:ext>
+    </p:extLst>
+  </p:cSld>
+  <p:clrMapOvr>
+    <a:masterClrMapping/>
+  </p:clrMapOvr>
+</p:sld>
+</file>
+
+<file path=ppt/slides/slide29.xml><?xml version="1.0" encoding="utf-8"?>
+<p:sld xmlns:a="http://schemas.openxmlformats.org/drawingml/2006/main" xmlns:r="http://schemas.openxmlformats.org/officeDocument/2006/relationships" xmlns:p="http://schemas.openxmlformats.org/presentationml/2006/main">
+  <p:cSld>
+    <p:spTree>
+      <p:nvGrpSpPr>
+        <p:cNvPr id="1" name=""/>
+        <p:cNvGrpSpPr/>
+        <p:nvPr/>
+      </p:nvGrpSpPr>
+      <p:grpSpPr>
+        <a:xfrm>
+          <a:off x="0" y="0"/>
+          <a:ext cx="0" cy="0"/>
+          <a:chOff x="0" y="0"/>
+          <a:chExt cx="0" cy="0"/>
+        </a:xfrm>
+      </p:grpSpPr>
+      <p:sp>
+        <p:nvSpPr>
+          <p:cNvPr id="2" name="Title 1">
+            <a:extLst>
+              <a:ext uri="{FF2B5EF4-FFF2-40B4-BE49-F238E27FC236}">
+                <a16:creationId xmlns:a16="http://schemas.microsoft.com/office/drawing/2014/main" id="{F25DC289-3BDC-49D1-9646-ACC7F2805DC0}"/>
+              </a:ext>
+            </a:extLst>
+          </p:cNvPr>
+          <p:cNvSpPr>
+            <a:spLocks noGrp="1"/>
+          </p:cNvSpPr>
+          <p:nvPr>
+            <p:ph type="ctrTitle"/>
+          </p:nvPr>
+        </p:nvSpPr>
+        <p:spPr>
+          <a:xfrm>
+            <a:off x="1363579" y="953921"/>
+            <a:ext cx="9144000" cy="2387600"/>
+          </a:xfrm>
+        </p:spPr>
+        <p:txBody>
+          <a:bodyPr>
+            <a:normAutofit/>
+          </a:bodyPr>
+          <a:lstStyle/>
+          <a:p>
+            <a:r>
+              <a:rPr lang="en-US" sz="4400" b="1" dirty="0">
+                <a:solidFill>
+                  <a:srgbClr val="1955FF"/>
+                </a:solidFill>
+              </a:rPr>
+              <a:t>Q &amp; </a:t>
+            </a:r>
+            <a:r>
+              <a:rPr lang="en-US" altLang="zh-CN" sz="4400" b="1" dirty="0">
+                <a:solidFill>
+                  <a:srgbClr val="1955FF"/>
+                </a:solidFill>
+              </a:rPr>
+              <a:t>A </a:t>
+            </a:r>
+            <a:endParaRPr lang="en-US" sz="4400" b="1" dirty="0">
+              <a:solidFill>
+                <a:srgbClr val="1955FF"/>
+              </a:solidFill>
+            </a:endParaRPr>
+          </a:p>
+        </p:txBody>
+      </p:sp>
+      <p:sp>
+        <p:nvSpPr>
+          <p:cNvPr id="3" name="Subtitle 2">
+            <a:extLst>
+              <a:ext uri="{FF2B5EF4-FFF2-40B4-BE49-F238E27FC236}">
+                <a16:creationId xmlns:a16="http://schemas.microsoft.com/office/drawing/2014/main" id="{57F04F8D-3FBD-4534-9898-EDB816BAD131}"/>
+              </a:ext>
+            </a:extLst>
+          </p:cNvPr>
+          <p:cNvSpPr>
+            <a:spLocks noGrp="1"/>
+          </p:cNvSpPr>
+          <p:nvPr>
+            <p:ph type="subTitle" idx="1"/>
+          </p:nvPr>
+        </p:nvSpPr>
+        <p:spPr>
+          <a:xfrm>
+            <a:off x="1122947" y="5202238"/>
+            <a:ext cx="9144000" cy="1655762"/>
+          </a:xfrm>
+        </p:spPr>
+        <p:txBody>
+          <a:bodyPr>
+            <a:normAutofit/>
+          </a:bodyPr>
+          <a:lstStyle/>
+          <a:p>
+            <a:pPr algn="l"/>
+            <a:r>
+              <a:rPr lang="en-US" dirty="0">
+                <a:solidFill>
+                  <a:srgbClr val="C00000"/>
+                </a:solidFill>
+                <a:latin typeface="+mj-lt"/>
+              </a:rPr>
+              <a:t>Aoran Wang</a:t>
+            </a:r>
+          </a:p>
+          <a:p>
+            <a:pPr algn="l"/>
+            <a:r>
+              <a:rPr lang="en-US" dirty="0">
+                <a:solidFill>
+                  <a:srgbClr val="0D55F7"/>
+                </a:solidFill>
+                <a:latin typeface="+mj-lt"/>
+              </a:rPr>
+              <a:t>University of Luxembourg</a:t>
+            </a:r>
+          </a:p>
+          <a:p>
+            <a:pPr algn="l"/>
+            <a:r>
+              <a:rPr lang="en-US" dirty="0">
+                <a:solidFill>
+                  <a:srgbClr val="0D55F7"/>
+                </a:solidFill>
+                <a:latin typeface="+mj-lt"/>
+              </a:rPr>
+              <a:t>Email: aoran.wang@uni.lu</a:t>
+            </a:r>
+          </a:p>
+          <a:p>
+            <a:pPr algn="l"/>
+            <a:endParaRPr lang="en-US" dirty="0">
+              <a:solidFill>
+                <a:srgbClr val="0D55F7"/>
+              </a:solidFill>
+              <a:latin typeface="+mj-lt"/>
+            </a:endParaRPr>
+          </a:p>
+        </p:txBody>
+      </p:sp>
+    </p:spTree>
+    <p:extLst>
+      <p:ext uri="{BB962C8B-B14F-4D97-AF65-F5344CB8AC3E}">
+        <p14:creationId xmlns:p14="http://schemas.microsoft.com/office/powerpoint/2010/main" val="574324885"/>
       </p:ext>
     </p:extLst>
   </p:cSld>
@@ -4738,10 +11070,153 @@
       </p:grpSpPr>
       <p:sp>
         <p:nvSpPr>
-          <p:cNvPr id="2" name="Title 1">
+          <p:cNvPr id="4" name="TextBox 3">
             <a:extLst>
               <a:ext uri="{FF2B5EF4-FFF2-40B4-BE49-F238E27FC236}">
-                <a16:creationId xmlns:a16="http://schemas.microsoft.com/office/drawing/2014/main" id="{64C14DFB-3155-44BE-B017-B0CB2B0C928B}"/>
+                <a16:creationId xmlns:a16="http://schemas.microsoft.com/office/drawing/2014/main" id="{93ACE18E-354C-4AF3-9F1D-AA93039449EA}"/>
+              </a:ext>
+            </a:extLst>
+          </p:cNvPr>
+          <p:cNvSpPr txBox="1"/>
+          <p:nvPr/>
+        </p:nvSpPr>
+        <p:spPr>
+          <a:xfrm>
+            <a:off x="1303894" y="2513491"/>
+            <a:ext cx="8900719" cy="2204899"/>
+          </a:xfrm>
+          <a:prstGeom prst="rect">
+            <a:avLst/>
+          </a:prstGeom>
+          <a:noFill/>
+        </p:spPr>
+        <p:txBody>
+          <a:bodyPr wrap="square" rtlCol="0">
+            <a:spAutoFit/>
+          </a:bodyPr>
+          <a:lstStyle/>
+          <a:p>
+            <a:pPr marL="342900" indent="-342900">
+              <a:lnSpc>
+                <a:spcPct val="200000"/>
+              </a:lnSpc>
+              <a:buFont typeface="Arial" panose="020B0604020202020204" pitchFamily="34" charset="0"/>
+              <a:buChar char="•"/>
+            </a:pPr>
+            <a:r>
+              <a:rPr lang="en-US" sz="2400" dirty="0">
+                <a:solidFill>
+                  <a:srgbClr val="0D55F7"/>
+                </a:solidFill>
+              </a:rPr>
+              <a:t>Opinions are the drivers of human behavior</a:t>
+            </a:r>
+          </a:p>
+          <a:p>
+            <a:pPr marL="342900" indent="-342900">
+              <a:lnSpc>
+                <a:spcPct val="200000"/>
+              </a:lnSpc>
+              <a:buFont typeface="Arial" panose="020B0604020202020204" pitchFamily="34" charset="0"/>
+              <a:buChar char="•"/>
+            </a:pPr>
+            <a:r>
+              <a:rPr lang="en-US" sz="2400" dirty="0">
+                <a:solidFill>
+                  <a:srgbClr val="0D55F7"/>
+                </a:solidFill>
+              </a:rPr>
+              <a:t>Opinions play a crucial role in many global challenges</a:t>
+            </a:r>
+          </a:p>
+          <a:p>
+            <a:pPr marL="800100" lvl="1" indent="-342900">
+              <a:lnSpc>
+                <a:spcPct val="200000"/>
+              </a:lnSpc>
+              <a:buFont typeface="Arial" panose="020B0604020202020204" pitchFamily="34" charset="0"/>
+              <a:buChar char="•"/>
+            </a:pPr>
+            <a:r>
+              <a:rPr lang="en-US" sz="2400" dirty="0">
+                <a:solidFill>
+                  <a:srgbClr val="0D55F7"/>
+                </a:solidFill>
+              </a:rPr>
+              <a:t>E.g., global financial crisis, growth of cities…</a:t>
+            </a:r>
+          </a:p>
+        </p:txBody>
+      </p:sp>
+      <p:sp>
+        <p:nvSpPr>
+          <p:cNvPr id="13" name="Title 1">
+            <a:extLst>
+              <a:ext uri="{FF2B5EF4-FFF2-40B4-BE49-F238E27FC236}">
+                <a16:creationId xmlns:a16="http://schemas.microsoft.com/office/drawing/2014/main" id="{14786F00-58EB-4796-9254-8AD6D4AE872C}"/>
+              </a:ext>
+            </a:extLst>
+          </p:cNvPr>
+          <p:cNvSpPr txBox="1">
+            <a:spLocks/>
+          </p:cNvSpPr>
+          <p:nvPr/>
+        </p:nvSpPr>
+        <p:spPr>
+          <a:xfrm>
+            <a:off x="1054513" y="1142889"/>
+            <a:ext cx="10515600" cy="751766"/>
+          </a:xfrm>
+          <a:prstGeom prst="rect">
+            <a:avLst/>
+          </a:prstGeom>
+        </p:spPr>
+        <p:txBody>
+          <a:bodyPr vert="horz" lIns="91440" tIns="45720" rIns="91440" bIns="45720" rtlCol="0" anchor="ctr">
+            <a:normAutofit/>
+          </a:bodyPr>
+          <a:lstStyle>
+            <a:lvl1pPr algn="l" defTabSz="914400" rtl="0" eaLnBrk="1" latinLnBrk="0" hangingPunct="1">
+              <a:lnSpc>
+                <a:spcPct val="90000"/>
+              </a:lnSpc>
+              <a:spcBef>
+                <a:spcPct val="0"/>
+              </a:spcBef>
+              <a:buNone/>
+              <a:defRPr sz="4400" kern="1200">
+                <a:solidFill>
+                  <a:schemeClr val="tx1"/>
+                </a:solidFill>
+                <a:latin typeface="+mj-lt"/>
+                <a:ea typeface="+mj-ea"/>
+                <a:cs typeface="+mj-cs"/>
+              </a:defRPr>
+            </a:lvl1pPr>
+          </a:lstStyle>
+          <a:p>
+            <a:r>
+              <a:rPr lang="en-US" altLang="zh-CN" sz="3200" b="1" dirty="0">
+                <a:solidFill>
+                  <a:srgbClr val="0D55F7"/>
+                </a:solidFill>
+              </a:rPr>
+              <a:t> Decision Based Models in Social Science: Opinion Dynamics</a:t>
+            </a:r>
+            <a:endParaRPr lang="en-US" sz="3200" b="1" dirty="0">
+              <a:solidFill>
+                <a:srgbClr val="0D55F7"/>
+              </a:solidFill>
+            </a:endParaRPr>
+          </a:p>
+        </p:txBody>
+      </p:sp>
+      <p:sp>
+        <p:nvSpPr>
+          <p:cNvPr id="7" name="Title 1">
+            <a:extLst>
+              <a:ext uri="{FF2B5EF4-FFF2-40B4-BE49-F238E27FC236}">
+                <a16:creationId xmlns:a16="http://schemas.microsoft.com/office/drawing/2014/main" id="{358D94D4-58D1-4EAA-A368-815779EE4A07}"/>
               </a:ext>
             </a:extLst>
           </p:cNvPr>
@@ -4765,14 +11240,14 @@
           <a:lstStyle/>
           <a:p>
             <a:r>
-              <a:rPr lang="en-US" altLang="zh-CN" sz="2800" dirty="0">
-                <a:solidFill>
-                  <a:srgbClr val="0D55F7"/>
-                </a:solidFill>
-              </a:rPr>
-              <a:t>Video</a:t>
-            </a:r>
-            <a:endParaRPr lang="en-US" sz="2800" dirty="0">
+              <a:rPr lang="en-US" altLang="zh-CN" sz="2400" dirty="0">
+                <a:solidFill>
+                  <a:srgbClr val="0D55F7"/>
+                </a:solidFill>
+              </a:rPr>
+              <a:t>More about cascade</a:t>
+            </a:r>
+            <a:endParaRPr lang="en-US" sz="2400" dirty="0">
               <a:solidFill>
                 <a:srgbClr val="0D55F7"/>
               </a:solidFill>
@@ -4782,10 +11257,10 @@
       </p:sp>
       <p:sp>
         <p:nvSpPr>
-          <p:cNvPr id="5" name="TextBox 4">
+          <p:cNvPr id="6" name="TextBox 5">
             <a:extLst>
               <a:ext uri="{FF2B5EF4-FFF2-40B4-BE49-F238E27FC236}">
-                <a16:creationId xmlns:a16="http://schemas.microsoft.com/office/drawing/2014/main" id="{E5AD7655-446D-4003-B014-CEA021E32F6C}"/>
+                <a16:creationId xmlns:a16="http://schemas.microsoft.com/office/drawing/2014/main" id="{FD937BBB-FDAE-474B-968B-E95ACCDEC407}"/>
               </a:ext>
             </a:extLst>
           </p:cNvPr>
@@ -4794,8 +11269,8 @@
         </p:nvSpPr>
         <p:spPr>
           <a:xfrm>
-            <a:off x="1048466" y="1988686"/>
-            <a:ext cx="10515600" cy="1569660"/>
+            <a:off x="1644072" y="5337226"/>
+            <a:ext cx="8903855" cy="461665"/>
           </a:xfrm>
           <a:prstGeom prst="rect">
             <a:avLst/>
@@ -4811,43 +11286,10 @@
             <a:r>
               <a:rPr lang="en-US" sz="2400" dirty="0">
                 <a:solidFill>
-                  <a:srgbClr val="0D55F7"/>
-                </a:solidFill>
-              </a:rPr>
-              <a:t>Watch the video “(Mis)(Dis)information, online social networks, and mathematics” :</a:t>
-            </a:r>
-          </a:p>
-          <a:p>
-            <a:endParaRPr lang="en-US" sz="2400" dirty="0">
-              <a:solidFill>
-                <a:srgbClr val="0D55F7"/>
-              </a:solidFill>
-            </a:endParaRPr>
-          </a:p>
-          <a:p>
-            <a:endParaRPr lang="en-US" sz="2400" dirty="0">
-              <a:solidFill>
-                <a:srgbClr val="0D55F7"/>
-              </a:solidFill>
-            </a:endParaRPr>
-          </a:p>
-          <a:p>
-            <a:r>
-              <a:rPr lang="en-US" sz="2400" dirty="0">
-                <a:solidFill>
-                  <a:srgbClr val="0D55F7"/>
-                </a:solidFill>
-                <a:hlinkClick r:id="rId3"/>
-              </a:rPr>
-              <a:t>https://www.youtube.com/watch?v=2jWqTu-ynrg</a:t>
-            </a:r>
-            <a:r>
-              <a:rPr lang="en-US" sz="2400" dirty="0">
-                <a:solidFill>
-                  <a:srgbClr val="0D55F7"/>
-                </a:solidFill>
-              </a:rPr>
-              <a:t> </a:t>
+                  <a:srgbClr val="FF0000"/>
+                </a:solidFill>
+              </a:rPr>
+              <a:t>Can you give an example where opinion affects mass population?</a:t>
             </a:r>
           </a:p>
         </p:txBody>
@@ -4855,7 +11297,7 @@
     </p:spTree>
     <p:extLst>
       <p:ext uri="{BB962C8B-B14F-4D97-AF65-F5344CB8AC3E}">
-        <p14:creationId xmlns:p14="http://schemas.microsoft.com/office/powerpoint/2010/main" val="841488390"/>
+        <p14:creationId xmlns:p14="http://schemas.microsoft.com/office/powerpoint/2010/main" val="3699800940"/>
       </p:ext>
     </p:extLst>
   </p:cSld>
@@ -4884,48 +11326,146 @@
       </p:grpSpPr>
       <p:sp>
         <p:nvSpPr>
-          <p:cNvPr id="2" name="Title 1">
+          <p:cNvPr id="4" name="TextBox 3">
             <a:extLst>
               <a:ext uri="{FF2B5EF4-FFF2-40B4-BE49-F238E27FC236}">
-                <a16:creationId xmlns:a16="http://schemas.microsoft.com/office/drawing/2014/main" id="{64C14DFB-3155-44BE-B017-B0CB2B0C928B}"/>
+                <a16:creationId xmlns:a16="http://schemas.microsoft.com/office/drawing/2014/main" id="{93ACE18E-354C-4AF3-9F1D-AA93039449EA}"/>
               </a:ext>
             </a:extLst>
           </p:cNvPr>
-          <p:cNvSpPr>
-            <a:spLocks noGrp="1"/>
-          </p:cNvSpPr>
-          <p:nvPr>
-            <p:ph type="title"/>
-          </p:nvPr>
+          <p:cNvSpPr txBox="1"/>
+          <p:nvPr/>
         </p:nvSpPr>
         <p:spPr>
           <a:xfrm>
-            <a:off x="112295" y="106488"/>
-            <a:ext cx="10515600" cy="751766"/>
+            <a:off x="1174585" y="1155746"/>
+            <a:ext cx="8900719" cy="3682226"/>
           </a:xfrm>
+          <a:prstGeom prst="rect">
+            <a:avLst/>
+          </a:prstGeom>
+          <a:noFill/>
         </p:spPr>
         <p:txBody>
-          <a:bodyPr>
-            <a:normAutofit/>
+          <a:bodyPr wrap="square" rtlCol="0">
+            <a:spAutoFit/>
           </a:bodyPr>
           <a:lstStyle/>
           <a:p>
-            <a:r>
-              <a:rPr lang="en-US" altLang="zh-CN" sz="2800" dirty="0">
-                <a:solidFill>
-                  <a:srgbClr val="0D55F7"/>
-                </a:solidFill>
-              </a:rPr>
-              <a:t>Assignment</a:t>
-            </a:r>
-            <a:endParaRPr lang="en-US" sz="2800" dirty="0">
-              <a:solidFill>
-                <a:srgbClr val="0D55F7"/>
-              </a:solidFill>
-            </a:endParaRPr>
+            <a:pPr>
+              <a:lnSpc>
+                <a:spcPct val="200000"/>
+              </a:lnSpc>
+            </a:pPr>
+            <a:r>
+              <a:rPr lang="en-US" sz="2400" dirty="0">
+                <a:solidFill>
+                  <a:srgbClr val="0D55F7"/>
+                </a:solidFill>
+              </a:rPr>
+              <a:t>The formation of opinion is a complex process:</a:t>
+            </a:r>
+          </a:p>
+          <a:p>
+            <a:pPr marL="800100" lvl="1" indent="-342900">
+              <a:lnSpc>
+                <a:spcPct val="200000"/>
+              </a:lnSpc>
+              <a:buFont typeface="Arial" panose="020B0604020202020204" pitchFamily="34" charset="0"/>
+              <a:buChar char="•"/>
+            </a:pPr>
+            <a:r>
+              <a:rPr lang="en-US" sz="2400" dirty="0">
+                <a:solidFill>
+                  <a:srgbClr val="0D55F7"/>
+                </a:solidFill>
+              </a:rPr>
+              <a:t>Individual predisposition</a:t>
+            </a:r>
+          </a:p>
+          <a:p>
+            <a:pPr marL="800100" lvl="1" indent="-342900">
+              <a:lnSpc>
+                <a:spcPct val="200000"/>
+              </a:lnSpc>
+              <a:buFont typeface="Arial" panose="020B0604020202020204" pitchFamily="34" charset="0"/>
+              <a:buChar char="•"/>
+            </a:pPr>
+            <a:r>
+              <a:rPr lang="en-US" sz="2400" dirty="0">
+                <a:solidFill>
+                  <a:srgbClr val="0D55F7"/>
+                </a:solidFill>
+              </a:rPr>
+              <a:t>The influence of positive and negative peer interaction</a:t>
+            </a:r>
+          </a:p>
+          <a:p>
+            <a:pPr marL="800100" lvl="1" indent="-342900">
+              <a:lnSpc>
+                <a:spcPct val="200000"/>
+              </a:lnSpc>
+              <a:buFont typeface="Arial" panose="020B0604020202020204" pitchFamily="34" charset="0"/>
+              <a:buChar char="•"/>
+            </a:pPr>
+            <a:r>
+              <a:rPr lang="en-US" sz="2400" dirty="0">
+                <a:solidFill>
+                  <a:srgbClr val="0D55F7"/>
+                </a:solidFill>
+              </a:rPr>
+              <a:t>The information each individual is exposed to</a:t>
+            </a:r>
+          </a:p>
+          <a:p>
+            <a:pPr marL="800100" lvl="1" indent="-342900">
+              <a:lnSpc>
+                <a:spcPct val="200000"/>
+              </a:lnSpc>
+              <a:buFont typeface="Arial" panose="020B0604020202020204" pitchFamily="34" charset="0"/>
+              <a:buChar char="•"/>
+            </a:pPr>
+            <a:r>
+              <a:rPr lang="en-US" sz="2400" dirty="0">
+                <a:solidFill>
+                  <a:srgbClr val="0D55F7"/>
+                </a:solidFill>
+              </a:rPr>
+              <a:t>And many others…</a:t>
+            </a:r>
           </a:p>
         </p:txBody>
       </p:sp>
+    </p:spTree>
+    <p:extLst>
+      <p:ext uri="{BB962C8B-B14F-4D97-AF65-F5344CB8AC3E}">
+        <p14:creationId xmlns:p14="http://schemas.microsoft.com/office/powerpoint/2010/main" val="662836864"/>
+      </p:ext>
+    </p:extLst>
+  </p:cSld>
+  <p:clrMapOvr>
+    <a:masterClrMapping/>
+  </p:clrMapOvr>
+</p:sld>
+</file>
+
+<file path=ppt/slides/slide8.xml><?xml version="1.0" encoding="utf-8"?>
+<p:sld xmlns:a="http://schemas.openxmlformats.org/drawingml/2006/main" xmlns:r="http://schemas.openxmlformats.org/officeDocument/2006/relationships" xmlns:p="http://schemas.openxmlformats.org/presentationml/2006/main">
+  <p:cSld>
+    <p:spTree>
+      <p:nvGrpSpPr>
+        <p:cNvPr id="1" name=""/>
+        <p:cNvGrpSpPr/>
+        <p:nvPr/>
+      </p:nvGrpSpPr>
+      <p:grpSpPr>
+        <a:xfrm>
+          <a:off x="0" y="0"/>
+          <a:ext cx="0" cy="0"/>
+          <a:chOff x="0" y="0"/>
+          <a:chExt cx="0" cy="0"/>
+        </a:xfrm>
+      </p:grpSpPr>
       <p:sp>
         <p:nvSpPr>
           <p:cNvPr id="4" name="TextBox 3">
@@ -4940,8 +11480,8 @@
         </p:nvSpPr>
         <p:spPr>
           <a:xfrm>
-            <a:off x="1332537" y="1599148"/>
-            <a:ext cx="10198625" cy="2802627"/>
+            <a:off x="1322367" y="738423"/>
+            <a:ext cx="8900719" cy="5381153"/>
           </a:xfrm>
           <a:prstGeom prst="rect">
             <a:avLst/>
@@ -4956,7 +11496,7 @@
           <a:p>
             <a:pPr>
               <a:lnSpc>
-                <a:spcPct val="150000"/>
+                <a:spcPct val="120000"/>
               </a:lnSpc>
             </a:pPr>
             <a:r>
@@ -4965,15 +11505,75 @@
                   <a:srgbClr val="0D55F7"/>
                 </a:solidFill>
               </a:rPr>
-              <a:t>Continue the assignment with </a:t>
-            </a:r>
+              <a:t>Existing one-dimensional models of opinion dynamics and extensions:</a:t>
+            </a:r>
+          </a:p>
+          <a:p>
+            <a:pPr marL="800100" lvl="1" indent="-342900">
+              <a:lnSpc>
+                <a:spcPct val="120000"/>
+              </a:lnSpc>
+              <a:buFont typeface="Arial" panose="020B0604020202020204" pitchFamily="34" charset="0"/>
+              <a:buChar char="•"/>
+            </a:pPr>
+            <a:r>
+              <a:rPr lang="en-US" sz="2400" dirty="0">
+                <a:solidFill>
+                  <a:srgbClr val="0D55F7"/>
+                </a:solidFill>
+              </a:rPr>
+              <a:t>Discrete models:</a:t>
+            </a:r>
+          </a:p>
+          <a:p>
+            <a:pPr marL="1257300" lvl="2" indent="-342900">
+              <a:lnSpc>
+                <a:spcPct val="120000"/>
+              </a:lnSpc>
+              <a:buFont typeface="Arial" panose="020B0604020202020204" pitchFamily="34" charset="0"/>
+              <a:buChar char="•"/>
+            </a:pPr>
+            <a:r>
+              <a:rPr lang="en-US" sz="2400" dirty="0">
+                <a:solidFill>
+                  <a:srgbClr val="0D55F7"/>
+                </a:solidFill>
+              </a:rPr>
+              <a:t>The voter model / q-voter model</a:t>
+            </a:r>
+          </a:p>
+          <a:p>
+            <a:pPr marL="1257300" lvl="2" indent="-342900">
+              <a:lnSpc>
+                <a:spcPct val="120000"/>
+              </a:lnSpc>
+              <a:buFont typeface="Arial" panose="020B0604020202020204" pitchFamily="34" charset="0"/>
+              <a:buChar char="•"/>
+            </a:pPr>
+            <a:r>
+              <a:rPr lang="en-US" sz="2400" dirty="0">
+                <a:solidFill>
+                  <a:srgbClr val="0D55F7"/>
+                </a:solidFill>
+              </a:rPr>
+              <a:t>The majority rule model</a:t>
+            </a:r>
+          </a:p>
+          <a:p>
+            <a:pPr marL="1257300" lvl="2" indent="-342900">
+              <a:lnSpc>
+                <a:spcPct val="120000"/>
+              </a:lnSpc>
+              <a:buFont typeface="Arial" panose="020B0604020202020204" pitchFamily="34" charset="0"/>
+              <a:buChar char="•"/>
+            </a:pPr>
             <a:r>
               <a:rPr lang="en-US" sz="2400" dirty="0" err="1">
                 <a:solidFill>
                   <a:srgbClr val="0D55F7"/>
                 </a:solidFill>
               </a:rPr>
-              <a:t>NDlib</a:t>
+              <a:t>Sznajd</a:t>
             </a:r>
             <a:r>
               <a:rPr lang="en-US" sz="2400" dirty="0">
@@ -4981,137 +11581,150 @@
                   <a:srgbClr val="0D55F7"/>
                 </a:solidFill>
               </a:rPr>
-              <a:t> and </a:t>
-            </a:r>
+              <a:t> model</a:t>
+            </a:r>
+          </a:p>
+          <a:p>
+            <a:pPr marL="800100" lvl="1" indent="-342900">
+              <a:lnSpc>
+                <a:spcPct val="120000"/>
+              </a:lnSpc>
+              <a:buFont typeface="Arial" panose="020B0604020202020204" pitchFamily="34" charset="0"/>
+              <a:buChar char="•"/>
+            </a:pPr>
+            <a:r>
+              <a:rPr lang="en-US" sz="2400" dirty="0">
+                <a:solidFill>
+                  <a:srgbClr val="0D55F7"/>
+                </a:solidFill>
+              </a:rPr>
+              <a:t>Continuous models:</a:t>
+            </a:r>
+          </a:p>
+          <a:p>
+            <a:pPr marL="1257300" lvl="2" indent="-342900">
+              <a:lnSpc>
+                <a:spcPct val="120000"/>
+              </a:lnSpc>
+              <a:buFont typeface="Arial" panose="020B0604020202020204" pitchFamily="34" charset="0"/>
+              <a:buChar char="•"/>
+            </a:pPr>
             <a:r>
               <a:rPr lang="en-US" sz="2400" dirty="0" err="1">
                 <a:solidFill>
                   <a:srgbClr val="0D55F7"/>
                 </a:solidFill>
               </a:rPr>
-              <a:t>networkx</a:t>
-            </a:r>
-            <a:r>
-              <a:rPr lang="en-US" sz="2400" dirty="0">
-                <a:solidFill>
-                  <a:srgbClr val="0D55F7"/>
-                </a:solidFill>
-              </a:rPr>
-              <a:t>: </a:t>
-            </a:r>
-          </a:p>
-          <a:p>
-            <a:pPr>
-              <a:lnSpc>
-                <a:spcPct val="150000"/>
-              </a:lnSpc>
-            </a:pPr>
-            <a:endParaRPr lang="en-US" sz="1400" dirty="0">
+              <a:t>Deffuant-Weisbuch</a:t>
+            </a:r>
+            <a:endParaRPr lang="en-US" sz="2400" dirty="0">
               <a:solidFill>
                 <a:srgbClr val="0D55F7"/>
               </a:solidFill>
             </a:endParaRPr>
           </a:p>
           <a:p>
-            <a:pPr marL="457200" indent="-457200">
+            <a:pPr marL="1257300" lvl="2" indent="-342900">
               <a:lnSpc>
-                <a:spcPct val="150000"/>
+                <a:spcPct val="120000"/>
               </a:lnSpc>
               <a:buFont typeface="Arial" panose="020B0604020202020204" pitchFamily="34" charset="0"/>
               <a:buChar char="•"/>
             </a:pPr>
             <a:r>
-              <a:rPr lang="en-US" sz="2000" dirty="0">
-                <a:solidFill>
-                  <a:srgbClr val="0D55F7"/>
-                </a:solidFill>
-              </a:rPr>
-              <a:t>Based on the code scripts from the last assignment.</a:t>
-            </a:r>
-          </a:p>
-          <a:p>
-            <a:pPr marL="457200" indent="-457200">
+              <a:rPr lang="en-US" sz="2400" dirty="0">
+                <a:solidFill>
+                  <a:srgbClr val="0D55F7"/>
+                </a:solidFill>
+              </a:rPr>
+              <a:t>The </a:t>
+            </a:r>
+            <a:r>
+              <a:rPr lang="en-US" sz="2400" dirty="0" err="1">
+                <a:solidFill>
+                  <a:srgbClr val="0D55F7"/>
+                </a:solidFill>
+              </a:rPr>
+              <a:t>Hegselmann</a:t>
+            </a:r>
+            <a:r>
+              <a:rPr lang="en-US" sz="2400" dirty="0">
+                <a:solidFill>
+                  <a:srgbClr val="0D55F7"/>
+                </a:solidFill>
+              </a:rPr>
+              <a:t>-Krause model</a:t>
+            </a:r>
+          </a:p>
+          <a:p>
+            <a:pPr marL="800100" lvl="1" indent="-342900">
               <a:lnSpc>
-                <a:spcPct val="150000"/>
+                <a:spcPct val="120000"/>
               </a:lnSpc>
               <a:buFont typeface="Arial" panose="020B0604020202020204" pitchFamily="34" charset="0"/>
               <a:buChar char="•"/>
             </a:pPr>
             <a:r>
-              <a:rPr lang="en-US" sz="2000" dirty="0">
-                <a:solidFill>
-                  <a:srgbClr val="0D55F7"/>
-                </a:solidFill>
-              </a:rPr>
-              <a:t>Answer the questions in the question sheet with your datasets.</a:t>
-            </a:r>
-          </a:p>
-          <a:p>
-            <a:pPr marL="457200" indent="-457200">
+              <a:rPr lang="en-US" sz="2400" dirty="0">
+                <a:solidFill>
+                  <a:srgbClr val="0D55F7"/>
+                </a:solidFill>
+              </a:rPr>
+              <a:t>Hybrid models:</a:t>
+            </a:r>
+          </a:p>
+          <a:p>
+            <a:pPr marL="1257300" lvl="2" indent="-342900">
               <a:lnSpc>
-                <a:spcPct val="150000"/>
+                <a:spcPct val="120000"/>
               </a:lnSpc>
               <a:buFont typeface="Arial" panose="020B0604020202020204" pitchFamily="34" charset="0"/>
               <a:buChar char="•"/>
             </a:pPr>
-            <a:endParaRPr lang="en-US" sz="1000" dirty="0">
+            <a:r>
+              <a:rPr lang="en-US" sz="2400" dirty="0">
+                <a:solidFill>
+                  <a:srgbClr val="0D55F7"/>
+                </a:solidFill>
+              </a:rPr>
+              <a:t>The CODA model</a:t>
+            </a:r>
+          </a:p>
+          <a:p>
+            <a:pPr marL="1257300" lvl="2" indent="-342900">
+              <a:lnSpc>
+                <a:spcPct val="120000"/>
+              </a:lnSpc>
+              <a:buFont typeface="Arial" panose="020B0604020202020204" pitchFamily="34" charset="0"/>
+              <a:buChar char="•"/>
+            </a:pPr>
+            <a:endParaRPr lang="en-US" sz="2400" dirty="0">
               <a:solidFill>
                 <a:srgbClr val="0D55F7"/>
               </a:solidFill>
             </a:endParaRPr>
           </a:p>
           <a:p>
-            <a:pPr marL="457200" indent="-457200">
+            <a:pPr>
               <a:lnSpc>
-                <a:spcPct val="150000"/>
+                <a:spcPct val="120000"/>
               </a:lnSpc>
-              <a:buFont typeface="Arial" panose="020B0604020202020204" pitchFamily="34" charset="0"/>
-              <a:buChar char="•"/>
             </a:pPr>
             <a:r>
-              <a:rPr lang="en-US" sz="2000" dirty="0">
-                <a:solidFill>
-                  <a:srgbClr val="C00000"/>
-                </a:solidFill>
-              </a:rPr>
-              <a:t>Also submit the code ! (Attachment or link to your </a:t>
-            </a:r>
-            <a:r>
-              <a:rPr lang="en-US" sz="2000" dirty="0" err="1">
-                <a:solidFill>
-                  <a:srgbClr val="C00000"/>
-                </a:solidFill>
-              </a:rPr>
-              <a:t>Github</a:t>
-            </a:r>
-            <a:r>
-              <a:rPr lang="en-US" sz="2000" dirty="0">
-                <a:solidFill>
-                  <a:srgbClr val="C00000"/>
-                </a:solidFill>
-              </a:rPr>
-              <a:t> repository)</a:t>
-            </a:r>
-          </a:p>
-          <a:p>
-            <a:pPr marL="457200" indent="-457200">
-              <a:lnSpc>
-                <a:spcPct val="150000"/>
-              </a:lnSpc>
-              <a:buAutoNum type="arabicParenR"/>
-            </a:pPr>
-            <a:endParaRPr lang="en-US" sz="1050" dirty="0">
-              <a:solidFill>
-                <a:srgbClr val="0D55F7"/>
-              </a:solidFill>
-            </a:endParaRPr>
+              <a:rPr lang="en-US" sz="2400" dirty="0">
+                <a:solidFill>
+                  <a:srgbClr val="0D55F7"/>
+                </a:solidFill>
+              </a:rPr>
+              <a:t>And multi-dimensional models….</a:t>
+            </a:r>
           </a:p>
         </p:txBody>
       </p:sp>
     </p:spTree>
     <p:extLst>
       <p:ext uri="{BB962C8B-B14F-4D97-AF65-F5344CB8AC3E}">
-        <p14:creationId xmlns:p14="http://schemas.microsoft.com/office/powerpoint/2010/main" val="2235708559"/>
+        <p14:creationId xmlns:p14="http://schemas.microsoft.com/office/powerpoint/2010/main" val="3438760990"/>
       </p:ext>
     </p:extLst>
   </p:cSld>
@@ -5121,7 +11734,7 @@
 </p:sld>
 </file>
 
-<file path=ppt/slides/slide8.xml><?xml version="1.0" encoding="utf-8"?>
+<file path=ppt/slides/slide9.xml><?xml version="1.0" encoding="utf-8"?>
 <p:sld xmlns:a="http://schemas.openxmlformats.org/drawingml/2006/main" xmlns:r="http://schemas.openxmlformats.org/officeDocument/2006/relationships" xmlns:p="http://schemas.openxmlformats.org/presentationml/2006/main">
   <p:cSld>
     <p:spTree>
@@ -5167,107 +11780,20 @@
           <a:lstStyle/>
           <a:p>
             <a:r>
-              <a:rPr lang="en-US" sz="4400" b="1" dirty="0">
-                <a:solidFill>
-                  <a:srgbClr val="1955FF"/>
-                </a:solidFill>
-              </a:rPr>
-              <a:t>Q &amp; </a:t>
-            </a:r>
-            <a:r>
-              <a:rPr lang="en-US" altLang="zh-CN" sz="4400" b="1" dirty="0">
-                <a:solidFill>
-                  <a:srgbClr val="1955FF"/>
-                </a:solidFill>
-              </a:rPr>
-              <a:t>A </a:t>
-            </a:r>
-            <a:endParaRPr lang="en-US" sz="4400" b="1" dirty="0">
-              <a:solidFill>
-                <a:srgbClr val="1955FF"/>
-              </a:solidFill>
-            </a:endParaRPr>
-          </a:p>
-        </p:txBody>
-      </p:sp>
-      <p:sp>
-        <p:nvSpPr>
-          <p:cNvPr id="3" name="Subtitle 2">
-            <a:extLst>
-              <a:ext uri="{FF2B5EF4-FFF2-40B4-BE49-F238E27FC236}">
-                <a16:creationId xmlns:a16="http://schemas.microsoft.com/office/drawing/2014/main" id="{57F04F8D-3FBD-4534-9898-EDB816BAD131}"/>
-              </a:ext>
-            </a:extLst>
-          </p:cNvPr>
-          <p:cNvSpPr>
-            <a:spLocks noGrp="1"/>
-          </p:cNvSpPr>
-          <p:nvPr>
-            <p:ph type="subTitle" idx="1"/>
-          </p:nvPr>
-        </p:nvSpPr>
-        <p:spPr>
-          <a:xfrm>
-            <a:off x="1122947" y="5202238"/>
-            <a:ext cx="9144000" cy="1655762"/>
-          </a:xfrm>
-        </p:spPr>
-        <p:txBody>
-          <a:bodyPr>
-            <a:normAutofit/>
-          </a:bodyPr>
-          <a:lstStyle/>
-          <a:p>
-            <a:pPr algn="l"/>
-            <a:r>
-              <a:rPr lang="en-US" dirty="0">
-                <a:solidFill>
-                  <a:srgbClr val="C00000"/>
-                </a:solidFill>
-                <a:latin typeface="+mj-lt"/>
-              </a:rPr>
-              <a:t>Aoran Wang</a:t>
-            </a:r>
-          </a:p>
-          <a:p>
-            <a:pPr algn="l"/>
-            <a:r>
-              <a:rPr lang="en-US" dirty="0">
-                <a:solidFill>
-                  <a:srgbClr val="0D55F7"/>
-                </a:solidFill>
-                <a:latin typeface="+mj-lt"/>
-              </a:rPr>
-              <a:t>University of Luxembourg</a:t>
-            </a:r>
-          </a:p>
-          <a:p>
-            <a:pPr algn="l"/>
-            <a:r>
-              <a:rPr lang="en-US" dirty="0">
-                <a:solidFill>
-                  <a:srgbClr val="0D55F7"/>
-                </a:solidFill>
-                <a:latin typeface="+mj-lt"/>
-              </a:rPr>
-              <a:t>Email: aoran.wang@uni.lu</a:t>
-            </a:r>
-          </a:p>
-          <a:p>
-            <a:pPr algn="l"/>
-            <a:endParaRPr lang="en-US" dirty="0">
-              <a:solidFill>
-                <a:srgbClr val="0D55F7"/>
-              </a:solidFill>
-              <a:latin typeface="+mj-lt"/>
-            </a:endParaRPr>
+              <a:rPr lang="en-US" sz="3600" dirty="0">
+                <a:solidFill>
+                  <a:srgbClr val="0D55F7"/>
+                </a:solidFill>
+              </a:rPr>
+              <a:t>Discrete Models</a:t>
+            </a:r>
           </a:p>
         </p:txBody>
       </p:sp>
     </p:spTree>
     <p:extLst>
       <p:ext uri="{BB962C8B-B14F-4D97-AF65-F5344CB8AC3E}">
-        <p14:creationId xmlns:p14="http://schemas.microsoft.com/office/powerpoint/2010/main" val="574324885"/>
+        <p14:creationId xmlns:p14="http://schemas.microsoft.com/office/powerpoint/2010/main" val="2834773980"/>
       </p:ext>
     </p:extLst>
   </p:cSld>
